--- a/Documents/Quick_Analisi_V1.0.pptx
+++ b/Documents/Quick_Analisi_V1.0.pptx
@@ -105,6 +105,11 @@
       </a:defRPr>
     </a:lvl9pPr>
   </p:defaultTextStyle>
+  <p:extLst>
+    <p:ext uri="{EFAFB233-063F-42B5-8137-9DF3F51BA10A}">
+      <p15:sldGuideLst xmlns:p15="http://schemas.microsoft.com/office/powerpoint/2012/main"/>
+    </p:ext>
+  </p:extLst>
 </p:presentation>
 </file>
 
@@ -255,7 +260,7 @@
           <a:p>
             <a:fld id="{51FA19A8-9AAE-4D0B-8ECE-0C8D203A3AA0}" type="datetimeFigureOut">
               <a:rPr lang="it-IT" smtClean="0"/>
-              <a:t>13/01/2022</a:t>
+              <a:t>14/01/2022</a:t>
             </a:fld>
             <a:endParaRPr lang="it-IT"/>
           </a:p>
@@ -453,7 +458,7 @@
           <a:p>
             <a:fld id="{51FA19A8-9AAE-4D0B-8ECE-0C8D203A3AA0}" type="datetimeFigureOut">
               <a:rPr lang="it-IT" smtClean="0"/>
-              <a:t>13/01/2022</a:t>
+              <a:t>14/01/2022</a:t>
             </a:fld>
             <a:endParaRPr lang="it-IT"/>
           </a:p>
@@ -661,7 +666,7 @@
           <a:p>
             <a:fld id="{51FA19A8-9AAE-4D0B-8ECE-0C8D203A3AA0}" type="datetimeFigureOut">
               <a:rPr lang="it-IT" smtClean="0"/>
-              <a:t>13/01/2022</a:t>
+              <a:t>14/01/2022</a:t>
             </a:fld>
             <a:endParaRPr lang="it-IT"/>
           </a:p>
@@ -859,7 +864,7 @@
           <a:p>
             <a:fld id="{51FA19A8-9AAE-4D0B-8ECE-0C8D203A3AA0}" type="datetimeFigureOut">
               <a:rPr lang="it-IT" smtClean="0"/>
-              <a:t>13/01/2022</a:t>
+              <a:t>14/01/2022</a:t>
             </a:fld>
             <a:endParaRPr lang="it-IT"/>
           </a:p>
@@ -1134,7 +1139,7 @@
           <a:p>
             <a:fld id="{51FA19A8-9AAE-4D0B-8ECE-0C8D203A3AA0}" type="datetimeFigureOut">
               <a:rPr lang="it-IT" smtClean="0"/>
-              <a:t>13/01/2022</a:t>
+              <a:t>14/01/2022</a:t>
             </a:fld>
             <a:endParaRPr lang="it-IT"/>
           </a:p>
@@ -1399,7 +1404,7 @@
           <a:p>
             <a:fld id="{51FA19A8-9AAE-4D0B-8ECE-0C8D203A3AA0}" type="datetimeFigureOut">
               <a:rPr lang="it-IT" smtClean="0"/>
-              <a:t>13/01/2022</a:t>
+              <a:t>14/01/2022</a:t>
             </a:fld>
             <a:endParaRPr lang="it-IT"/>
           </a:p>
@@ -1811,7 +1816,7 @@
           <a:p>
             <a:fld id="{51FA19A8-9AAE-4D0B-8ECE-0C8D203A3AA0}" type="datetimeFigureOut">
               <a:rPr lang="it-IT" smtClean="0"/>
-              <a:t>13/01/2022</a:t>
+              <a:t>14/01/2022</a:t>
             </a:fld>
             <a:endParaRPr lang="it-IT"/>
           </a:p>
@@ -1952,7 +1957,7 @@
           <a:p>
             <a:fld id="{51FA19A8-9AAE-4D0B-8ECE-0C8D203A3AA0}" type="datetimeFigureOut">
               <a:rPr lang="it-IT" smtClean="0"/>
-              <a:t>13/01/2022</a:t>
+              <a:t>14/01/2022</a:t>
             </a:fld>
             <a:endParaRPr lang="it-IT"/>
           </a:p>
@@ -2065,7 +2070,7 @@
           <a:p>
             <a:fld id="{51FA19A8-9AAE-4D0B-8ECE-0C8D203A3AA0}" type="datetimeFigureOut">
               <a:rPr lang="it-IT" smtClean="0"/>
-              <a:t>13/01/2022</a:t>
+              <a:t>14/01/2022</a:t>
             </a:fld>
             <a:endParaRPr lang="it-IT"/>
           </a:p>
@@ -2376,7 +2381,7 @@
           <a:p>
             <a:fld id="{51FA19A8-9AAE-4D0B-8ECE-0C8D203A3AA0}" type="datetimeFigureOut">
               <a:rPr lang="it-IT" smtClean="0"/>
-              <a:t>13/01/2022</a:t>
+              <a:t>14/01/2022</a:t>
             </a:fld>
             <a:endParaRPr lang="it-IT"/>
           </a:p>
@@ -2664,7 +2669,7 @@
           <a:p>
             <a:fld id="{51FA19A8-9AAE-4D0B-8ECE-0C8D203A3AA0}" type="datetimeFigureOut">
               <a:rPr lang="it-IT" smtClean="0"/>
-              <a:t>13/01/2022</a:t>
+              <a:t>14/01/2022</a:t>
             </a:fld>
             <a:endParaRPr lang="it-IT"/>
           </a:p>
@@ -2905,7 +2910,7 @@
           <a:p>
             <a:fld id="{51FA19A8-9AAE-4D0B-8ECE-0C8D203A3AA0}" type="datetimeFigureOut">
               <a:rPr lang="it-IT" smtClean="0"/>
-              <a:t>13/01/2022</a:t>
+              <a:t>14/01/2022</a:t>
             </a:fld>
             <a:endParaRPr lang="it-IT"/>
           </a:p>
@@ -4660,7 +4665,7 @@
         <p:spPr>
           <a:xfrm>
             <a:off x="435006" y="1171852"/>
-            <a:ext cx="11487705" cy="2308324"/>
+            <a:ext cx="11487705" cy="3139321"/>
           </a:xfrm>
           <a:prstGeom prst="rect">
             <a:avLst/>
@@ -4748,6 +4753,23 @@
             <a:r>
               <a:rPr lang="it-IT" dirty="0"/>
               <a:t>. I processi devono essere lanciati senza uso di shell</a:t>
+            </a:r>
+          </a:p>
+          <a:p>
+            <a:pPr marL="285750" indent="-285750">
+              <a:buFont typeface="Wingdings" panose="05000000000000000000" pitchFamily="2" charset="2"/>
+              <a:buChar char="Ø"/>
+            </a:pPr>
+            <a:endParaRPr lang="it-IT" dirty="0"/>
+          </a:p>
+          <a:p>
+            <a:pPr marL="285750" indent="-285750">
+              <a:buFont typeface="Wingdings" panose="05000000000000000000" pitchFamily="2" charset="2"/>
+              <a:buChar char="Ø"/>
+            </a:pPr>
+            <a:r>
+              <a:rPr lang="it-IT" dirty="0"/>
+              <a:t>Le regole di schedulazione vengono ricaricate in automatico con una certa frequenza in base ad una policy di scadenza in cache</a:t>
             </a:r>
           </a:p>
         </p:txBody>

--- a/Documents/Quick_Analisi_V1.0.pptx
+++ b/Documents/Quick_Analisi_V1.0.pptx
@@ -260,7 +260,7 @@
           <a:p>
             <a:fld id="{51FA19A8-9AAE-4D0B-8ECE-0C8D203A3AA0}" type="datetimeFigureOut">
               <a:rPr lang="it-IT" smtClean="0"/>
-              <a:t>14/01/2022</a:t>
+              <a:t>19/01/2022</a:t>
             </a:fld>
             <a:endParaRPr lang="it-IT"/>
           </a:p>
@@ -458,7 +458,7 @@
           <a:p>
             <a:fld id="{51FA19A8-9AAE-4D0B-8ECE-0C8D203A3AA0}" type="datetimeFigureOut">
               <a:rPr lang="it-IT" smtClean="0"/>
-              <a:t>14/01/2022</a:t>
+              <a:t>19/01/2022</a:t>
             </a:fld>
             <a:endParaRPr lang="it-IT"/>
           </a:p>
@@ -666,7 +666,7 @@
           <a:p>
             <a:fld id="{51FA19A8-9AAE-4D0B-8ECE-0C8D203A3AA0}" type="datetimeFigureOut">
               <a:rPr lang="it-IT" smtClean="0"/>
-              <a:t>14/01/2022</a:t>
+              <a:t>19/01/2022</a:t>
             </a:fld>
             <a:endParaRPr lang="it-IT"/>
           </a:p>
@@ -864,7 +864,7 @@
           <a:p>
             <a:fld id="{51FA19A8-9AAE-4D0B-8ECE-0C8D203A3AA0}" type="datetimeFigureOut">
               <a:rPr lang="it-IT" smtClean="0"/>
-              <a:t>14/01/2022</a:t>
+              <a:t>19/01/2022</a:t>
             </a:fld>
             <a:endParaRPr lang="it-IT"/>
           </a:p>
@@ -1139,7 +1139,7 @@
           <a:p>
             <a:fld id="{51FA19A8-9AAE-4D0B-8ECE-0C8D203A3AA0}" type="datetimeFigureOut">
               <a:rPr lang="it-IT" smtClean="0"/>
-              <a:t>14/01/2022</a:t>
+              <a:t>19/01/2022</a:t>
             </a:fld>
             <a:endParaRPr lang="it-IT"/>
           </a:p>
@@ -1404,7 +1404,7 @@
           <a:p>
             <a:fld id="{51FA19A8-9AAE-4D0B-8ECE-0C8D203A3AA0}" type="datetimeFigureOut">
               <a:rPr lang="it-IT" smtClean="0"/>
-              <a:t>14/01/2022</a:t>
+              <a:t>19/01/2022</a:t>
             </a:fld>
             <a:endParaRPr lang="it-IT"/>
           </a:p>
@@ -1816,7 +1816,7 @@
           <a:p>
             <a:fld id="{51FA19A8-9AAE-4D0B-8ECE-0C8D203A3AA0}" type="datetimeFigureOut">
               <a:rPr lang="it-IT" smtClean="0"/>
-              <a:t>14/01/2022</a:t>
+              <a:t>19/01/2022</a:t>
             </a:fld>
             <a:endParaRPr lang="it-IT"/>
           </a:p>
@@ -1957,7 +1957,7 @@
           <a:p>
             <a:fld id="{51FA19A8-9AAE-4D0B-8ECE-0C8D203A3AA0}" type="datetimeFigureOut">
               <a:rPr lang="it-IT" smtClean="0"/>
-              <a:t>14/01/2022</a:t>
+              <a:t>19/01/2022</a:t>
             </a:fld>
             <a:endParaRPr lang="it-IT"/>
           </a:p>
@@ -2070,7 +2070,7 @@
           <a:p>
             <a:fld id="{51FA19A8-9AAE-4D0B-8ECE-0C8D203A3AA0}" type="datetimeFigureOut">
               <a:rPr lang="it-IT" smtClean="0"/>
-              <a:t>14/01/2022</a:t>
+              <a:t>19/01/2022</a:t>
             </a:fld>
             <a:endParaRPr lang="it-IT"/>
           </a:p>
@@ -2381,7 +2381,7 @@
           <a:p>
             <a:fld id="{51FA19A8-9AAE-4D0B-8ECE-0C8D203A3AA0}" type="datetimeFigureOut">
               <a:rPr lang="it-IT" smtClean="0"/>
-              <a:t>14/01/2022</a:t>
+              <a:t>19/01/2022</a:t>
             </a:fld>
             <a:endParaRPr lang="it-IT"/>
           </a:p>
@@ -2669,7 +2669,7 @@
           <a:p>
             <a:fld id="{51FA19A8-9AAE-4D0B-8ECE-0C8D203A3AA0}" type="datetimeFigureOut">
               <a:rPr lang="it-IT" smtClean="0"/>
-              <a:t>14/01/2022</a:t>
+              <a:t>19/01/2022</a:t>
             </a:fld>
             <a:endParaRPr lang="it-IT"/>
           </a:p>
@@ -2910,7 +2910,7 @@
           <a:p>
             <a:fld id="{51FA19A8-9AAE-4D0B-8ECE-0C8D203A3AA0}" type="datetimeFigureOut">
               <a:rPr lang="it-IT" smtClean="0"/>
-              <a:t>14/01/2022</a:t>
+              <a:t>19/01/2022</a:t>
             </a:fld>
             <a:endParaRPr lang="it-IT"/>
           </a:p>
@@ -3341,8 +3341,8 @@
         </p:nvSpPr>
         <p:spPr>
           <a:xfrm>
-            <a:off x="88777" y="541538"/>
-            <a:ext cx="11647010" cy="3970454"/>
+            <a:off x="88777" y="541537"/>
+            <a:ext cx="11647010" cy="4477491"/>
           </a:xfrm>
           <a:prstGeom prst="rect">
             <a:avLst/>
@@ -3390,8 +3390,8 @@
         </p:nvSpPr>
         <p:spPr>
           <a:xfrm>
-            <a:off x="168676" y="1269507"/>
-            <a:ext cx="4722239" cy="2911132"/>
+            <a:off x="168676" y="1269506"/>
+            <a:ext cx="4722239" cy="3515557"/>
           </a:xfrm>
           <a:prstGeom prst="rect">
             <a:avLst/>
@@ -3457,7 +3457,7 @@
         </p:blipFill>
         <p:spPr bwMode="auto">
           <a:xfrm>
-            <a:off x="3363745" y="2333068"/>
+            <a:off x="3292421" y="1730642"/>
             <a:ext cx="1117846" cy="1117846"/>
           </a:xfrm>
           <a:prstGeom prst="rect">
@@ -3504,7 +3504,7 @@
         </p:blipFill>
         <p:spPr bwMode="auto">
           <a:xfrm>
-            <a:off x="249739" y="1891747"/>
+            <a:off x="223743" y="2354567"/>
             <a:ext cx="2378577" cy="1668262"/>
           </a:xfrm>
           <a:prstGeom prst="rect">
@@ -3536,7 +3536,7 @@
         </p:nvSpPr>
         <p:spPr>
           <a:xfrm>
-            <a:off x="3029250" y="1278647"/>
+            <a:off x="168676" y="1262252"/>
             <a:ext cx="1786836" cy="369332"/>
           </a:xfrm>
           <a:prstGeom prst="rect">
@@ -3571,8 +3571,8 @@
         </p:nvSpPr>
         <p:spPr>
           <a:xfrm>
-            <a:off x="456213" y="1645327"/>
-            <a:ext cx="2838213" cy="307777"/>
+            <a:off x="545988" y="1858992"/>
+            <a:ext cx="1492716" cy="523220"/>
           </a:xfrm>
           <a:prstGeom prst="rect">
             <a:avLst/>
@@ -3587,7 +3587,13 @@
           <a:p>
             <a:r>
               <a:rPr lang="it-IT" sz="1400" dirty="0"/>
-              <a:t>Quartz Scheduler: Cron Trigger + Job</a:t>
+              <a:t>Quartz Scheduler:</a:t>
+            </a:r>
+          </a:p>
+          <a:p>
+            <a:r>
+              <a:rPr lang="it-IT" sz="1400" dirty="0"/>
+              <a:t>Cron Trigger + Job</a:t>
             </a:r>
           </a:p>
         </p:txBody>
@@ -3621,8 +3627,8 @@
         </p:blipFill>
         <p:spPr bwMode="auto">
           <a:xfrm>
-            <a:off x="5030089" y="4637646"/>
-            <a:ext cx="1938404" cy="1938404"/>
+            <a:off x="5462726" y="5089589"/>
+            <a:ext cx="1419176" cy="1419176"/>
           </a:xfrm>
           <a:prstGeom prst="rect">
             <a:avLst/>
@@ -3653,8 +3659,8 @@
         </p:nvSpPr>
         <p:spPr>
           <a:xfrm>
-            <a:off x="4981709" y="6391384"/>
-            <a:ext cx="2112438" cy="369332"/>
+            <a:off x="4540545" y="6372591"/>
+            <a:ext cx="3628750" cy="369332"/>
           </a:xfrm>
           <a:prstGeom prst="rect">
             <a:avLst/>
@@ -3669,7 +3675,7 @@
           <a:p>
             <a:r>
               <a:rPr lang="it-IT" dirty="0"/>
-              <a:t>Database Cron Rules</a:t>
+              <a:t>Database Cron Rules + Business Data</a:t>
             </a:r>
           </a:p>
         </p:txBody>
@@ -3692,8 +3698,8 @@
         </p:nvCxnSpPr>
         <p:spPr>
           <a:xfrm rot="10800000">
-            <a:off x="2529797" y="4180640"/>
-            <a:ext cx="2500293" cy="1426209"/>
+            <a:off x="2529796" y="4785063"/>
+            <a:ext cx="2932930" cy="1014114"/>
           </a:xfrm>
           <a:prstGeom prst="bentConnector2">
             <a:avLst/>
@@ -3932,7 +3938,7 @@
         </p:nvCxnSpPr>
         <p:spPr>
           <a:xfrm flipV="1">
-            <a:off x="8616530" y="2938443"/>
+            <a:off x="8591103" y="2493310"/>
             <a:ext cx="790256" cy="1"/>
           </a:xfrm>
           <a:prstGeom prst="straightConnector1">
@@ -3971,7 +3977,7 @@
         </p:nvSpPr>
         <p:spPr>
           <a:xfrm>
-            <a:off x="8616530" y="2956274"/>
+            <a:off x="8546627" y="2534582"/>
             <a:ext cx="930063" cy="246221"/>
           </a:xfrm>
           <a:prstGeom prst="rect">
@@ -4008,7 +4014,7 @@
         </p:nvCxnSpPr>
         <p:spPr>
           <a:xfrm>
-            <a:off x="4545367" y="2891991"/>
+            <a:off x="4512184" y="2428591"/>
             <a:ext cx="2325508" cy="18553"/>
           </a:xfrm>
           <a:prstGeom prst="straightConnector1">
@@ -4047,7 +4053,7 @@
         </p:nvSpPr>
         <p:spPr>
           <a:xfrm>
-            <a:off x="5482880" y="2936670"/>
+            <a:off x="5424663" y="2503519"/>
             <a:ext cx="930063" cy="246221"/>
           </a:xfrm>
           <a:prstGeom prst="rect">
@@ -4083,9 +4089,9 @@
           <p:nvPr/>
         </p:nvCxnSpPr>
         <p:spPr>
-          <a:xfrm>
-            <a:off x="2334827" y="2910544"/>
-            <a:ext cx="993900" cy="0"/>
+          <a:xfrm flipV="1">
+            <a:off x="2191728" y="2485748"/>
+            <a:ext cx="1100693" cy="424796"/>
           </a:xfrm>
           <a:prstGeom prst="straightConnector1">
             <a:avLst/>
@@ -4123,7 +4129,7 @@
         </p:nvSpPr>
         <p:spPr>
           <a:xfrm>
-            <a:off x="2400367" y="2936671"/>
+            <a:off x="2271627" y="2456609"/>
             <a:ext cx="593432" cy="246221"/>
           </a:xfrm>
           <a:prstGeom prst="rect">
@@ -4158,7 +4164,7 @@
         </p:nvSpPr>
         <p:spPr>
           <a:xfrm>
-            <a:off x="3706904" y="3398324"/>
+            <a:off x="3635580" y="1533439"/>
             <a:ext cx="431528" cy="307777"/>
           </a:xfrm>
           <a:prstGeom prst="rect">
@@ -4193,7 +4199,7 @@
         </p:nvSpPr>
         <p:spPr>
           <a:xfrm>
-            <a:off x="1144417" y="3511710"/>
+            <a:off x="1118421" y="3974530"/>
             <a:ext cx="1073307" cy="307777"/>
           </a:xfrm>
           <a:prstGeom prst="rect">
@@ -4557,7 +4563,7 @@
           </a:xfrm>
           <a:prstGeom prst="bentConnector3">
             <a:avLst>
-              <a:gd name="adj1" fmla="val 99387"/>
+              <a:gd name="adj1" fmla="val 99386"/>
             </a:avLst>
           </a:prstGeom>
           <a:ln>
@@ -4579,6 +4585,636 @@
           </a:fontRef>
         </p:style>
       </p:cxnSp>
+      <p:pic>
+        <p:nvPicPr>
+          <p:cNvPr id="1026" name="Picture 2" descr="Retry Icon - Download in Flat Style">
+            <a:extLst>
+              <a:ext uri="{FF2B5EF4-FFF2-40B4-BE49-F238E27FC236}">
+                <a16:creationId xmlns:a16="http://schemas.microsoft.com/office/drawing/2014/main" id="{52F6F829-84BC-4B39-95DF-6051E7EA09AC}"/>
+              </a:ext>
+            </a:extLst>
+          </p:cNvPr>
+          <p:cNvPicPr>
+            <a:picLocks noChangeAspect="1" noChangeArrowheads="1"/>
+          </p:cNvPicPr>
+          <p:nvPr/>
+        </p:nvPicPr>
+        <p:blipFill>
+          <a:blip r:embed="rId7">
+            <a:extLst>
+              <a:ext uri="{28A0092B-C50C-407E-A947-70E740481C1C}">
+                <a14:useLocalDpi xmlns:a14="http://schemas.microsoft.com/office/drawing/2010/main" val="0"/>
+              </a:ext>
+            </a:extLst>
+          </a:blip>
+          <a:srcRect/>
+          <a:stretch>
+            <a:fillRect/>
+          </a:stretch>
+        </p:blipFill>
+        <p:spPr bwMode="auto">
+          <a:xfrm>
+            <a:off x="2271627" y="4168206"/>
+            <a:ext cx="534194" cy="534194"/>
+          </a:xfrm>
+          <a:prstGeom prst="rect">
+            <a:avLst/>
+          </a:prstGeom>
+          <a:noFill/>
+          <a:extLst>
+            <a:ext uri="{909E8E84-426E-40DD-AFC4-6F175D3DCCD1}">
+              <a14:hiddenFill xmlns:a14="http://schemas.microsoft.com/office/drawing/2010/main">
+                <a:solidFill>
+                  <a:srgbClr val="FFFFFF"/>
+                </a:solidFill>
+              </a14:hiddenFill>
+            </a:ext>
+          </a:extLst>
+        </p:spPr>
+      </p:pic>
+      <p:sp>
+        <p:nvSpPr>
+          <p:cNvPr id="36" name="CasellaDiTesto 35">
+            <a:extLst>
+              <a:ext uri="{FF2B5EF4-FFF2-40B4-BE49-F238E27FC236}">
+                <a16:creationId xmlns:a16="http://schemas.microsoft.com/office/drawing/2014/main" id="{C059CCEF-9849-44C4-96C2-22493DCFC2F5}"/>
+              </a:ext>
+            </a:extLst>
+          </p:cNvPr>
+          <p:cNvSpPr txBox="1"/>
+          <p:nvPr/>
+        </p:nvSpPr>
+        <p:spPr>
+          <a:xfrm>
+            <a:off x="2785128" y="4175610"/>
+            <a:ext cx="1755417" cy="523220"/>
+          </a:xfrm>
+          <a:prstGeom prst="rect">
+            <a:avLst/>
+          </a:prstGeom>
+          <a:noFill/>
+        </p:spPr>
+        <p:txBody>
+          <a:bodyPr wrap="none" rtlCol="0">
+            <a:spAutoFit/>
+          </a:bodyPr>
+          <a:lstStyle/>
+          <a:p>
+            <a:r>
+              <a:rPr lang="it-IT" sz="1400" dirty="0"/>
+              <a:t>WaitAndRetry  Policy </a:t>
+            </a:r>
+          </a:p>
+          <a:p>
+            <a:r>
+              <a:rPr lang="it-IT" sz="1400" dirty="0"/>
+              <a:t>(Polly)</a:t>
+            </a:r>
+          </a:p>
+        </p:txBody>
+      </p:sp>
+      <p:pic>
+        <p:nvPicPr>
+          <p:cNvPr id="1032" name="Picture 8" descr="clear cache Icon - Download clear cache Icon 2495429 | Noun Project">
+            <a:extLst>
+              <a:ext uri="{FF2B5EF4-FFF2-40B4-BE49-F238E27FC236}">
+                <a16:creationId xmlns:a16="http://schemas.microsoft.com/office/drawing/2014/main" id="{67BA90FB-3F21-4EC3-932F-CE11D208FC22}"/>
+              </a:ext>
+            </a:extLst>
+          </p:cNvPr>
+          <p:cNvPicPr>
+            <a:picLocks noChangeAspect="1" noChangeArrowheads="1"/>
+          </p:cNvPicPr>
+          <p:nvPr/>
+        </p:nvPicPr>
+        <p:blipFill>
+          <a:blip r:embed="rId8">
+            <a:extLst>
+              <a:ext uri="{28A0092B-C50C-407E-A947-70E740481C1C}">
+                <a14:useLocalDpi xmlns:a14="http://schemas.microsoft.com/office/drawing/2010/main" val="0"/>
+              </a:ext>
+            </a:extLst>
+          </a:blip>
+          <a:srcRect/>
+          <a:stretch>
+            <a:fillRect/>
+          </a:stretch>
+        </p:blipFill>
+        <p:spPr bwMode="auto">
+          <a:xfrm>
+            <a:off x="3331654" y="3041725"/>
+            <a:ext cx="972406" cy="972406"/>
+          </a:xfrm>
+          <a:prstGeom prst="rect">
+            <a:avLst/>
+          </a:prstGeom>
+          <a:noFill/>
+          <a:extLst>
+            <a:ext uri="{909E8E84-426E-40DD-AFC4-6F175D3DCCD1}">
+              <a14:hiddenFill xmlns:a14="http://schemas.microsoft.com/office/drawing/2010/main">
+                <a:solidFill>
+                  <a:srgbClr val="FFFFFF"/>
+                </a:solidFill>
+              </a14:hiddenFill>
+            </a:ext>
+          </a:extLst>
+        </p:spPr>
+      </p:pic>
+      <p:cxnSp>
+        <p:nvCxnSpPr>
+          <p:cNvPr id="47" name="Connettore 2 46">
+            <a:extLst>
+              <a:ext uri="{FF2B5EF4-FFF2-40B4-BE49-F238E27FC236}">
+                <a16:creationId xmlns:a16="http://schemas.microsoft.com/office/drawing/2014/main" id="{872A32FE-CD93-4691-AFD1-785970020FCB}"/>
+              </a:ext>
+            </a:extLst>
+          </p:cNvPr>
+          <p:cNvCxnSpPr>
+            <a:cxnSpLocks/>
+          </p:cNvCxnSpPr>
+          <p:nvPr/>
+        </p:nvCxnSpPr>
+        <p:spPr>
+          <a:xfrm flipV="1">
+            <a:off x="2703749" y="3744675"/>
+            <a:ext cx="686819" cy="419830"/>
+          </a:xfrm>
+          <a:prstGeom prst="straightConnector1">
+            <a:avLst/>
+          </a:prstGeom>
+          <a:ln>
+            <a:tailEnd type="triangle"/>
+          </a:ln>
+        </p:spPr>
+        <p:style>
+          <a:lnRef idx="1">
+            <a:schemeClr val="accent1"/>
+          </a:lnRef>
+          <a:fillRef idx="0">
+            <a:schemeClr val="accent1"/>
+          </a:fillRef>
+          <a:effectRef idx="0">
+            <a:schemeClr val="accent1"/>
+          </a:effectRef>
+          <a:fontRef idx="minor">
+            <a:schemeClr val="tx1"/>
+          </a:fontRef>
+        </p:style>
+      </p:cxnSp>
+      <p:cxnSp>
+        <p:nvCxnSpPr>
+          <p:cNvPr id="49" name="Connettore 2 48">
+            <a:extLst>
+              <a:ext uri="{FF2B5EF4-FFF2-40B4-BE49-F238E27FC236}">
+                <a16:creationId xmlns:a16="http://schemas.microsoft.com/office/drawing/2014/main" id="{22F00350-B289-4EA3-A4AD-865666EAFCB3}"/>
+              </a:ext>
+            </a:extLst>
+          </p:cNvPr>
+          <p:cNvCxnSpPr>
+            <a:cxnSpLocks/>
+          </p:cNvCxnSpPr>
+          <p:nvPr/>
+        </p:nvCxnSpPr>
+        <p:spPr>
+          <a:xfrm flipH="1">
+            <a:off x="2314872" y="3485197"/>
+            <a:ext cx="1044916" cy="2707"/>
+          </a:xfrm>
+          <a:prstGeom prst="straightConnector1">
+            <a:avLst/>
+          </a:prstGeom>
+          <a:ln>
+            <a:tailEnd type="triangle"/>
+          </a:ln>
+        </p:spPr>
+        <p:style>
+          <a:lnRef idx="1">
+            <a:schemeClr val="accent1"/>
+          </a:lnRef>
+          <a:fillRef idx="0">
+            <a:schemeClr val="accent1"/>
+          </a:fillRef>
+          <a:effectRef idx="0">
+            <a:schemeClr val="accent1"/>
+          </a:effectRef>
+          <a:fontRef idx="minor">
+            <a:schemeClr val="tx1"/>
+          </a:fontRef>
+        </p:style>
+      </p:cxnSp>
+      <p:sp>
+        <p:nvSpPr>
+          <p:cNvPr id="51" name="CasellaDiTesto 50">
+            <a:extLst>
+              <a:ext uri="{FF2B5EF4-FFF2-40B4-BE49-F238E27FC236}">
+                <a16:creationId xmlns:a16="http://schemas.microsoft.com/office/drawing/2014/main" id="{E5FABC76-3387-4003-B614-7741C42713D8}"/>
+              </a:ext>
+            </a:extLst>
+          </p:cNvPr>
+          <p:cNvSpPr txBox="1"/>
+          <p:nvPr/>
+        </p:nvSpPr>
+        <p:spPr>
+          <a:xfrm>
+            <a:off x="2480090" y="3241683"/>
+            <a:ext cx="740908" cy="246221"/>
+          </a:xfrm>
+          <a:prstGeom prst="rect">
+            <a:avLst/>
+          </a:prstGeom>
+          <a:noFill/>
+        </p:spPr>
+        <p:txBody>
+          <a:bodyPr wrap="none" rtlCol="0">
+            <a:spAutoFit/>
+          </a:bodyPr>
+          <a:lstStyle/>
+          <a:p>
+            <a:r>
+              <a:rPr lang="it-IT" sz="1000" dirty="0"/>
+              <a:t>Cron Rules</a:t>
+            </a:r>
+          </a:p>
+        </p:txBody>
+      </p:sp>
+      <p:sp>
+        <p:nvSpPr>
+          <p:cNvPr id="52" name="CasellaDiTesto 51">
+            <a:extLst>
+              <a:ext uri="{FF2B5EF4-FFF2-40B4-BE49-F238E27FC236}">
+                <a16:creationId xmlns:a16="http://schemas.microsoft.com/office/drawing/2014/main" id="{073C4326-15ED-4B80-867E-8D8522673EDC}"/>
+              </a:ext>
+            </a:extLst>
+          </p:cNvPr>
+          <p:cNvSpPr txBox="1"/>
+          <p:nvPr/>
+        </p:nvSpPr>
+        <p:spPr>
+          <a:xfrm>
+            <a:off x="3138575" y="2859538"/>
+            <a:ext cx="1417376" cy="307777"/>
+          </a:xfrm>
+          <a:prstGeom prst="rect">
+            <a:avLst/>
+          </a:prstGeom>
+          <a:noFill/>
+        </p:spPr>
+        <p:txBody>
+          <a:bodyPr wrap="none" rtlCol="0">
+            <a:spAutoFit/>
+          </a:bodyPr>
+          <a:lstStyle/>
+          <a:p>
+            <a:r>
+              <a:rPr lang="it-IT" sz="1400" dirty="0"/>
+              <a:t>Plan Rules Cache</a:t>
+            </a:r>
+          </a:p>
+        </p:txBody>
+      </p:sp>
+      <p:sp>
+        <p:nvSpPr>
+          <p:cNvPr id="28" name="Ovale 27">
+            <a:extLst>
+              <a:ext uri="{FF2B5EF4-FFF2-40B4-BE49-F238E27FC236}">
+                <a16:creationId xmlns:a16="http://schemas.microsoft.com/office/drawing/2014/main" id="{E9001488-C240-41E3-9E6F-75B56B312FD2}"/>
+              </a:ext>
+            </a:extLst>
+          </p:cNvPr>
+          <p:cNvSpPr/>
+          <p:nvPr/>
+        </p:nvSpPr>
+        <p:spPr>
+          <a:xfrm>
+            <a:off x="2190584" y="5465365"/>
+            <a:ext cx="248575" cy="256509"/>
+          </a:xfrm>
+          <a:prstGeom prst="ellipse">
+            <a:avLst/>
+          </a:prstGeom>
+        </p:spPr>
+        <p:style>
+          <a:lnRef idx="2">
+            <a:schemeClr val="accent1">
+              <a:shade val="50000"/>
+            </a:schemeClr>
+          </a:lnRef>
+          <a:fillRef idx="1">
+            <a:schemeClr val="accent1"/>
+          </a:fillRef>
+          <a:effectRef idx="0">
+            <a:schemeClr val="accent1"/>
+          </a:effectRef>
+          <a:fontRef idx="minor">
+            <a:schemeClr val="lt1"/>
+          </a:fontRef>
+        </p:style>
+        <p:txBody>
+          <a:bodyPr rtlCol="0" anchor="ctr"/>
+          <a:lstStyle/>
+          <a:p>
+            <a:pPr algn="ctr"/>
+            <a:r>
+              <a:rPr lang="it-IT" dirty="0"/>
+              <a:t>1</a:t>
+            </a:r>
+          </a:p>
+        </p:txBody>
+      </p:sp>
+      <p:sp>
+        <p:nvSpPr>
+          <p:cNvPr id="54" name="Ovale 53">
+            <a:extLst>
+              <a:ext uri="{FF2B5EF4-FFF2-40B4-BE49-F238E27FC236}">
+                <a16:creationId xmlns:a16="http://schemas.microsoft.com/office/drawing/2014/main" id="{52940690-6336-4C3D-A87B-C5D16486A1B4}"/>
+              </a:ext>
+            </a:extLst>
+          </p:cNvPr>
+          <p:cNvSpPr/>
+          <p:nvPr/>
+        </p:nvSpPr>
+        <p:spPr>
+          <a:xfrm>
+            <a:off x="2769126" y="3593614"/>
+            <a:ext cx="248575" cy="256509"/>
+          </a:xfrm>
+          <a:prstGeom prst="ellipse">
+            <a:avLst/>
+          </a:prstGeom>
+        </p:spPr>
+        <p:style>
+          <a:lnRef idx="2">
+            <a:schemeClr val="accent1">
+              <a:shade val="50000"/>
+            </a:schemeClr>
+          </a:lnRef>
+          <a:fillRef idx="1">
+            <a:schemeClr val="accent1"/>
+          </a:fillRef>
+          <a:effectRef idx="0">
+            <a:schemeClr val="accent1"/>
+          </a:effectRef>
+          <a:fontRef idx="minor">
+            <a:schemeClr val="lt1"/>
+          </a:fontRef>
+        </p:style>
+        <p:txBody>
+          <a:bodyPr rtlCol="0" anchor="ctr"/>
+          <a:lstStyle/>
+          <a:p>
+            <a:pPr algn="ctr"/>
+            <a:r>
+              <a:rPr lang="it-IT" dirty="0"/>
+              <a:t>2</a:t>
+            </a:r>
+          </a:p>
+        </p:txBody>
+      </p:sp>
+      <p:sp>
+        <p:nvSpPr>
+          <p:cNvPr id="55" name="Ovale 54">
+            <a:extLst>
+              <a:ext uri="{FF2B5EF4-FFF2-40B4-BE49-F238E27FC236}">
+                <a16:creationId xmlns:a16="http://schemas.microsoft.com/office/drawing/2014/main" id="{EFA6CCFA-3C1B-4F9D-A5FC-4F086EFFECEB}"/>
+              </a:ext>
+            </a:extLst>
+          </p:cNvPr>
+          <p:cNvSpPr/>
+          <p:nvPr/>
+        </p:nvSpPr>
+        <p:spPr>
+          <a:xfrm>
+            <a:off x="2684530" y="2164821"/>
+            <a:ext cx="248575" cy="256509"/>
+          </a:xfrm>
+          <a:prstGeom prst="ellipse">
+            <a:avLst/>
+          </a:prstGeom>
+        </p:spPr>
+        <p:style>
+          <a:lnRef idx="2">
+            <a:schemeClr val="accent1">
+              <a:shade val="50000"/>
+            </a:schemeClr>
+          </a:lnRef>
+          <a:fillRef idx="1">
+            <a:schemeClr val="accent1"/>
+          </a:fillRef>
+          <a:effectRef idx="0">
+            <a:schemeClr val="accent1"/>
+          </a:effectRef>
+          <a:fontRef idx="minor">
+            <a:schemeClr val="lt1"/>
+          </a:fontRef>
+        </p:style>
+        <p:txBody>
+          <a:bodyPr rtlCol="0" anchor="ctr"/>
+          <a:lstStyle/>
+          <a:p>
+            <a:pPr algn="ctr"/>
+            <a:r>
+              <a:rPr lang="it-IT" dirty="0"/>
+              <a:t>3</a:t>
+            </a:r>
+          </a:p>
+        </p:txBody>
+      </p:sp>
+      <p:sp>
+        <p:nvSpPr>
+          <p:cNvPr id="57" name="Ovale 56">
+            <a:extLst>
+              <a:ext uri="{FF2B5EF4-FFF2-40B4-BE49-F238E27FC236}">
+                <a16:creationId xmlns:a16="http://schemas.microsoft.com/office/drawing/2014/main" id="{D6EC6FDB-7F2C-4A3A-BF62-A5D44FF2E2A3}"/>
+              </a:ext>
+            </a:extLst>
+          </p:cNvPr>
+          <p:cNvSpPr/>
+          <p:nvPr/>
+        </p:nvSpPr>
+        <p:spPr>
+          <a:xfrm>
+            <a:off x="5783407" y="2120602"/>
+            <a:ext cx="248575" cy="256509"/>
+          </a:xfrm>
+          <a:prstGeom prst="ellipse">
+            <a:avLst/>
+          </a:prstGeom>
+        </p:spPr>
+        <p:style>
+          <a:lnRef idx="2">
+            <a:schemeClr val="accent1">
+              <a:shade val="50000"/>
+            </a:schemeClr>
+          </a:lnRef>
+          <a:fillRef idx="1">
+            <a:schemeClr val="accent1"/>
+          </a:fillRef>
+          <a:effectRef idx="0">
+            <a:schemeClr val="accent1"/>
+          </a:effectRef>
+          <a:fontRef idx="minor">
+            <a:schemeClr val="lt1"/>
+          </a:fontRef>
+        </p:style>
+        <p:txBody>
+          <a:bodyPr rtlCol="0" anchor="ctr"/>
+          <a:lstStyle/>
+          <a:p>
+            <a:pPr algn="ctr"/>
+            <a:r>
+              <a:rPr lang="it-IT" dirty="0"/>
+              <a:t>4</a:t>
+            </a:r>
+          </a:p>
+        </p:txBody>
+      </p:sp>
+      <p:sp>
+        <p:nvSpPr>
+          <p:cNvPr id="58" name="Ovale 57">
+            <a:extLst>
+              <a:ext uri="{FF2B5EF4-FFF2-40B4-BE49-F238E27FC236}">
+                <a16:creationId xmlns:a16="http://schemas.microsoft.com/office/drawing/2014/main" id="{1BA078E9-F76B-4C7D-94E5-54E144B4ADA4}"/>
+              </a:ext>
+            </a:extLst>
+          </p:cNvPr>
+          <p:cNvSpPr/>
+          <p:nvPr/>
+        </p:nvSpPr>
+        <p:spPr>
+          <a:xfrm>
+            <a:off x="8834783" y="2129183"/>
+            <a:ext cx="248575" cy="256509"/>
+          </a:xfrm>
+          <a:prstGeom prst="ellipse">
+            <a:avLst/>
+          </a:prstGeom>
+        </p:spPr>
+        <p:style>
+          <a:lnRef idx="2">
+            <a:schemeClr val="accent1">
+              <a:shade val="50000"/>
+            </a:schemeClr>
+          </a:lnRef>
+          <a:fillRef idx="1">
+            <a:schemeClr val="accent1"/>
+          </a:fillRef>
+          <a:effectRef idx="0">
+            <a:schemeClr val="accent1"/>
+          </a:effectRef>
+          <a:fontRef idx="minor">
+            <a:schemeClr val="lt1"/>
+          </a:fontRef>
+        </p:style>
+        <p:txBody>
+          <a:bodyPr rtlCol="0" anchor="ctr"/>
+          <a:lstStyle/>
+          <a:p>
+            <a:pPr algn="ctr"/>
+            <a:r>
+              <a:rPr lang="it-IT" dirty="0"/>
+              <a:t>6</a:t>
+            </a:r>
+          </a:p>
+        </p:txBody>
+      </p:sp>
+      <p:sp>
+        <p:nvSpPr>
+          <p:cNvPr id="59" name="Ovale 58">
+            <a:extLst>
+              <a:ext uri="{FF2B5EF4-FFF2-40B4-BE49-F238E27FC236}">
+                <a16:creationId xmlns:a16="http://schemas.microsoft.com/office/drawing/2014/main" id="{675C2859-CA72-4173-B0F6-8D2D8FB4A319}"/>
+              </a:ext>
+            </a:extLst>
+          </p:cNvPr>
+          <p:cNvSpPr/>
+          <p:nvPr/>
+        </p:nvSpPr>
+        <p:spPr>
+          <a:xfrm>
+            <a:off x="7782873" y="4438263"/>
+            <a:ext cx="248575" cy="256509"/>
+          </a:xfrm>
+          <a:prstGeom prst="ellipse">
+            <a:avLst/>
+          </a:prstGeom>
+        </p:spPr>
+        <p:style>
+          <a:lnRef idx="2">
+            <a:schemeClr val="accent1">
+              <a:shade val="50000"/>
+            </a:schemeClr>
+          </a:lnRef>
+          <a:fillRef idx="1">
+            <a:schemeClr val="accent1"/>
+          </a:fillRef>
+          <a:effectRef idx="0">
+            <a:schemeClr val="accent1"/>
+          </a:effectRef>
+          <a:fontRef idx="minor">
+            <a:schemeClr val="lt1"/>
+          </a:fontRef>
+        </p:style>
+        <p:txBody>
+          <a:bodyPr rtlCol="0" anchor="ctr"/>
+          <a:lstStyle/>
+          <a:p>
+            <a:pPr algn="ctr"/>
+            <a:r>
+              <a:rPr lang="it-IT" dirty="0"/>
+              <a:t>5</a:t>
+            </a:r>
+          </a:p>
+        </p:txBody>
+      </p:sp>
+      <p:sp>
+        <p:nvSpPr>
+          <p:cNvPr id="60" name="Ovale 59">
+            <a:extLst>
+              <a:ext uri="{FF2B5EF4-FFF2-40B4-BE49-F238E27FC236}">
+                <a16:creationId xmlns:a16="http://schemas.microsoft.com/office/drawing/2014/main" id="{C37DF305-4228-4220-9934-46F62FC227CF}"/>
+              </a:ext>
+            </a:extLst>
+          </p:cNvPr>
+          <p:cNvSpPr/>
+          <p:nvPr/>
+        </p:nvSpPr>
+        <p:spPr>
+          <a:xfrm>
+            <a:off x="10504290" y="5362075"/>
+            <a:ext cx="248575" cy="256509"/>
+          </a:xfrm>
+          <a:prstGeom prst="ellipse">
+            <a:avLst/>
+          </a:prstGeom>
+        </p:spPr>
+        <p:style>
+          <a:lnRef idx="2">
+            <a:schemeClr val="accent1">
+              <a:shade val="50000"/>
+            </a:schemeClr>
+          </a:lnRef>
+          <a:fillRef idx="1">
+            <a:schemeClr val="accent1"/>
+          </a:fillRef>
+          <a:effectRef idx="0">
+            <a:schemeClr val="accent1"/>
+          </a:effectRef>
+          <a:fontRef idx="minor">
+            <a:schemeClr val="lt1"/>
+          </a:fontRef>
+        </p:style>
+        <p:txBody>
+          <a:bodyPr rtlCol="0" anchor="ctr"/>
+          <a:lstStyle/>
+          <a:p>
+            <a:pPr algn="ctr"/>
+            <a:r>
+              <a:rPr lang="it-IT" dirty="0"/>
+              <a:t>7</a:t>
+            </a:r>
+          </a:p>
+        </p:txBody>
+      </p:sp>
     </p:spTree>
     <p:extLst>
       <p:ext uri="{BB962C8B-B14F-4D97-AF65-F5344CB8AC3E}">
@@ -4623,8 +5259,8 @@
         </p:nvSpPr>
         <p:spPr>
           <a:xfrm>
-            <a:off x="88777" y="86721"/>
-            <a:ext cx="1989519" cy="369332"/>
+            <a:off x="435006" y="353635"/>
+            <a:ext cx="2596865" cy="461665"/>
           </a:xfrm>
           <a:prstGeom prst="rect">
             <a:avLst/>
@@ -4638,7 +5274,7 @@
           <a:lstStyle/>
           <a:p>
             <a:r>
-              <a:rPr lang="it-IT" b="1" dirty="0">
+              <a:rPr lang="it-IT" sz="2400" b="1" dirty="0">
                 <a:solidFill>
                   <a:schemeClr val="accent5">
                     <a:lumMod val="50000"/>
@@ -4665,7 +5301,7 @@
         <p:spPr>
           <a:xfrm>
             <a:off x="435006" y="1171852"/>
-            <a:ext cx="11487705" cy="3139321"/>
+            <a:ext cx="11487705" cy="3693319"/>
           </a:xfrm>
           <a:prstGeom prst="rect">
             <a:avLst/>
@@ -4684,7 +5320,7 @@
             </a:pPr>
             <a:r>
               <a:rPr lang="it-IT" dirty="0"/>
-              <a:t>Il Windows Service girerà con una utenza per accedere in autenticazione integrata al Database</a:t>
+              <a:t>Il Windows Service girerà con una utenza ad hoc per accedere in autenticazione integrata al Database</a:t>
             </a:r>
           </a:p>
           <a:p>
@@ -4719,7 +5355,7 @@
             </a:pPr>
             <a:r>
               <a:rPr lang="it-IT" dirty="0"/>
-              <a:t>Le regole di schedulazione sono definite a database. Si tratta di espressioni Cron per istanziare dei </a:t>
+              <a:t>Le regole di schedulazione sono definite a database. Si tratta di espressioni Cron per istanziare i </a:t>
             </a:r>
             <a:r>
               <a:rPr lang="it-IT" dirty="0" err="1"/>
@@ -4727,7 +5363,7 @@
             </a:r>
             <a:r>
               <a:rPr lang="it-IT" dirty="0"/>
-              <a:t> Quartz .NET</a:t>
+              <a:t> Quartz .NET. Si possono avere più regole per uno stesso batch</a:t>
             </a:r>
           </a:p>
           <a:p>
@@ -4772,8 +5408,85 @@
               <a:t>Le regole di schedulazione vengono ricaricate in automatico con una certa frequenza in base ad una policy di scadenza in cache</a:t>
             </a:r>
           </a:p>
-        </p:txBody>
-      </p:sp>
+          <a:p>
+            <a:pPr marL="285750" indent="-285750">
+              <a:buFont typeface="Wingdings" panose="05000000000000000000" pitchFamily="2" charset="2"/>
+              <a:buChar char="Ø"/>
+            </a:pPr>
+            <a:endParaRPr lang="it-IT" dirty="0"/>
+          </a:p>
+          <a:p>
+            <a:pPr marL="285750" indent="-285750">
+              <a:buFont typeface="Wingdings" panose="05000000000000000000" pitchFamily="2" charset="2"/>
+              <a:buChar char="Ø"/>
+            </a:pPr>
+            <a:r>
+              <a:rPr lang="it-IT" dirty="0"/>
+              <a:t>Il primo accesso al database (per il recupero delle regole </a:t>
+            </a:r>
+            <a:r>
+              <a:rPr lang="it-IT" dirty="0" err="1"/>
+              <a:t>cron</a:t>
+            </a:r>
+            <a:r>
+              <a:rPr lang="it-IT" dirty="0"/>
+              <a:t>) sarà di tipo </a:t>
+            </a:r>
+            <a:r>
+              <a:rPr lang="it-IT" dirty="0" err="1"/>
+              <a:t>WaitAndRetryForever</a:t>
+            </a:r>
+            <a:endParaRPr lang="it-IT" dirty="0"/>
+          </a:p>
+        </p:txBody>
+      </p:sp>
+      <p:pic>
+        <p:nvPicPr>
+          <p:cNvPr id="2054" name="Picture 6" descr="Search icon. search vector icon. search magnifying glass icon • adesivi a  muro lente di ingrandimento, sfondo, interfaccia | myloview.it">
+            <a:extLst>
+              <a:ext uri="{FF2B5EF4-FFF2-40B4-BE49-F238E27FC236}">
+                <a16:creationId xmlns:a16="http://schemas.microsoft.com/office/drawing/2014/main" id="{A79F544C-1539-45A6-984C-F2C047A14A2B}"/>
+              </a:ext>
+            </a:extLst>
+          </p:cNvPr>
+          <p:cNvPicPr>
+            <a:picLocks noChangeAspect="1" noChangeArrowheads="1"/>
+          </p:cNvPicPr>
+          <p:nvPr/>
+        </p:nvPicPr>
+        <p:blipFill>
+          <a:blip r:embed="rId2">
+            <a:extLst>
+              <a:ext uri="{28A0092B-C50C-407E-A947-70E740481C1C}">
+                <a14:useLocalDpi xmlns:a14="http://schemas.microsoft.com/office/drawing/2010/main" val="0"/>
+              </a:ext>
+            </a:extLst>
+          </a:blip>
+          <a:srcRect/>
+          <a:stretch>
+            <a:fillRect/>
+          </a:stretch>
+        </p:blipFill>
+        <p:spPr bwMode="auto">
+          <a:xfrm>
+            <a:off x="3031871" y="46166"/>
+            <a:ext cx="1076602" cy="1076602"/>
+          </a:xfrm>
+          <a:prstGeom prst="rect">
+            <a:avLst/>
+          </a:prstGeom>
+          <a:noFill/>
+          <a:extLst>
+            <a:ext uri="{909E8E84-426E-40DD-AFC4-6F175D3DCCD1}">
+              <a14:hiddenFill xmlns:a14="http://schemas.microsoft.com/office/drawing/2010/main">
+                <a:solidFill>
+                  <a:srgbClr val="FFFFFF"/>
+                </a:solidFill>
+              </a14:hiddenFill>
+            </a:ext>
+          </a:extLst>
+        </p:spPr>
+      </p:pic>
     </p:spTree>
     <p:extLst>
       <p:ext uri="{BB962C8B-B14F-4D97-AF65-F5344CB8AC3E}">

--- a/Documents/Quick_Analisi_V1.0.pptx
+++ b/Documents/Quick_Analisi_V1.0.pptx
@@ -5,8 +5,11 @@
     <p:sldMasterId id="2147483648" r:id="rId1"/>
   </p:sldMasterIdLst>
   <p:sldIdLst>
-    <p:sldId id="256" r:id="rId2"/>
-    <p:sldId id="257" r:id="rId3"/>
+    <p:sldId id="258" r:id="rId2"/>
+    <p:sldId id="285" r:id="rId3"/>
+    <p:sldId id="256" r:id="rId4"/>
+    <p:sldId id="257" r:id="rId5"/>
+    <p:sldId id="284" r:id="rId6"/>
   </p:sldIdLst>
   <p:sldSz cx="12192000" cy="6858000"/>
   <p:notesSz cx="6858000" cy="9144000"/>
@@ -260,7 +263,7 @@
           <a:p>
             <a:fld id="{51FA19A8-9AAE-4D0B-8ECE-0C8D203A3AA0}" type="datetimeFigureOut">
               <a:rPr lang="it-IT" smtClean="0"/>
-              <a:t>19/01/2022</a:t>
+              <a:t>20/01/2022</a:t>
             </a:fld>
             <a:endParaRPr lang="it-IT"/>
           </a:p>
@@ -458,7 +461,7 @@
           <a:p>
             <a:fld id="{51FA19A8-9AAE-4D0B-8ECE-0C8D203A3AA0}" type="datetimeFigureOut">
               <a:rPr lang="it-IT" smtClean="0"/>
-              <a:t>19/01/2022</a:t>
+              <a:t>20/01/2022</a:t>
             </a:fld>
             <a:endParaRPr lang="it-IT"/>
           </a:p>
@@ -666,7 +669,7 @@
           <a:p>
             <a:fld id="{51FA19A8-9AAE-4D0B-8ECE-0C8D203A3AA0}" type="datetimeFigureOut">
               <a:rPr lang="it-IT" smtClean="0"/>
-              <a:t>19/01/2022</a:t>
+              <a:t>20/01/2022</a:t>
             </a:fld>
             <a:endParaRPr lang="it-IT"/>
           </a:p>
@@ -864,7 +867,7 @@
           <a:p>
             <a:fld id="{51FA19A8-9AAE-4D0B-8ECE-0C8D203A3AA0}" type="datetimeFigureOut">
               <a:rPr lang="it-IT" smtClean="0"/>
-              <a:t>19/01/2022</a:t>
+              <a:t>20/01/2022</a:t>
             </a:fld>
             <a:endParaRPr lang="it-IT"/>
           </a:p>
@@ -1139,7 +1142,7 @@
           <a:p>
             <a:fld id="{51FA19A8-9AAE-4D0B-8ECE-0C8D203A3AA0}" type="datetimeFigureOut">
               <a:rPr lang="it-IT" smtClean="0"/>
-              <a:t>19/01/2022</a:t>
+              <a:t>20/01/2022</a:t>
             </a:fld>
             <a:endParaRPr lang="it-IT"/>
           </a:p>
@@ -1404,7 +1407,7 @@
           <a:p>
             <a:fld id="{51FA19A8-9AAE-4D0B-8ECE-0C8D203A3AA0}" type="datetimeFigureOut">
               <a:rPr lang="it-IT" smtClean="0"/>
-              <a:t>19/01/2022</a:t>
+              <a:t>20/01/2022</a:t>
             </a:fld>
             <a:endParaRPr lang="it-IT"/>
           </a:p>
@@ -1816,7 +1819,7 @@
           <a:p>
             <a:fld id="{51FA19A8-9AAE-4D0B-8ECE-0C8D203A3AA0}" type="datetimeFigureOut">
               <a:rPr lang="it-IT" smtClean="0"/>
-              <a:t>19/01/2022</a:t>
+              <a:t>20/01/2022</a:t>
             </a:fld>
             <a:endParaRPr lang="it-IT"/>
           </a:p>
@@ -1957,7 +1960,7 @@
           <a:p>
             <a:fld id="{51FA19A8-9AAE-4D0B-8ECE-0C8D203A3AA0}" type="datetimeFigureOut">
               <a:rPr lang="it-IT" smtClean="0"/>
-              <a:t>19/01/2022</a:t>
+              <a:t>20/01/2022</a:t>
             </a:fld>
             <a:endParaRPr lang="it-IT"/>
           </a:p>
@@ -2070,7 +2073,7 @@
           <a:p>
             <a:fld id="{51FA19A8-9AAE-4D0B-8ECE-0C8D203A3AA0}" type="datetimeFigureOut">
               <a:rPr lang="it-IT" smtClean="0"/>
-              <a:t>19/01/2022</a:t>
+              <a:t>20/01/2022</a:t>
             </a:fld>
             <a:endParaRPr lang="it-IT"/>
           </a:p>
@@ -2381,7 +2384,7 @@
           <a:p>
             <a:fld id="{51FA19A8-9AAE-4D0B-8ECE-0C8D203A3AA0}" type="datetimeFigureOut">
               <a:rPr lang="it-IT" smtClean="0"/>
-              <a:t>19/01/2022</a:t>
+              <a:t>20/01/2022</a:t>
             </a:fld>
             <a:endParaRPr lang="it-IT"/>
           </a:p>
@@ -2669,7 +2672,7 @@
           <a:p>
             <a:fld id="{51FA19A8-9AAE-4D0B-8ECE-0C8D203A3AA0}" type="datetimeFigureOut">
               <a:rPr lang="it-IT" smtClean="0"/>
-              <a:t>19/01/2022</a:t>
+              <a:t>20/01/2022</a:t>
             </a:fld>
             <a:endParaRPr lang="it-IT"/>
           </a:p>
@@ -2910,7 +2913,7 @@
           <a:p>
             <a:fld id="{51FA19A8-9AAE-4D0B-8ECE-0C8D203A3AA0}" type="datetimeFigureOut">
               <a:rPr lang="it-IT" smtClean="0"/>
-              <a:t>19/01/2022</a:t>
+              <a:t>20/01/2022</a:t>
             </a:fld>
             <a:endParaRPr lang="it-IT"/>
           </a:p>
@@ -3329,10 +3332,10 @@
       </p:grpSpPr>
       <p:sp>
         <p:nvSpPr>
-          <p:cNvPr id="35" name="Rettangolo 34">
-            <a:extLst>
-              <a:ext uri="{FF2B5EF4-FFF2-40B4-BE49-F238E27FC236}">
-                <a16:creationId xmlns:a16="http://schemas.microsoft.com/office/drawing/2014/main" id="{9075B697-B1C1-4854-9173-5BA1FB2F1359}"/>
+          <p:cNvPr id="6" name="Rettangolo 5">
+            <a:extLst>
+              <a:ext uri="{FF2B5EF4-FFF2-40B4-BE49-F238E27FC236}">
+                <a16:creationId xmlns:a16="http://schemas.microsoft.com/office/drawing/2014/main" id="{474EA46B-3937-42F9-885A-DAB532D2AF21}"/>
               </a:ext>
             </a:extLst>
           </p:cNvPr>
@@ -3341,14 +3344,17 @@
         </p:nvSpPr>
         <p:spPr>
           <a:xfrm>
-            <a:off x="88777" y="541537"/>
-            <a:ext cx="11647010" cy="4477491"/>
+            <a:off x="368422" y="588461"/>
+            <a:ext cx="11455153" cy="878890"/>
           </a:xfrm>
           <a:prstGeom prst="rect">
             <a:avLst/>
           </a:prstGeom>
           <a:solidFill>
-            <a:schemeClr val="bg1"/>
+            <a:schemeClr val="accent3">
+              <a:lumMod val="20000"/>
+              <a:lumOff val="80000"/>
+            </a:schemeClr>
           </a:solidFill>
         </p:spPr>
         <p:style>
@@ -3372,68 +3378,55 @@
           <a:lstStyle/>
           <a:p>
             <a:pPr algn="ctr"/>
-            <a:endParaRPr lang="it-IT" dirty="0"/>
-          </a:p>
-        </p:txBody>
-      </p:sp>
-      <p:sp>
-        <p:nvSpPr>
-          <p:cNvPr id="27" name="Rettangolo 26">
-            <a:extLst>
-              <a:ext uri="{FF2B5EF4-FFF2-40B4-BE49-F238E27FC236}">
-                <a16:creationId xmlns:a16="http://schemas.microsoft.com/office/drawing/2014/main" id="{D050FB8A-4ED6-4108-A7D6-30BC8E9D9272}"/>
-              </a:ext>
-            </a:extLst>
-          </p:cNvPr>
-          <p:cNvSpPr/>
-          <p:nvPr/>
-        </p:nvSpPr>
-        <p:spPr>
-          <a:xfrm>
-            <a:off x="168676" y="1269506"/>
-            <a:ext cx="4722239" cy="3515557"/>
-          </a:xfrm>
-          <a:prstGeom prst="rect">
-            <a:avLst/>
-          </a:prstGeom>
-          <a:solidFill>
-            <a:schemeClr val="accent5">
-              <a:lumMod val="20000"/>
-              <a:lumOff val="80000"/>
-            </a:schemeClr>
-          </a:solidFill>
-        </p:spPr>
-        <p:style>
-          <a:lnRef idx="2">
-            <a:schemeClr val="accent1">
-              <a:shade val="50000"/>
-            </a:schemeClr>
-          </a:lnRef>
-          <a:fillRef idx="1">
-            <a:schemeClr val="accent1"/>
-          </a:fillRef>
-          <a:effectRef idx="0">
-            <a:schemeClr val="accent1"/>
-          </a:effectRef>
-          <a:fontRef idx="minor">
-            <a:schemeClr val="lt1"/>
-          </a:fontRef>
-        </p:style>
-        <p:txBody>
-          <a:bodyPr rtlCol="0" anchor="ctr"/>
-          <a:lstStyle/>
-          <a:p>
-            <a:pPr algn="ctr"/>
             <a:endParaRPr lang="it-IT"/>
+          </a:p>
+        </p:txBody>
+      </p:sp>
+      <p:sp>
+        <p:nvSpPr>
+          <p:cNvPr id="2" name="Titolo 1">
+            <a:extLst>
+              <a:ext uri="{FF2B5EF4-FFF2-40B4-BE49-F238E27FC236}">
+                <a16:creationId xmlns:a16="http://schemas.microsoft.com/office/drawing/2014/main" id="{912D1E8C-63E5-46E6-869F-67B61519FAE7}"/>
+              </a:ext>
+            </a:extLst>
+          </p:cNvPr>
+          <p:cNvSpPr>
+            <a:spLocks noGrp="1"/>
+          </p:cNvSpPr>
+          <p:nvPr>
+            <p:ph type="title"/>
+          </p:nvPr>
+        </p:nvSpPr>
+        <p:spPr/>
+        <p:txBody>
+          <a:bodyPr>
+            <a:normAutofit/>
+          </a:bodyPr>
+          <a:lstStyle/>
+          <a:p>
+            <a:r>
+              <a:rPr lang="it-IT" sz="4000" b="1" dirty="0">
+                <a:solidFill>
+                  <a:schemeClr val="accent5">
+                    <a:lumMod val="50000"/>
+                  </a:schemeClr>
+                </a:solidFill>
+                <a:latin typeface="+mn-lt"/>
+                <a:ea typeface="+mn-ea"/>
+                <a:cs typeface="+mn-cs"/>
+              </a:rPr>
+              <a:t>Windows Service Quartz Sample</a:t>
+            </a:r>
           </a:p>
         </p:txBody>
       </p:sp>
       <p:pic>
         <p:nvPicPr>
-          <p:cNvPr id="1028" name="Picture 4" descr="Windows Service Icon #312344 - Free Icons Library">
-            <a:extLst>
-              <a:ext uri="{FF2B5EF4-FFF2-40B4-BE49-F238E27FC236}">
-                <a16:creationId xmlns:a16="http://schemas.microsoft.com/office/drawing/2014/main" id="{F119BF95-2ED8-4F22-A593-8351A4918B76}"/>
+          <p:cNvPr id="3074" name="Picture 2" descr="Runing Backup as Windows Service">
+            <a:extLst>
+              <a:ext uri="{FF2B5EF4-FFF2-40B4-BE49-F238E27FC236}">
+                <a16:creationId xmlns:a16="http://schemas.microsoft.com/office/drawing/2014/main" id="{F8ED1C80-7368-4AA5-B8C3-34A31562A7D3}"/>
               </a:ext>
             </a:extLst>
           </p:cNvPr>
@@ -3457,8 +3450,8 @@
         </p:blipFill>
         <p:spPr bwMode="auto">
           <a:xfrm>
-            <a:off x="3292421" y="1730642"/>
-            <a:ext cx="1117846" cy="1117846"/>
+            <a:off x="838200" y="2177595"/>
+            <a:ext cx="3279097" cy="3279097"/>
           </a:xfrm>
           <a:prstGeom prst="rect">
             <a:avLst/>
@@ -3475,12 +3468,66 @@
           </a:extLst>
         </p:spPr>
       </p:pic>
+      <p:sp>
+        <p:nvSpPr>
+          <p:cNvPr id="5" name="Triangolo isoscele 4">
+            <a:extLst>
+              <a:ext uri="{FF2B5EF4-FFF2-40B4-BE49-F238E27FC236}">
+                <a16:creationId xmlns:a16="http://schemas.microsoft.com/office/drawing/2014/main" id="{B75BE56C-E937-4BA6-B0D1-10B049B6D6BE}"/>
+              </a:ext>
+            </a:extLst>
+          </p:cNvPr>
+          <p:cNvSpPr/>
+          <p:nvPr/>
+        </p:nvSpPr>
+        <p:spPr>
+          <a:xfrm>
+            <a:off x="4456451" y="5943600"/>
+            <a:ext cx="7735549" cy="914400"/>
+          </a:xfrm>
+          <a:prstGeom prst="triangle">
+            <a:avLst>
+              <a:gd name="adj" fmla="val 93611"/>
+            </a:avLst>
+          </a:prstGeom>
+          <a:solidFill>
+            <a:schemeClr val="tx2">
+              <a:lumMod val="20000"/>
+              <a:lumOff val="80000"/>
+            </a:schemeClr>
+          </a:solidFill>
+        </p:spPr>
+        <p:style>
+          <a:lnRef idx="2">
+            <a:schemeClr val="accent1">
+              <a:shade val="50000"/>
+            </a:schemeClr>
+          </a:lnRef>
+          <a:fillRef idx="1">
+            <a:schemeClr val="accent1"/>
+          </a:fillRef>
+          <a:effectRef idx="0">
+            <a:schemeClr val="accent1"/>
+          </a:effectRef>
+          <a:fontRef idx="minor">
+            <a:schemeClr val="lt1"/>
+          </a:fontRef>
+        </p:style>
+        <p:txBody>
+          <a:bodyPr rtlCol="0" anchor="ctr"/>
+          <a:lstStyle/>
+          <a:p>
+            <a:pPr algn="ctr"/>
+            <a:endParaRPr lang="it-IT"/>
+          </a:p>
+        </p:txBody>
+      </p:sp>
       <p:pic>
         <p:nvPicPr>
-          <p:cNvPr id="1034" name="Picture 10" descr="Moving to the Action Scheduler Library - Tyche Softwares">
-            <a:extLst>
-              <a:ext uri="{FF2B5EF4-FFF2-40B4-BE49-F238E27FC236}">
-                <a16:creationId xmlns:a16="http://schemas.microsoft.com/office/drawing/2014/main" id="{E8BE0B60-0598-4284-8107-7634A8C11924}"/>
+          <p:cNvPr id="3080" name="Picture 8" descr="Quartz Enterprise Job Scheduler">
+            <a:extLst>
+              <a:ext uri="{FF2B5EF4-FFF2-40B4-BE49-F238E27FC236}">
+                <a16:creationId xmlns:a16="http://schemas.microsoft.com/office/drawing/2014/main" id="{8AC382C1-1ED6-492E-9238-E98B52978076}"/>
               </a:ext>
             </a:extLst>
           </p:cNvPr>
@@ -3504,8 +3551,8 @@
         </p:blipFill>
         <p:spPr bwMode="auto">
           <a:xfrm>
-            <a:off x="223743" y="2354567"/>
-            <a:ext cx="2378577" cy="1668262"/>
+            <a:off x="6367882" y="3336001"/>
+            <a:ext cx="5455693" cy="1325563"/>
           </a:xfrm>
           <a:prstGeom prst="rect">
             <a:avLst/>
@@ -3524,10 +3571,10 @@
       </p:pic>
       <p:sp>
         <p:nvSpPr>
-          <p:cNvPr id="4" name="CasellaDiTesto 3">
-            <a:extLst>
-              <a:ext uri="{FF2B5EF4-FFF2-40B4-BE49-F238E27FC236}">
-                <a16:creationId xmlns:a16="http://schemas.microsoft.com/office/drawing/2014/main" id="{27F1A200-4218-40E0-95D0-E461D4B6888E}"/>
+          <p:cNvPr id="7" name="CasellaDiTesto 6">
+            <a:extLst>
+              <a:ext uri="{FF2B5EF4-FFF2-40B4-BE49-F238E27FC236}">
+                <a16:creationId xmlns:a16="http://schemas.microsoft.com/office/drawing/2014/main" id="{A8BA7902-F03D-43B0-BF04-9D8D8656DE03}"/>
               </a:ext>
             </a:extLst>
           </p:cNvPr>
@@ -3536,8 +3583,8 @@
         </p:nvSpPr>
         <p:spPr>
           <a:xfrm>
-            <a:off x="168676" y="1262252"/>
-            <a:ext cx="1786836" cy="369332"/>
+            <a:off x="4935984" y="3091904"/>
+            <a:ext cx="798617" cy="1569660"/>
           </a:xfrm>
           <a:prstGeom prst="rect">
             <a:avLst/>
@@ -3551,1666 +3598,8 @@
           <a:lstStyle/>
           <a:p>
             <a:r>
-              <a:rPr lang="it-IT" dirty="0"/>
-              <a:t>Windows Service</a:t>
-            </a:r>
-          </a:p>
-        </p:txBody>
-      </p:sp>
-      <p:sp>
-        <p:nvSpPr>
-          <p:cNvPr id="5" name="CasellaDiTesto 4">
-            <a:extLst>
-              <a:ext uri="{FF2B5EF4-FFF2-40B4-BE49-F238E27FC236}">
-                <a16:creationId xmlns:a16="http://schemas.microsoft.com/office/drawing/2014/main" id="{883ED2CF-93A5-4E69-B544-A018F3551E66}"/>
-              </a:ext>
-            </a:extLst>
-          </p:cNvPr>
-          <p:cNvSpPr txBox="1"/>
-          <p:nvPr/>
-        </p:nvSpPr>
-        <p:spPr>
-          <a:xfrm>
-            <a:off x="545988" y="1858992"/>
-            <a:ext cx="1492716" cy="523220"/>
-          </a:xfrm>
-          <a:prstGeom prst="rect">
-            <a:avLst/>
-          </a:prstGeom>
-          <a:noFill/>
-        </p:spPr>
-        <p:txBody>
-          <a:bodyPr wrap="none" rtlCol="0">
-            <a:spAutoFit/>
-          </a:bodyPr>
-          <a:lstStyle/>
-          <a:p>
-            <a:r>
-              <a:rPr lang="it-IT" sz="1400" dirty="0"/>
-              <a:t>Quartz Scheduler:</a:t>
-            </a:r>
-          </a:p>
-          <a:p>
-            <a:r>
-              <a:rPr lang="it-IT" sz="1400" dirty="0"/>
-              <a:t>Cron Trigger + Job</a:t>
-            </a:r>
-          </a:p>
-        </p:txBody>
-      </p:sp>
-      <p:pic>
-        <p:nvPicPr>
-          <p:cNvPr id="1036" name="Picture 12" descr="Database Icon Pack | Free icon packs to download">
-            <a:extLst>
-              <a:ext uri="{FF2B5EF4-FFF2-40B4-BE49-F238E27FC236}">
-                <a16:creationId xmlns:a16="http://schemas.microsoft.com/office/drawing/2014/main" id="{A080EB4C-67CD-4512-B746-2A05FDA08AB8}"/>
-              </a:ext>
-            </a:extLst>
-          </p:cNvPr>
-          <p:cNvPicPr>
-            <a:picLocks noChangeAspect="1" noChangeArrowheads="1"/>
-          </p:cNvPicPr>
-          <p:nvPr/>
-        </p:nvPicPr>
-        <p:blipFill>
-          <a:blip r:embed="rId4">
-            <a:extLst>
-              <a:ext uri="{28A0092B-C50C-407E-A947-70E740481C1C}">
-                <a14:useLocalDpi xmlns:a14="http://schemas.microsoft.com/office/drawing/2010/main" val="0"/>
-              </a:ext>
-            </a:extLst>
-          </a:blip>
-          <a:srcRect/>
-          <a:stretch>
-            <a:fillRect/>
-          </a:stretch>
-        </p:blipFill>
-        <p:spPr bwMode="auto">
-          <a:xfrm>
-            <a:off x="5462726" y="5089589"/>
-            <a:ext cx="1419176" cy="1419176"/>
-          </a:xfrm>
-          <a:prstGeom prst="rect">
-            <a:avLst/>
-          </a:prstGeom>
-          <a:noFill/>
-          <a:extLst>
-            <a:ext uri="{909E8E84-426E-40DD-AFC4-6F175D3DCCD1}">
-              <a14:hiddenFill xmlns:a14="http://schemas.microsoft.com/office/drawing/2010/main">
-                <a:solidFill>
-                  <a:srgbClr val="FFFFFF"/>
-                </a:solidFill>
-              </a14:hiddenFill>
-            </a:ext>
-          </a:extLst>
-        </p:spPr>
-      </p:pic>
-      <p:sp>
-        <p:nvSpPr>
-          <p:cNvPr id="6" name="CasellaDiTesto 5">
-            <a:extLst>
-              <a:ext uri="{FF2B5EF4-FFF2-40B4-BE49-F238E27FC236}">
-                <a16:creationId xmlns:a16="http://schemas.microsoft.com/office/drawing/2014/main" id="{3BFFCBC3-71F7-4591-91A9-E7F1E6C11382}"/>
-              </a:ext>
-            </a:extLst>
-          </p:cNvPr>
-          <p:cNvSpPr txBox="1"/>
-          <p:nvPr/>
-        </p:nvSpPr>
-        <p:spPr>
-          <a:xfrm>
-            <a:off x="4540545" y="6372591"/>
-            <a:ext cx="3628750" cy="369332"/>
-          </a:xfrm>
-          <a:prstGeom prst="rect">
-            <a:avLst/>
-          </a:prstGeom>
-          <a:noFill/>
-        </p:spPr>
-        <p:txBody>
-          <a:bodyPr wrap="none" rtlCol="0">
-            <a:spAutoFit/>
-          </a:bodyPr>
-          <a:lstStyle/>
-          <a:p>
-            <a:r>
-              <a:rPr lang="it-IT" dirty="0"/>
-              <a:t>Database Cron Rules + Business Data</a:t>
-            </a:r>
-          </a:p>
-        </p:txBody>
-      </p:sp>
-      <p:cxnSp>
-        <p:nvCxnSpPr>
-          <p:cNvPr id="8" name="Connettore a gomito 7">
-            <a:extLst>
-              <a:ext uri="{FF2B5EF4-FFF2-40B4-BE49-F238E27FC236}">
-                <a16:creationId xmlns:a16="http://schemas.microsoft.com/office/drawing/2014/main" id="{53AB2D8C-3E1C-4E86-A77A-C0B93D83BFD2}"/>
-              </a:ext>
-            </a:extLst>
-          </p:cNvPr>
-          <p:cNvCxnSpPr>
-            <a:cxnSpLocks/>
-            <a:stCxn id="1036" idx="1"/>
-            <a:endCxn id="27" idx="2"/>
-          </p:cNvCxnSpPr>
-          <p:nvPr/>
-        </p:nvCxnSpPr>
-        <p:spPr>
-          <a:xfrm rot="10800000">
-            <a:off x="2529796" y="4785063"/>
-            <a:ext cx="2932930" cy="1014114"/>
-          </a:xfrm>
-          <a:prstGeom prst="bentConnector2">
-            <a:avLst/>
-          </a:prstGeom>
-          <a:ln>
-            <a:tailEnd type="triangle"/>
-          </a:ln>
-        </p:spPr>
-        <p:style>
-          <a:lnRef idx="1">
-            <a:schemeClr val="accent1"/>
-          </a:lnRef>
-          <a:fillRef idx="0">
-            <a:schemeClr val="accent1"/>
-          </a:fillRef>
-          <a:effectRef idx="0">
-            <a:schemeClr val="accent1"/>
-          </a:effectRef>
-          <a:fontRef idx="minor">
-            <a:schemeClr val="tx1"/>
-          </a:fontRef>
-        </p:style>
-      </p:cxnSp>
-      <p:sp>
-        <p:nvSpPr>
-          <p:cNvPr id="9" name="CasellaDiTesto 8">
-            <a:extLst>
-              <a:ext uri="{FF2B5EF4-FFF2-40B4-BE49-F238E27FC236}">
-                <a16:creationId xmlns:a16="http://schemas.microsoft.com/office/drawing/2014/main" id="{72DA627F-50DD-4BD9-8B03-89B367576BE0}"/>
-              </a:ext>
-            </a:extLst>
-          </p:cNvPr>
-          <p:cNvSpPr txBox="1"/>
-          <p:nvPr/>
-        </p:nvSpPr>
-        <p:spPr>
-          <a:xfrm>
-            <a:off x="2639546" y="5582096"/>
-            <a:ext cx="2366353" cy="246221"/>
-          </a:xfrm>
-          <a:prstGeom prst="rect">
-            <a:avLst/>
-          </a:prstGeom>
-          <a:noFill/>
-        </p:spPr>
-        <p:txBody>
-          <a:bodyPr wrap="none" rtlCol="0">
-            <a:spAutoFit/>
-          </a:bodyPr>
-          <a:lstStyle/>
-          <a:p>
-            <a:r>
-              <a:rPr lang="it-IT" sz="1000" dirty="0"/>
-              <a:t>Ottieni regole Cron per definizione trigger</a:t>
-            </a:r>
-          </a:p>
-        </p:txBody>
-      </p:sp>
-      <p:pic>
-        <p:nvPicPr>
-          <p:cNvPr id="1038" name="Picture 14" descr="Free Exe icon | Exe icons PNG, ICO or ICNS">
-            <a:extLst>
-              <a:ext uri="{FF2B5EF4-FFF2-40B4-BE49-F238E27FC236}">
-                <a16:creationId xmlns:a16="http://schemas.microsoft.com/office/drawing/2014/main" id="{C23C8C7A-018C-4632-AF2C-8D05B66AC805}"/>
-              </a:ext>
-            </a:extLst>
-          </p:cNvPr>
-          <p:cNvPicPr>
-            <a:picLocks noChangeAspect="1" noChangeArrowheads="1"/>
-          </p:cNvPicPr>
-          <p:nvPr/>
-        </p:nvPicPr>
-        <p:blipFill>
-          <a:blip r:embed="rId5">
-            <a:extLst>
-              <a:ext uri="{28A0092B-C50C-407E-A947-70E740481C1C}">
-                <a14:useLocalDpi xmlns:a14="http://schemas.microsoft.com/office/drawing/2010/main" val="0"/>
-              </a:ext>
-            </a:extLst>
-          </a:blip>
-          <a:srcRect/>
-          <a:stretch>
-            <a:fillRect/>
-          </a:stretch>
-        </p:blipFill>
-        <p:spPr bwMode="auto">
-          <a:xfrm>
-            <a:off x="6870875" y="2111842"/>
-            <a:ext cx="1745655" cy="1745655"/>
-          </a:xfrm>
-          <a:prstGeom prst="rect">
-            <a:avLst/>
-          </a:prstGeom>
-          <a:noFill/>
-          <a:extLst>
-            <a:ext uri="{909E8E84-426E-40DD-AFC4-6F175D3DCCD1}">
-              <a14:hiddenFill xmlns:a14="http://schemas.microsoft.com/office/drawing/2010/main">
-                <a:solidFill>
-                  <a:srgbClr val="FFFFFF"/>
-                </a:solidFill>
-              </a14:hiddenFill>
-            </a:ext>
-          </a:extLst>
-        </p:spPr>
-      </p:pic>
-      <p:pic>
-        <p:nvPicPr>
-          <p:cNvPr id="17" name="Picture 14" descr="Free Exe icon | Exe icons PNG, ICO or ICNS">
-            <a:extLst>
-              <a:ext uri="{FF2B5EF4-FFF2-40B4-BE49-F238E27FC236}">
-                <a16:creationId xmlns:a16="http://schemas.microsoft.com/office/drawing/2014/main" id="{0607DB60-761D-4203-BF85-DE3675D93F1A}"/>
-              </a:ext>
-            </a:extLst>
-          </p:cNvPr>
-          <p:cNvPicPr>
-            <a:picLocks noChangeAspect="1" noChangeArrowheads="1"/>
-          </p:cNvPicPr>
-          <p:nvPr/>
-        </p:nvPicPr>
-        <p:blipFill>
-          <a:blip r:embed="rId5">
-            <a:extLst>
-              <a:ext uri="{28A0092B-C50C-407E-A947-70E740481C1C}">
-                <a14:useLocalDpi xmlns:a14="http://schemas.microsoft.com/office/drawing/2010/main" val="0"/>
-              </a:ext>
-            </a:extLst>
-          </a:blip>
-          <a:srcRect/>
-          <a:stretch>
-            <a:fillRect/>
-          </a:stretch>
-        </p:blipFill>
-        <p:spPr bwMode="auto">
-          <a:xfrm>
-            <a:off x="9509022" y="2141436"/>
-            <a:ext cx="1745655" cy="1745655"/>
-          </a:xfrm>
-          <a:prstGeom prst="rect">
-            <a:avLst/>
-          </a:prstGeom>
-          <a:noFill/>
-          <a:extLst>
-            <a:ext uri="{909E8E84-426E-40DD-AFC4-6F175D3DCCD1}">
-              <a14:hiddenFill xmlns:a14="http://schemas.microsoft.com/office/drawing/2010/main">
-                <a:solidFill>
-                  <a:srgbClr val="FFFFFF"/>
-                </a:solidFill>
-              </a14:hiddenFill>
-            </a:ext>
-          </a:extLst>
-        </p:spPr>
-      </p:pic>
-      <p:sp>
-        <p:nvSpPr>
-          <p:cNvPr id="18" name="CasellaDiTesto 17">
-            <a:extLst>
-              <a:ext uri="{FF2B5EF4-FFF2-40B4-BE49-F238E27FC236}">
-                <a16:creationId xmlns:a16="http://schemas.microsoft.com/office/drawing/2014/main" id="{A8CF5512-F637-433A-B1C8-B663386A3941}"/>
-              </a:ext>
-            </a:extLst>
-          </p:cNvPr>
-          <p:cNvSpPr txBox="1"/>
-          <p:nvPr/>
-        </p:nvSpPr>
-        <p:spPr>
-          <a:xfrm>
-            <a:off x="7055402" y="3744675"/>
-            <a:ext cx="1388072" cy="369332"/>
-          </a:xfrm>
-          <a:prstGeom prst="rect">
-            <a:avLst/>
-          </a:prstGeom>
-          <a:noFill/>
-        </p:spPr>
-        <p:txBody>
-          <a:bodyPr wrap="none" rtlCol="0">
-            <a:spAutoFit/>
-          </a:bodyPr>
-          <a:lstStyle/>
-          <a:p>
-            <a:r>
-              <a:rPr lang="it-IT" dirty="0"/>
-              <a:t>Root Process</a:t>
-            </a:r>
-          </a:p>
-        </p:txBody>
-      </p:sp>
-      <p:sp>
-        <p:nvSpPr>
-          <p:cNvPr id="19" name="CasellaDiTesto 18">
-            <a:extLst>
-              <a:ext uri="{FF2B5EF4-FFF2-40B4-BE49-F238E27FC236}">
-                <a16:creationId xmlns:a16="http://schemas.microsoft.com/office/drawing/2014/main" id="{6ABDFD43-D83E-4C8C-AEAF-88FA8E3D1EF0}"/>
-              </a:ext>
-            </a:extLst>
-          </p:cNvPr>
-          <p:cNvSpPr txBox="1"/>
-          <p:nvPr/>
-        </p:nvSpPr>
-        <p:spPr>
-          <a:xfrm>
-            <a:off x="9687813" y="3744675"/>
-            <a:ext cx="1420069" cy="369332"/>
-          </a:xfrm>
-          <a:prstGeom prst="rect">
-            <a:avLst/>
-          </a:prstGeom>
-          <a:noFill/>
-        </p:spPr>
-        <p:txBody>
-          <a:bodyPr wrap="none" rtlCol="0">
-            <a:spAutoFit/>
-          </a:bodyPr>
-          <a:lstStyle/>
-          <a:p>
-            <a:r>
-              <a:rPr lang="it-IT" dirty="0"/>
-              <a:t>Child Process</a:t>
-            </a:r>
-          </a:p>
-        </p:txBody>
-      </p:sp>
-      <p:cxnSp>
-        <p:nvCxnSpPr>
-          <p:cNvPr id="11" name="Connettore 2 10">
-            <a:extLst>
-              <a:ext uri="{FF2B5EF4-FFF2-40B4-BE49-F238E27FC236}">
-                <a16:creationId xmlns:a16="http://schemas.microsoft.com/office/drawing/2014/main" id="{27D16939-F43D-434B-802A-4B2B6A790C25}"/>
-              </a:ext>
-            </a:extLst>
-          </p:cNvPr>
-          <p:cNvCxnSpPr>
-            <a:cxnSpLocks/>
-          </p:cNvCxnSpPr>
-          <p:nvPr/>
-        </p:nvCxnSpPr>
-        <p:spPr>
-          <a:xfrm flipV="1">
-            <a:off x="8591103" y="2493310"/>
-            <a:ext cx="790256" cy="1"/>
-          </a:xfrm>
-          <a:prstGeom prst="straightConnector1">
-            <a:avLst/>
-          </a:prstGeom>
-          <a:ln>
-            <a:tailEnd type="triangle"/>
-          </a:ln>
-        </p:spPr>
-        <p:style>
-          <a:lnRef idx="1">
-            <a:schemeClr val="accent1"/>
-          </a:lnRef>
-          <a:fillRef idx="0">
-            <a:schemeClr val="accent1"/>
-          </a:fillRef>
-          <a:effectRef idx="0">
-            <a:schemeClr val="accent1"/>
-          </a:effectRef>
-          <a:fontRef idx="minor">
-            <a:schemeClr val="tx1"/>
-          </a:fontRef>
-        </p:style>
-      </p:cxnSp>
-      <p:sp>
-        <p:nvSpPr>
-          <p:cNvPr id="22" name="CasellaDiTesto 21">
-            <a:extLst>
-              <a:ext uri="{FF2B5EF4-FFF2-40B4-BE49-F238E27FC236}">
-                <a16:creationId xmlns:a16="http://schemas.microsoft.com/office/drawing/2014/main" id="{3A40EAD4-8DD3-48DF-A37E-7F05245D9ACA}"/>
-              </a:ext>
-            </a:extLst>
-          </p:cNvPr>
-          <p:cNvSpPr txBox="1"/>
-          <p:nvPr/>
-        </p:nvSpPr>
-        <p:spPr>
-          <a:xfrm>
-            <a:off x="8546627" y="2534582"/>
-            <a:ext cx="930063" cy="246221"/>
-          </a:xfrm>
-          <a:prstGeom prst="rect">
-            <a:avLst/>
-          </a:prstGeom>
-          <a:noFill/>
-        </p:spPr>
-        <p:txBody>
-          <a:bodyPr wrap="none" rtlCol="0">
-            <a:spAutoFit/>
-          </a:bodyPr>
-          <a:lstStyle/>
-          <a:p>
-            <a:r>
-              <a:rPr lang="it-IT" sz="1000" dirty="0"/>
-              <a:t>Exec (no shell)</a:t>
-            </a:r>
-          </a:p>
-        </p:txBody>
-      </p:sp>
-      <p:cxnSp>
-        <p:nvCxnSpPr>
-          <p:cNvPr id="13" name="Connettore 2 12">
-            <a:extLst>
-              <a:ext uri="{FF2B5EF4-FFF2-40B4-BE49-F238E27FC236}">
-                <a16:creationId xmlns:a16="http://schemas.microsoft.com/office/drawing/2014/main" id="{B125D964-6168-4E56-A126-A2B8BB39D8E4}"/>
-              </a:ext>
-            </a:extLst>
-          </p:cNvPr>
-          <p:cNvCxnSpPr>
-            <a:cxnSpLocks/>
-          </p:cNvCxnSpPr>
-          <p:nvPr/>
-        </p:nvCxnSpPr>
-        <p:spPr>
-          <a:xfrm>
-            <a:off x="4512184" y="2428591"/>
-            <a:ext cx="2325508" cy="18553"/>
-          </a:xfrm>
-          <a:prstGeom prst="straightConnector1">
-            <a:avLst/>
-          </a:prstGeom>
-          <a:ln>
-            <a:tailEnd type="triangle"/>
-          </a:ln>
-        </p:spPr>
-        <p:style>
-          <a:lnRef idx="1">
-            <a:schemeClr val="accent1"/>
-          </a:lnRef>
-          <a:fillRef idx="0">
-            <a:schemeClr val="accent1"/>
-          </a:fillRef>
-          <a:effectRef idx="0">
-            <a:schemeClr val="accent1"/>
-          </a:effectRef>
-          <a:fontRef idx="minor">
-            <a:schemeClr val="tx1"/>
-          </a:fontRef>
-        </p:style>
-      </p:cxnSp>
-      <p:sp>
-        <p:nvSpPr>
-          <p:cNvPr id="25" name="CasellaDiTesto 24">
-            <a:extLst>
-              <a:ext uri="{FF2B5EF4-FFF2-40B4-BE49-F238E27FC236}">
-                <a16:creationId xmlns:a16="http://schemas.microsoft.com/office/drawing/2014/main" id="{D9BD99B3-05D8-434B-B4C3-513C96719686}"/>
-              </a:ext>
-            </a:extLst>
-          </p:cNvPr>
-          <p:cNvSpPr txBox="1"/>
-          <p:nvPr/>
-        </p:nvSpPr>
-        <p:spPr>
-          <a:xfrm>
-            <a:off x="5424663" y="2503519"/>
-            <a:ext cx="930063" cy="246221"/>
-          </a:xfrm>
-          <a:prstGeom prst="rect">
-            <a:avLst/>
-          </a:prstGeom>
-          <a:noFill/>
-        </p:spPr>
-        <p:txBody>
-          <a:bodyPr wrap="none" rtlCol="0">
-            <a:spAutoFit/>
-          </a:bodyPr>
-          <a:lstStyle/>
-          <a:p>
-            <a:r>
-              <a:rPr lang="it-IT" sz="1000" dirty="0"/>
-              <a:t>Exec (no shell)</a:t>
-            </a:r>
-          </a:p>
-        </p:txBody>
-      </p:sp>
-      <p:cxnSp>
-        <p:nvCxnSpPr>
-          <p:cNvPr id="24" name="Connettore 2 23">
-            <a:extLst>
-              <a:ext uri="{FF2B5EF4-FFF2-40B4-BE49-F238E27FC236}">
-                <a16:creationId xmlns:a16="http://schemas.microsoft.com/office/drawing/2014/main" id="{D404D4CE-4A29-4FC6-8907-B11329033D74}"/>
-              </a:ext>
-            </a:extLst>
-          </p:cNvPr>
-          <p:cNvCxnSpPr>
-            <a:cxnSpLocks/>
-          </p:cNvCxnSpPr>
-          <p:nvPr/>
-        </p:nvCxnSpPr>
-        <p:spPr>
-          <a:xfrm flipV="1">
-            <a:off x="2191728" y="2485748"/>
-            <a:ext cx="1100693" cy="424796"/>
-          </a:xfrm>
-          <a:prstGeom prst="straightConnector1">
-            <a:avLst/>
-          </a:prstGeom>
-          <a:ln>
-            <a:tailEnd type="triangle"/>
-          </a:ln>
-        </p:spPr>
-        <p:style>
-          <a:lnRef idx="1">
-            <a:schemeClr val="accent1"/>
-          </a:lnRef>
-          <a:fillRef idx="0">
-            <a:schemeClr val="accent1"/>
-          </a:fillRef>
-          <a:effectRef idx="0">
-            <a:schemeClr val="accent1"/>
-          </a:effectRef>
-          <a:fontRef idx="minor">
-            <a:schemeClr val="tx1"/>
-          </a:fontRef>
-        </p:style>
-      </p:cxnSp>
-      <p:sp>
-        <p:nvSpPr>
-          <p:cNvPr id="34" name="CasellaDiTesto 33">
-            <a:extLst>
-              <a:ext uri="{FF2B5EF4-FFF2-40B4-BE49-F238E27FC236}">
-                <a16:creationId xmlns:a16="http://schemas.microsoft.com/office/drawing/2014/main" id="{57E1AC26-E5C3-43BA-9AED-51153C4849F8}"/>
-              </a:ext>
-            </a:extLst>
-          </p:cNvPr>
-          <p:cNvSpPr txBox="1"/>
-          <p:nvPr/>
-        </p:nvSpPr>
-        <p:spPr>
-          <a:xfrm>
-            <a:off x="2271627" y="2456609"/>
-            <a:ext cx="593432" cy="246221"/>
-          </a:xfrm>
-          <a:prstGeom prst="rect">
-            <a:avLst/>
-          </a:prstGeom>
-          <a:noFill/>
-        </p:spPr>
-        <p:txBody>
-          <a:bodyPr wrap="none" rtlCol="0">
-            <a:spAutoFit/>
-          </a:bodyPr>
-          <a:lstStyle/>
-          <a:p>
-            <a:r>
-              <a:rPr lang="it-IT" sz="1000" dirty="0"/>
-              <a:t>Run Job</a:t>
-            </a:r>
-          </a:p>
-        </p:txBody>
-      </p:sp>
-      <p:sp>
-        <p:nvSpPr>
-          <p:cNvPr id="38" name="CasellaDiTesto 37">
-            <a:extLst>
-              <a:ext uri="{FF2B5EF4-FFF2-40B4-BE49-F238E27FC236}">
-                <a16:creationId xmlns:a16="http://schemas.microsoft.com/office/drawing/2014/main" id="{24D843BB-24F7-49AA-92F9-B6F6DF57833E}"/>
-              </a:ext>
-            </a:extLst>
-          </p:cNvPr>
-          <p:cNvSpPr txBox="1"/>
-          <p:nvPr/>
-        </p:nvSpPr>
-        <p:spPr>
-          <a:xfrm>
-            <a:off x="3635580" y="1533439"/>
-            <a:ext cx="431528" cy="307777"/>
-          </a:xfrm>
-          <a:prstGeom prst="rect">
-            <a:avLst/>
-          </a:prstGeom>
-          <a:noFill/>
-        </p:spPr>
-        <p:txBody>
-          <a:bodyPr wrap="none" rtlCol="0">
-            <a:spAutoFit/>
-          </a:bodyPr>
-          <a:lstStyle/>
-          <a:p>
-            <a:r>
-              <a:rPr lang="it-IT" sz="1400" dirty="0"/>
-              <a:t>Job</a:t>
-            </a:r>
-          </a:p>
-        </p:txBody>
-      </p:sp>
-      <p:sp>
-        <p:nvSpPr>
-          <p:cNvPr id="39" name="CasellaDiTesto 38">
-            <a:extLst>
-              <a:ext uri="{FF2B5EF4-FFF2-40B4-BE49-F238E27FC236}">
-                <a16:creationId xmlns:a16="http://schemas.microsoft.com/office/drawing/2014/main" id="{182340EA-1BCF-47FE-8926-C0ABD6A6EF65}"/>
-              </a:ext>
-            </a:extLst>
-          </p:cNvPr>
-          <p:cNvSpPr txBox="1"/>
-          <p:nvPr/>
-        </p:nvSpPr>
-        <p:spPr>
-          <a:xfrm>
-            <a:off x="1118421" y="3974530"/>
-            <a:ext cx="1073307" cy="307777"/>
-          </a:xfrm>
-          <a:prstGeom prst="rect">
-            <a:avLst/>
-          </a:prstGeom>
-          <a:noFill/>
-        </p:spPr>
-        <p:txBody>
-          <a:bodyPr wrap="none" rtlCol="0">
-            <a:spAutoFit/>
-          </a:bodyPr>
-          <a:lstStyle/>
-          <a:p>
-            <a:r>
-              <a:rPr lang="it-IT" sz="1400" dirty="0"/>
-              <a:t>Cron Trigger</a:t>
-            </a:r>
-          </a:p>
-        </p:txBody>
-      </p:sp>
-      <p:sp>
-        <p:nvSpPr>
-          <p:cNvPr id="37" name="CasellaDiTesto 36">
-            <a:extLst>
-              <a:ext uri="{FF2B5EF4-FFF2-40B4-BE49-F238E27FC236}">
-                <a16:creationId xmlns:a16="http://schemas.microsoft.com/office/drawing/2014/main" id="{FF1243F4-DB0C-491E-821B-7F2A449B3529}"/>
-              </a:ext>
-            </a:extLst>
-          </p:cNvPr>
-          <p:cNvSpPr txBox="1"/>
-          <p:nvPr/>
-        </p:nvSpPr>
-        <p:spPr>
-          <a:xfrm>
-            <a:off x="9401558" y="572253"/>
-            <a:ext cx="2334229" cy="369332"/>
-          </a:xfrm>
-          <a:prstGeom prst="rect">
-            <a:avLst/>
-          </a:prstGeom>
-          <a:noFill/>
-        </p:spPr>
-        <p:txBody>
-          <a:bodyPr wrap="none" rtlCol="0">
-            <a:spAutoFit/>
-          </a:bodyPr>
-          <a:lstStyle/>
-          <a:p>
-            <a:r>
-              <a:rPr lang="it-IT" dirty="0"/>
-              <a:t>Headless Environment </a:t>
-            </a:r>
-          </a:p>
-        </p:txBody>
-      </p:sp>
-      <p:sp>
-        <p:nvSpPr>
-          <p:cNvPr id="42" name="CasellaDiTesto 41">
-            <a:extLst>
-              <a:ext uri="{FF2B5EF4-FFF2-40B4-BE49-F238E27FC236}">
-                <a16:creationId xmlns:a16="http://schemas.microsoft.com/office/drawing/2014/main" id="{00402DE5-1B83-47D7-97B9-1BD99A19DCFC}"/>
-              </a:ext>
-            </a:extLst>
-          </p:cNvPr>
-          <p:cNvSpPr txBox="1"/>
-          <p:nvPr/>
-        </p:nvSpPr>
-        <p:spPr>
-          <a:xfrm>
-            <a:off x="88777" y="86721"/>
-            <a:ext cx="2008242" cy="369332"/>
-          </a:xfrm>
-          <a:prstGeom prst="rect">
-            <a:avLst/>
-          </a:prstGeom>
-          <a:noFill/>
-        </p:spPr>
-        <p:txBody>
-          <a:bodyPr wrap="none" rtlCol="0">
-            <a:spAutoFit/>
-          </a:bodyPr>
-          <a:lstStyle/>
-          <a:p>
-            <a:r>
-              <a:rPr lang="it-IT" b="1" dirty="0">
-                <a:solidFill>
-                  <a:schemeClr val="accent5">
-                    <a:lumMod val="50000"/>
-                  </a:schemeClr>
-                </a:solidFill>
-              </a:rPr>
-              <a:t>Macro Architettura</a:t>
-            </a:r>
-          </a:p>
-        </p:txBody>
-      </p:sp>
-      <p:pic>
-        <p:nvPicPr>
-          <p:cNvPr id="1040" name="Picture 16" descr="Vector Folder Icon 439792 Vector Art at Vecteezy">
-            <a:extLst>
-              <a:ext uri="{FF2B5EF4-FFF2-40B4-BE49-F238E27FC236}">
-                <a16:creationId xmlns:a16="http://schemas.microsoft.com/office/drawing/2014/main" id="{54CF8FAF-4F97-4514-A924-C21E11FA73C3}"/>
-              </a:ext>
-            </a:extLst>
-          </p:cNvPr>
-          <p:cNvPicPr>
-            <a:picLocks noChangeAspect="1" noChangeArrowheads="1"/>
-          </p:cNvPicPr>
-          <p:nvPr/>
-        </p:nvPicPr>
-        <p:blipFill>
-          <a:blip r:embed="rId6">
-            <a:extLst>
-              <a:ext uri="{28A0092B-C50C-407E-A947-70E740481C1C}">
-                <a14:useLocalDpi xmlns:a14="http://schemas.microsoft.com/office/drawing/2010/main" val="0"/>
-              </a:ext>
-            </a:extLst>
-          </a:blip>
-          <a:srcRect/>
-          <a:stretch>
-            <a:fillRect/>
-          </a:stretch>
-        </p:blipFill>
-        <p:spPr bwMode="auto">
-          <a:xfrm>
-            <a:off x="7094147" y="811864"/>
-            <a:ext cx="933658" cy="933658"/>
-          </a:xfrm>
-          <a:prstGeom prst="rect">
-            <a:avLst/>
-          </a:prstGeom>
-          <a:noFill/>
-          <a:extLst>
-            <a:ext uri="{909E8E84-426E-40DD-AFC4-6F175D3DCCD1}">
-              <a14:hiddenFill xmlns:a14="http://schemas.microsoft.com/office/drawing/2010/main">
-                <a:solidFill>
-                  <a:srgbClr val="FFFFFF"/>
-                </a:solidFill>
-              </a14:hiddenFill>
-            </a:ext>
-          </a:extLst>
-        </p:spPr>
-      </p:pic>
-      <p:cxnSp>
-        <p:nvCxnSpPr>
-          <p:cNvPr id="44" name="Connettore a gomito 43">
-            <a:extLst>
-              <a:ext uri="{FF2B5EF4-FFF2-40B4-BE49-F238E27FC236}">
-                <a16:creationId xmlns:a16="http://schemas.microsoft.com/office/drawing/2014/main" id="{4BFC8EC1-CB8E-424A-9861-1E74EBF2178E}"/>
-              </a:ext>
-            </a:extLst>
-          </p:cNvPr>
-          <p:cNvCxnSpPr>
-            <a:stCxn id="17" idx="0"/>
-          </p:cNvCxnSpPr>
-          <p:nvPr/>
-        </p:nvCxnSpPr>
-        <p:spPr>
-          <a:xfrm rot="16200000" flipV="1">
-            <a:off x="8826848" y="586433"/>
-            <a:ext cx="755960" cy="2354045"/>
-          </a:xfrm>
-          <a:prstGeom prst="bentConnector2">
-            <a:avLst/>
-          </a:prstGeom>
-          <a:ln>
-            <a:tailEnd type="triangle"/>
-          </a:ln>
-        </p:spPr>
-        <p:style>
-          <a:lnRef idx="1">
-            <a:schemeClr val="accent1"/>
-          </a:lnRef>
-          <a:fillRef idx="0">
-            <a:schemeClr val="accent1"/>
-          </a:fillRef>
-          <a:effectRef idx="0">
-            <a:schemeClr val="accent1"/>
-          </a:effectRef>
-          <a:fontRef idx="minor">
-            <a:schemeClr val="tx1"/>
-          </a:fontRef>
-        </p:style>
-      </p:cxnSp>
-      <p:sp>
-        <p:nvSpPr>
-          <p:cNvPr id="53" name="CasellaDiTesto 52">
-            <a:extLst>
-              <a:ext uri="{FF2B5EF4-FFF2-40B4-BE49-F238E27FC236}">
-                <a16:creationId xmlns:a16="http://schemas.microsoft.com/office/drawing/2014/main" id="{EC247E6A-8464-48C6-BEB1-EF4E4BC9F861}"/>
-              </a:ext>
-            </a:extLst>
-          </p:cNvPr>
-          <p:cNvSpPr txBox="1"/>
-          <p:nvPr/>
-        </p:nvSpPr>
-        <p:spPr>
-          <a:xfrm>
-            <a:off x="7094147" y="584456"/>
-            <a:ext cx="908134" cy="369332"/>
-          </a:xfrm>
-          <a:prstGeom prst="rect">
-            <a:avLst/>
-          </a:prstGeom>
-          <a:noFill/>
-        </p:spPr>
-        <p:txBody>
-          <a:bodyPr wrap="none" rtlCol="0">
-            <a:spAutoFit/>
-          </a:bodyPr>
-          <a:lstStyle/>
-          <a:p>
-            <a:r>
-              <a:rPr lang="it-IT" dirty="0"/>
-              <a:t>Logging</a:t>
-            </a:r>
-          </a:p>
-        </p:txBody>
-      </p:sp>
-      <p:cxnSp>
-        <p:nvCxnSpPr>
-          <p:cNvPr id="46" name="Connettore 2 45">
-            <a:extLst>
-              <a:ext uri="{FF2B5EF4-FFF2-40B4-BE49-F238E27FC236}">
-                <a16:creationId xmlns:a16="http://schemas.microsoft.com/office/drawing/2014/main" id="{62D2854E-5269-45DB-AE91-DD72E4889B91}"/>
-              </a:ext>
-            </a:extLst>
-          </p:cNvPr>
-          <p:cNvCxnSpPr>
-            <a:endCxn id="1040" idx="2"/>
-          </p:cNvCxnSpPr>
-          <p:nvPr/>
-        </p:nvCxnSpPr>
-        <p:spPr>
-          <a:xfrm flipV="1">
-            <a:off x="7560976" y="1745522"/>
-            <a:ext cx="0" cy="366320"/>
-          </a:xfrm>
-          <a:prstGeom prst="straightConnector1">
-            <a:avLst/>
-          </a:prstGeom>
-          <a:ln>
-            <a:tailEnd type="triangle"/>
-          </a:ln>
-        </p:spPr>
-        <p:style>
-          <a:lnRef idx="1">
-            <a:schemeClr val="accent1"/>
-          </a:lnRef>
-          <a:fillRef idx="0">
-            <a:schemeClr val="accent1"/>
-          </a:fillRef>
-          <a:effectRef idx="0">
-            <a:schemeClr val="accent1"/>
-          </a:effectRef>
-          <a:fontRef idx="minor">
-            <a:schemeClr val="tx1"/>
-          </a:fontRef>
-        </p:style>
-      </p:cxnSp>
-      <p:cxnSp>
-        <p:nvCxnSpPr>
-          <p:cNvPr id="48" name="Connettore 2 47">
-            <a:extLst>
-              <a:ext uri="{FF2B5EF4-FFF2-40B4-BE49-F238E27FC236}">
-                <a16:creationId xmlns:a16="http://schemas.microsoft.com/office/drawing/2014/main" id="{AD950154-DD63-44BE-92EE-92D1C4888FF6}"/>
-              </a:ext>
-            </a:extLst>
-          </p:cNvPr>
-          <p:cNvCxnSpPr/>
-          <p:nvPr/>
-        </p:nvCxnSpPr>
-        <p:spPr>
-          <a:xfrm>
-            <a:off x="4981709" y="1385475"/>
-            <a:ext cx="2073693" cy="0"/>
-          </a:xfrm>
-          <a:prstGeom prst="straightConnector1">
-            <a:avLst/>
-          </a:prstGeom>
-          <a:ln>
-            <a:tailEnd type="triangle"/>
-          </a:ln>
-        </p:spPr>
-        <p:style>
-          <a:lnRef idx="1">
-            <a:schemeClr val="accent1"/>
-          </a:lnRef>
-          <a:fillRef idx="0">
-            <a:schemeClr val="accent1"/>
-          </a:fillRef>
-          <a:effectRef idx="0">
-            <a:schemeClr val="accent1"/>
-          </a:effectRef>
-          <a:fontRef idx="minor">
-            <a:schemeClr val="tx1"/>
-          </a:fontRef>
-        </p:style>
-      </p:cxnSp>
-      <p:cxnSp>
-        <p:nvCxnSpPr>
-          <p:cNvPr id="50" name="Connettore a gomito 49">
-            <a:extLst>
-              <a:ext uri="{FF2B5EF4-FFF2-40B4-BE49-F238E27FC236}">
-                <a16:creationId xmlns:a16="http://schemas.microsoft.com/office/drawing/2014/main" id="{605AB626-1E71-4922-B669-D109EAA2E062}"/>
-              </a:ext>
-            </a:extLst>
-          </p:cNvPr>
-          <p:cNvCxnSpPr>
-            <a:cxnSpLocks/>
-            <a:stCxn id="19" idx="2"/>
-          </p:cNvCxnSpPr>
-          <p:nvPr/>
-        </p:nvCxnSpPr>
-        <p:spPr>
-          <a:xfrm rot="5400000">
-            <a:off x="7818115" y="3166768"/>
-            <a:ext cx="1632495" cy="3526972"/>
-          </a:xfrm>
-          <a:prstGeom prst="bentConnector2">
-            <a:avLst/>
-          </a:prstGeom>
-          <a:ln>
-            <a:tailEnd type="triangle"/>
-          </a:ln>
-        </p:spPr>
-        <p:style>
-          <a:lnRef idx="1">
-            <a:schemeClr val="accent1"/>
-          </a:lnRef>
-          <a:fillRef idx="0">
-            <a:schemeClr val="accent1"/>
-          </a:fillRef>
-          <a:effectRef idx="0">
-            <a:schemeClr val="accent1"/>
-          </a:effectRef>
-          <a:fontRef idx="minor">
-            <a:schemeClr val="tx1"/>
-          </a:fontRef>
-        </p:style>
-      </p:cxnSp>
-      <p:cxnSp>
-        <p:nvCxnSpPr>
-          <p:cNvPr id="56" name="Connettore a gomito 55">
-            <a:extLst>
-              <a:ext uri="{FF2B5EF4-FFF2-40B4-BE49-F238E27FC236}">
-                <a16:creationId xmlns:a16="http://schemas.microsoft.com/office/drawing/2014/main" id="{78DB5CBD-C9BF-41E0-A96E-0BCFEF86309B}"/>
-              </a:ext>
-            </a:extLst>
-          </p:cNvPr>
-          <p:cNvCxnSpPr>
-            <a:cxnSpLocks/>
-            <a:stCxn id="18" idx="2"/>
-          </p:cNvCxnSpPr>
-          <p:nvPr/>
-        </p:nvCxnSpPr>
-        <p:spPr>
-          <a:xfrm rot="5400000">
-            <a:off x="6664132" y="4179151"/>
-            <a:ext cx="1150450" cy="1020163"/>
-          </a:xfrm>
-          <a:prstGeom prst="bentConnector3">
-            <a:avLst>
-              <a:gd name="adj1" fmla="val 99386"/>
-            </a:avLst>
-          </a:prstGeom>
-          <a:ln>
-            <a:tailEnd type="triangle"/>
-          </a:ln>
-        </p:spPr>
-        <p:style>
-          <a:lnRef idx="1">
-            <a:schemeClr val="accent1"/>
-          </a:lnRef>
-          <a:fillRef idx="0">
-            <a:schemeClr val="accent1"/>
-          </a:fillRef>
-          <a:effectRef idx="0">
-            <a:schemeClr val="accent1"/>
-          </a:effectRef>
-          <a:fontRef idx="minor">
-            <a:schemeClr val="tx1"/>
-          </a:fontRef>
-        </p:style>
-      </p:cxnSp>
-      <p:pic>
-        <p:nvPicPr>
-          <p:cNvPr id="1026" name="Picture 2" descr="Retry Icon - Download in Flat Style">
-            <a:extLst>
-              <a:ext uri="{FF2B5EF4-FFF2-40B4-BE49-F238E27FC236}">
-                <a16:creationId xmlns:a16="http://schemas.microsoft.com/office/drawing/2014/main" id="{52F6F829-84BC-4B39-95DF-6051E7EA09AC}"/>
-              </a:ext>
-            </a:extLst>
-          </p:cNvPr>
-          <p:cNvPicPr>
-            <a:picLocks noChangeAspect="1" noChangeArrowheads="1"/>
-          </p:cNvPicPr>
-          <p:nvPr/>
-        </p:nvPicPr>
-        <p:blipFill>
-          <a:blip r:embed="rId7">
-            <a:extLst>
-              <a:ext uri="{28A0092B-C50C-407E-A947-70E740481C1C}">
-                <a14:useLocalDpi xmlns:a14="http://schemas.microsoft.com/office/drawing/2010/main" val="0"/>
-              </a:ext>
-            </a:extLst>
-          </a:blip>
-          <a:srcRect/>
-          <a:stretch>
-            <a:fillRect/>
-          </a:stretch>
-        </p:blipFill>
-        <p:spPr bwMode="auto">
-          <a:xfrm>
-            <a:off x="2271627" y="4168206"/>
-            <a:ext cx="534194" cy="534194"/>
-          </a:xfrm>
-          <a:prstGeom prst="rect">
-            <a:avLst/>
-          </a:prstGeom>
-          <a:noFill/>
-          <a:extLst>
-            <a:ext uri="{909E8E84-426E-40DD-AFC4-6F175D3DCCD1}">
-              <a14:hiddenFill xmlns:a14="http://schemas.microsoft.com/office/drawing/2010/main">
-                <a:solidFill>
-                  <a:srgbClr val="FFFFFF"/>
-                </a:solidFill>
-              </a14:hiddenFill>
-            </a:ext>
-          </a:extLst>
-        </p:spPr>
-      </p:pic>
-      <p:sp>
-        <p:nvSpPr>
-          <p:cNvPr id="36" name="CasellaDiTesto 35">
-            <a:extLst>
-              <a:ext uri="{FF2B5EF4-FFF2-40B4-BE49-F238E27FC236}">
-                <a16:creationId xmlns:a16="http://schemas.microsoft.com/office/drawing/2014/main" id="{C059CCEF-9849-44C4-96C2-22493DCFC2F5}"/>
-              </a:ext>
-            </a:extLst>
-          </p:cNvPr>
-          <p:cNvSpPr txBox="1"/>
-          <p:nvPr/>
-        </p:nvSpPr>
-        <p:spPr>
-          <a:xfrm>
-            <a:off x="2785128" y="4175610"/>
-            <a:ext cx="1755417" cy="523220"/>
-          </a:xfrm>
-          <a:prstGeom prst="rect">
-            <a:avLst/>
-          </a:prstGeom>
-          <a:noFill/>
-        </p:spPr>
-        <p:txBody>
-          <a:bodyPr wrap="none" rtlCol="0">
-            <a:spAutoFit/>
-          </a:bodyPr>
-          <a:lstStyle/>
-          <a:p>
-            <a:r>
-              <a:rPr lang="it-IT" sz="1400" dirty="0"/>
-              <a:t>WaitAndRetry  Policy </a:t>
-            </a:r>
-          </a:p>
-          <a:p>
-            <a:r>
-              <a:rPr lang="it-IT" sz="1400" dirty="0"/>
-              <a:t>(Polly)</a:t>
-            </a:r>
-          </a:p>
-        </p:txBody>
-      </p:sp>
-      <p:pic>
-        <p:nvPicPr>
-          <p:cNvPr id="1032" name="Picture 8" descr="clear cache Icon - Download clear cache Icon 2495429 | Noun Project">
-            <a:extLst>
-              <a:ext uri="{FF2B5EF4-FFF2-40B4-BE49-F238E27FC236}">
-                <a16:creationId xmlns:a16="http://schemas.microsoft.com/office/drawing/2014/main" id="{67BA90FB-3F21-4EC3-932F-CE11D208FC22}"/>
-              </a:ext>
-            </a:extLst>
-          </p:cNvPr>
-          <p:cNvPicPr>
-            <a:picLocks noChangeAspect="1" noChangeArrowheads="1"/>
-          </p:cNvPicPr>
-          <p:nvPr/>
-        </p:nvPicPr>
-        <p:blipFill>
-          <a:blip r:embed="rId8">
-            <a:extLst>
-              <a:ext uri="{28A0092B-C50C-407E-A947-70E740481C1C}">
-                <a14:useLocalDpi xmlns:a14="http://schemas.microsoft.com/office/drawing/2010/main" val="0"/>
-              </a:ext>
-            </a:extLst>
-          </a:blip>
-          <a:srcRect/>
-          <a:stretch>
-            <a:fillRect/>
-          </a:stretch>
-        </p:blipFill>
-        <p:spPr bwMode="auto">
-          <a:xfrm>
-            <a:off x="3331654" y="3041725"/>
-            <a:ext cx="972406" cy="972406"/>
-          </a:xfrm>
-          <a:prstGeom prst="rect">
-            <a:avLst/>
-          </a:prstGeom>
-          <a:noFill/>
-          <a:extLst>
-            <a:ext uri="{909E8E84-426E-40DD-AFC4-6F175D3DCCD1}">
-              <a14:hiddenFill xmlns:a14="http://schemas.microsoft.com/office/drawing/2010/main">
-                <a:solidFill>
-                  <a:srgbClr val="FFFFFF"/>
-                </a:solidFill>
-              </a14:hiddenFill>
-            </a:ext>
-          </a:extLst>
-        </p:spPr>
-      </p:pic>
-      <p:cxnSp>
-        <p:nvCxnSpPr>
-          <p:cNvPr id="47" name="Connettore 2 46">
-            <a:extLst>
-              <a:ext uri="{FF2B5EF4-FFF2-40B4-BE49-F238E27FC236}">
-                <a16:creationId xmlns:a16="http://schemas.microsoft.com/office/drawing/2014/main" id="{872A32FE-CD93-4691-AFD1-785970020FCB}"/>
-              </a:ext>
-            </a:extLst>
-          </p:cNvPr>
-          <p:cNvCxnSpPr>
-            <a:cxnSpLocks/>
-          </p:cNvCxnSpPr>
-          <p:nvPr/>
-        </p:nvCxnSpPr>
-        <p:spPr>
-          <a:xfrm flipV="1">
-            <a:off x="2703749" y="3744675"/>
-            <a:ext cx="686819" cy="419830"/>
-          </a:xfrm>
-          <a:prstGeom prst="straightConnector1">
-            <a:avLst/>
-          </a:prstGeom>
-          <a:ln>
-            <a:tailEnd type="triangle"/>
-          </a:ln>
-        </p:spPr>
-        <p:style>
-          <a:lnRef idx="1">
-            <a:schemeClr val="accent1"/>
-          </a:lnRef>
-          <a:fillRef idx="0">
-            <a:schemeClr val="accent1"/>
-          </a:fillRef>
-          <a:effectRef idx="0">
-            <a:schemeClr val="accent1"/>
-          </a:effectRef>
-          <a:fontRef idx="minor">
-            <a:schemeClr val="tx1"/>
-          </a:fontRef>
-        </p:style>
-      </p:cxnSp>
-      <p:cxnSp>
-        <p:nvCxnSpPr>
-          <p:cNvPr id="49" name="Connettore 2 48">
-            <a:extLst>
-              <a:ext uri="{FF2B5EF4-FFF2-40B4-BE49-F238E27FC236}">
-                <a16:creationId xmlns:a16="http://schemas.microsoft.com/office/drawing/2014/main" id="{22F00350-B289-4EA3-A4AD-865666EAFCB3}"/>
-              </a:ext>
-            </a:extLst>
-          </p:cNvPr>
-          <p:cNvCxnSpPr>
-            <a:cxnSpLocks/>
-          </p:cNvCxnSpPr>
-          <p:nvPr/>
-        </p:nvCxnSpPr>
-        <p:spPr>
-          <a:xfrm flipH="1">
-            <a:off x="2314872" y="3485197"/>
-            <a:ext cx="1044916" cy="2707"/>
-          </a:xfrm>
-          <a:prstGeom prst="straightConnector1">
-            <a:avLst/>
-          </a:prstGeom>
-          <a:ln>
-            <a:tailEnd type="triangle"/>
-          </a:ln>
-        </p:spPr>
-        <p:style>
-          <a:lnRef idx="1">
-            <a:schemeClr val="accent1"/>
-          </a:lnRef>
-          <a:fillRef idx="0">
-            <a:schemeClr val="accent1"/>
-          </a:fillRef>
-          <a:effectRef idx="0">
-            <a:schemeClr val="accent1"/>
-          </a:effectRef>
-          <a:fontRef idx="minor">
-            <a:schemeClr val="tx1"/>
-          </a:fontRef>
-        </p:style>
-      </p:cxnSp>
-      <p:sp>
-        <p:nvSpPr>
-          <p:cNvPr id="51" name="CasellaDiTesto 50">
-            <a:extLst>
-              <a:ext uri="{FF2B5EF4-FFF2-40B4-BE49-F238E27FC236}">
-                <a16:creationId xmlns:a16="http://schemas.microsoft.com/office/drawing/2014/main" id="{E5FABC76-3387-4003-B614-7741C42713D8}"/>
-              </a:ext>
-            </a:extLst>
-          </p:cNvPr>
-          <p:cNvSpPr txBox="1"/>
-          <p:nvPr/>
-        </p:nvSpPr>
-        <p:spPr>
-          <a:xfrm>
-            <a:off x="2480090" y="3241683"/>
-            <a:ext cx="740908" cy="246221"/>
-          </a:xfrm>
-          <a:prstGeom prst="rect">
-            <a:avLst/>
-          </a:prstGeom>
-          <a:noFill/>
-        </p:spPr>
-        <p:txBody>
-          <a:bodyPr wrap="none" rtlCol="0">
-            <a:spAutoFit/>
-          </a:bodyPr>
-          <a:lstStyle/>
-          <a:p>
-            <a:r>
-              <a:rPr lang="it-IT" sz="1000" dirty="0"/>
-              <a:t>Cron Rules</a:t>
-            </a:r>
-          </a:p>
-        </p:txBody>
-      </p:sp>
-      <p:sp>
-        <p:nvSpPr>
-          <p:cNvPr id="52" name="CasellaDiTesto 51">
-            <a:extLst>
-              <a:ext uri="{FF2B5EF4-FFF2-40B4-BE49-F238E27FC236}">
-                <a16:creationId xmlns:a16="http://schemas.microsoft.com/office/drawing/2014/main" id="{073C4326-15ED-4B80-867E-8D8522673EDC}"/>
-              </a:ext>
-            </a:extLst>
-          </p:cNvPr>
-          <p:cNvSpPr txBox="1"/>
-          <p:nvPr/>
-        </p:nvSpPr>
-        <p:spPr>
-          <a:xfrm>
-            <a:off x="3138575" y="2859538"/>
-            <a:ext cx="1417376" cy="307777"/>
-          </a:xfrm>
-          <a:prstGeom prst="rect">
-            <a:avLst/>
-          </a:prstGeom>
-          <a:noFill/>
-        </p:spPr>
-        <p:txBody>
-          <a:bodyPr wrap="none" rtlCol="0">
-            <a:spAutoFit/>
-          </a:bodyPr>
-          <a:lstStyle/>
-          <a:p>
-            <a:r>
-              <a:rPr lang="it-IT" sz="1400" dirty="0"/>
-              <a:t>Plan Rules Cache</a:t>
-            </a:r>
-          </a:p>
-        </p:txBody>
-      </p:sp>
-      <p:sp>
-        <p:nvSpPr>
-          <p:cNvPr id="28" name="Ovale 27">
-            <a:extLst>
-              <a:ext uri="{FF2B5EF4-FFF2-40B4-BE49-F238E27FC236}">
-                <a16:creationId xmlns:a16="http://schemas.microsoft.com/office/drawing/2014/main" id="{E9001488-C240-41E3-9E6F-75B56B312FD2}"/>
-              </a:ext>
-            </a:extLst>
-          </p:cNvPr>
-          <p:cNvSpPr/>
-          <p:nvPr/>
-        </p:nvSpPr>
-        <p:spPr>
-          <a:xfrm>
-            <a:off x="2190584" y="5465365"/>
-            <a:ext cx="248575" cy="256509"/>
-          </a:xfrm>
-          <a:prstGeom prst="ellipse">
-            <a:avLst/>
-          </a:prstGeom>
-        </p:spPr>
-        <p:style>
-          <a:lnRef idx="2">
-            <a:schemeClr val="accent1">
-              <a:shade val="50000"/>
-            </a:schemeClr>
-          </a:lnRef>
-          <a:fillRef idx="1">
-            <a:schemeClr val="accent1"/>
-          </a:fillRef>
-          <a:effectRef idx="0">
-            <a:schemeClr val="accent1"/>
-          </a:effectRef>
-          <a:fontRef idx="minor">
-            <a:schemeClr val="lt1"/>
-          </a:fontRef>
-        </p:style>
-        <p:txBody>
-          <a:bodyPr rtlCol="0" anchor="ctr"/>
-          <a:lstStyle/>
-          <a:p>
-            <a:pPr algn="ctr"/>
-            <a:r>
-              <a:rPr lang="it-IT" dirty="0"/>
-              <a:t>1</a:t>
-            </a:r>
-          </a:p>
-        </p:txBody>
-      </p:sp>
-      <p:sp>
-        <p:nvSpPr>
-          <p:cNvPr id="54" name="Ovale 53">
-            <a:extLst>
-              <a:ext uri="{FF2B5EF4-FFF2-40B4-BE49-F238E27FC236}">
-                <a16:creationId xmlns:a16="http://schemas.microsoft.com/office/drawing/2014/main" id="{52940690-6336-4C3D-A87B-C5D16486A1B4}"/>
-              </a:ext>
-            </a:extLst>
-          </p:cNvPr>
-          <p:cNvSpPr/>
-          <p:nvPr/>
-        </p:nvSpPr>
-        <p:spPr>
-          <a:xfrm>
-            <a:off x="2769126" y="3593614"/>
-            <a:ext cx="248575" cy="256509"/>
-          </a:xfrm>
-          <a:prstGeom prst="ellipse">
-            <a:avLst/>
-          </a:prstGeom>
-        </p:spPr>
-        <p:style>
-          <a:lnRef idx="2">
-            <a:schemeClr val="accent1">
-              <a:shade val="50000"/>
-            </a:schemeClr>
-          </a:lnRef>
-          <a:fillRef idx="1">
-            <a:schemeClr val="accent1"/>
-          </a:fillRef>
-          <a:effectRef idx="0">
-            <a:schemeClr val="accent1"/>
-          </a:effectRef>
-          <a:fontRef idx="minor">
-            <a:schemeClr val="lt1"/>
-          </a:fontRef>
-        </p:style>
-        <p:txBody>
-          <a:bodyPr rtlCol="0" anchor="ctr"/>
-          <a:lstStyle/>
-          <a:p>
-            <a:pPr algn="ctr"/>
-            <a:r>
-              <a:rPr lang="it-IT" dirty="0"/>
-              <a:t>2</a:t>
-            </a:r>
-          </a:p>
-        </p:txBody>
-      </p:sp>
-      <p:sp>
-        <p:nvSpPr>
-          <p:cNvPr id="55" name="Ovale 54">
-            <a:extLst>
-              <a:ext uri="{FF2B5EF4-FFF2-40B4-BE49-F238E27FC236}">
-                <a16:creationId xmlns:a16="http://schemas.microsoft.com/office/drawing/2014/main" id="{EFA6CCFA-3C1B-4F9D-A5FC-4F086EFFECEB}"/>
-              </a:ext>
-            </a:extLst>
-          </p:cNvPr>
-          <p:cNvSpPr/>
-          <p:nvPr/>
-        </p:nvSpPr>
-        <p:spPr>
-          <a:xfrm>
-            <a:off x="2684530" y="2164821"/>
-            <a:ext cx="248575" cy="256509"/>
-          </a:xfrm>
-          <a:prstGeom prst="ellipse">
-            <a:avLst/>
-          </a:prstGeom>
-        </p:spPr>
-        <p:style>
-          <a:lnRef idx="2">
-            <a:schemeClr val="accent1">
-              <a:shade val="50000"/>
-            </a:schemeClr>
-          </a:lnRef>
-          <a:fillRef idx="1">
-            <a:schemeClr val="accent1"/>
-          </a:fillRef>
-          <a:effectRef idx="0">
-            <a:schemeClr val="accent1"/>
-          </a:effectRef>
-          <a:fontRef idx="minor">
-            <a:schemeClr val="lt1"/>
-          </a:fontRef>
-        </p:style>
-        <p:txBody>
-          <a:bodyPr rtlCol="0" anchor="ctr"/>
-          <a:lstStyle/>
-          <a:p>
-            <a:pPr algn="ctr"/>
-            <a:r>
-              <a:rPr lang="it-IT" dirty="0"/>
-              <a:t>3</a:t>
-            </a:r>
-          </a:p>
-        </p:txBody>
-      </p:sp>
-      <p:sp>
-        <p:nvSpPr>
-          <p:cNvPr id="57" name="Ovale 56">
-            <a:extLst>
-              <a:ext uri="{FF2B5EF4-FFF2-40B4-BE49-F238E27FC236}">
-                <a16:creationId xmlns:a16="http://schemas.microsoft.com/office/drawing/2014/main" id="{D6EC6FDB-7F2C-4A3A-BF62-A5D44FF2E2A3}"/>
-              </a:ext>
-            </a:extLst>
-          </p:cNvPr>
-          <p:cNvSpPr/>
-          <p:nvPr/>
-        </p:nvSpPr>
-        <p:spPr>
-          <a:xfrm>
-            <a:off x="5783407" y="2120602"/>
-            <a:ext cx="248575" cy="256509"/>
-          </a:xfrm>
-          <a:prstGeom prst="ellipse">
-            <a:avLst/>
-          </a:prstGeom>
-        </p:spPr>
-        <p:style>
-          <a:lnRef idx="2">
-            <a:schemeClr val="accent1">
-              <a:shade val="50000"/>
-            </a:schemeClr>
-          </a:lnRef>
-          <a:fillRef idx="1">
-            <a:schemeClr val="accent1"/>
-          </a:fillRef>
-          <a:effectRef idx="0">
-            <a:schemeClr val="accent1"/>
-          </a:effectRef>
-          <a:fontRef idx="minor">
-            <a:schemeClr val="lt1"/>
-          </a:fontRef>
-        </p:style>
-        <p:txBody>
-          <a:bodyPr rtlCol="0" anchor="ctr"/>
-          <a:lstStyle/>
-          <a:p>
-            <a:pPr algn="ctr"/>
-            <a:r>
-              <a:rPr lang="it-IT" dirty="0"/>
-              <a:t>4</a:t>
-            </a:r>
-          </a:p>
-        </p:txBody>
-      </p:sp>
-      <p:sp>
-        <p:nvSpPr>
-          <p:cNvPr id="58" name="Ovale 57">
-            <a:extLst>
-              <a:ext uri="{FF2B5EF4-FFF2-40B4-BE49-F238E27FC236}">
-                <a16:creationId xmlns:a16="http://schemas.microsoft.com/office/drawing/2014/main" id="{1BA078E9-F76B-4C7D-94E5-54E144B4ADA4}"/>
-              </a:ext>
-            </a:extLst>
-          </p:cNvPr>
-          <p:cNvSpPr/>
-          <p:nvPr/>
-        </p:nvSpPr>
-        <p:spPr>
-          <a:xfrm>
-            <a:off x="8834783" y="2129183"/>
-            <a:ext cx="248575" cy="256509"/>
-          </a:xfrm>
-          <a:prstGeom prst="ellipse">
-            <a:avLst/>
-          </a:prstGeom>
-        </p:spPr>
-        <p:style>
-          <a:lnRef idx="2">
-            <a:schemeClr val="accent1">
-              <a:shade val="50000"/>
-            </a:schemeClr>
-          </a:lnRef>
-          <a:fillRef idx="1">
-            <a:schemeClr val="accent1"/>
-          </a:fillRef>
-          <a:effectRef idx="0">
-            <a:schemeClr val="accent1"/>
-          </a:effectRef>
-          <a:fontRef idx="minor">
-            <a:schemeClr val="lt1"/>
-          </a:fontRef>
-        </p:style>
-        <p:txBody>
-          <a:bodyPr rtlCol="0" anchor="ctr"/>
-          <a:lstStyle/>
-          <a:p>
-            <a:pPr algn="ctr"/>
-            <a:r>
-              <a:rPr lang="it-IT" dirty="0"/>
-              <a:t>6</a:t>
-            </a:r>
-          </a:p>
-        </p:txBody>
-      </p:sp>
-      <p:sp>
-        <p:nvSpPr>
-          <p:cNvPr id="59" name="Ovale 58">
-            <a:extLst>
-              <a:ext uri="{FF2B5EF4-FFF2-40B4-BE49-F238E27FC236}">
-                <a16:creationId xmlns:a16="http://schemas.microsoft.com/office/drawing/2014/main" id="{675C2859-CA72-4173-B0F6-8D2D8FB4A319}"/>
-              </a:ext>
-            </a:extLst>
-          </p:cNvPr>
-          <p:cNvSpPr/>
-          <p:nvPr/>
-        </p:nvSpPr>
-        <p:spPr>
-          <a:xfrm>
-            <a:off x="7782873" y="4438263"/>
-            <a:ext cx="248575" cy="256509"/>
-          </a:xfrm>
-          <a:prstGeom prst="ellipse">
-            <a:avLst/>
-          </a:prstGeom>
-        </p:spPr>
-        <p:style>
-          <a:lnRef idx="2">
-            <a:schemeClr val="accent1">
-              <a:shade val="50000"/>
-            </a:schemeClr>
-          </a:lnRef>
-          <a:fillRef idx="1">
-            <a:schemeClr val="accent1"/>
-          </a:fillRef>
-          <a:effectRef idx="0">
-            <a:schemeClr val="accent1"/>
-          </a:effectRef>
-          <a:fontRef idx="minor">
-            <a:schemeClr val="lt1"/>
-          </a:fontRef>
-        </p:style>
-        <p:txBody>
-          <a:bodyPr rtlCol="0" anchor="ctr"/>
-          <a:lstStyle/>
-          <a:p>
-            <a:pPr algn="ctr"/>
-            <a:r>
-              <a:rPr lang="it-IT" dirty="0"/>
-              <a:t>5</a:t>
-            </a:r>
-          </a:p>
-        </p:txBody>
-      </p:sp>
-      <p:sp>
-        <p:nvSpPr>
-          <p:cNvPr id="60" name="Ovale 59">
-            <a:extLst>
-              <a:ext uri="{FF2B5EF4-FFF2-40B4-BE49-F238E27FC236}">
-                <a16:creationId xmlns:a16="http://schemas.microsoft.com/office/drawing/2014/main" id="{C37DF305-4228-4220-9934-46F62FC227CF}"/>
-              </a:ext>
-            </a:extLst>
-          </p:cNvPr>
-          <p:cNvSpPr/>
-          <p:nvPr/>
-        </p:nvSpPr>
-        <p:spPr>
-          <a:xfrm>
-            <a:off x="10504290" y="5362075"/>
-            <a:ext cx="248575" cy="256509"/>
-          </a:xfrm>
-          <a:prstGeom prst="ellipse">
-            <a:avLst/>
-          </a:prstGeom>
-        </p:spPr>
-        <p:style>
-          <a:lnRef idx="2">
-            <a:schemeClr val="accent1">
-              <a:shade val="50000"/>
-            </a:schemeClr>
-          </a:lnRef>
-          <a:fillRef idx="1">
-            <a:schemeClr val="accent1"/>
-          </a:fillRef>
-          <a:effectRef idx="0">
-            <a:schemeClr val="accent1"/>
-          </a:effectRef>
-          <a:fontRef idx="minor">
-            <a:schemeClr val="lt1"/>
-          </a:fontRef>
-        </p:style>
-        <p:txBody>
-          <a:bodyPr rtlCol="0" anchor="ctr"/>
-          <a:lstStyle/>
-          <a:p>
-            <a:pPr algn="ctr"/>
-            <a:r>
-              <a:rPr lang="it-IT" dirty="0"/>
-              <a:t>7</a:t>
+              <a:rPr lang="it-IT" sz="9600" b="1" dirty="0"/>
+              <a:t>+</a:t>
             </a:r>
           </a:p>
         </p:txBody>
@@ -5218,7 +3607,7 @@
     </p:spTree>
     <p:extLst>
       <p:ext uri="{BB962C8B-B14F-4D97-AF65-F5344CB8AC3E}">
-        <p14:creationId xmlns:p14="http://schemas.microsoft.com/office/powerpoint/2010/main" val="3187266073"/>
+        <p14:creationId xmlns:p14="http://schemas.microsoft.com/office/powerpoint/2010/main" val="349071795"/>
       </p:ext>
     </p:extLst>
   </p:cSld>
@@ -5247,205 +3636,507 @@
       </p:grpSpPr>
       <p:sp>
         <p:nvSpPr>
-          <p:cNvPr id="4" name="CasellaDiTesto 3">
-            <a:extLst>
-              <a:ext uri="{FF2B5EF4-FFF2-40B4-BE49-F238E27FC236}">
-                <a16:creationId xmlns:a16="http://schemas.microsoft.com/office/drawing/2014/main" id="{5919C734-D242-4C6E-8284-11E28CBF8407}"/>
-              </a:ext>
-            </a:extLst>
-          </p:cNvPr>
-          <p:cNvSpPr txBox="1"/>
+          <p:cNvPr id="7" name="Rettangolo 6">
+            <a:extLst>
+              <a:ext uri="{FF2B5EF4-FFF2-40B4-BE49-F238E27FC236}">
+                <a16:creationId xmlns:a16="http://schemas.microsoft.com/office/drawing/2014/main" id="{B8140A73-68FF-48D9-9A8C-45D2488AE080}"/>
+              </a:ext>
+            </a:extLst>
+          </p:cNvPr>
+          <p:cNvSpPr/>
           <p:nvPr/>
         </p:nvSpPr>
         <p:spPr>
           <a:xfrm>
-            <a:off x="435006" y="353635"/>
-            <a:ext cx="2596865" cy="461665"/>
+            <a:off x="736847" y="3561849"/>
+            <a:ext cx="11086728" cy="878890"/>
           </a:xfrm>
           <a:prstGeom prst="rect">
             <a:avLst/>
           </a:prstGeom>
-          <a:noFill/>
-        </p:spPr>
-        <p:txBody>
-          <a:bodyPr wrap="none" rtlCol="0">
-            <a:spAutoFit/>
+          <a:solidFill>
+            <a:schemeClr val="accent3">
+              <a:lumMod val="20000"/>
+              <a:lumOff val="80000"/>
+            </a:schemeClr>
+          </a:solidFill>
+        </p:spPr>
+        <p:style>
+          <a:lnRef idx="2">
+            <a:schemeClr val="accent1">
+              <a:shade val="50000"/>
+            </a:schemeClr>
+          </a:lnRef>
+          <a:fillRef idx="1">
+            <a:schemeClr val="accent1"/>
+          </a:fillRef>
+          <a:effectRef idx="0">
+            <a:schemeClr val="accent1"/>
+          </a:effectRef>
+          <a:fontRef idx="minor">
+            <a:schemeClr val="lt1"/>
+          </a:fontRef>
+        </p:style>
+        <p:txBody>
+          <a:bodyPr rtlCol="0" anchor="ctr"/>
+          <a:lstStyle/>
+          <a:p>
+            <a:pPr algn="ctr"/>
+            <a:endParaRPr lang="it-IT"/>
+          </a:p>
+        </p:txBody>
+      </p:sp>
+      <p:sp>
+        <p:nvSpPr>
+          <p:cNvPr id="6" name="Rettangolo 5">
+            <a:extLst>
+              <a:ext uri="{FF2B5EF4-FFF2-40B4-BE49-F238E27FC236}">
+                <a16:creationId xmlns:a16="http://schemas.microsoft.com/office/drawing/2014/main" id="{560039EE-3927-48BE-BD11-5C0E897AF442}"/>
+              </a:ext>
+            </a:extLst>
+          </p:cNvPr>
+          <p:cNvSpPr/>
+          <p:nvPr/>
+        </p:nvSpPr>
+        <p:spPr>
+          <a:xfrm>
+            <a:off x="736847" y="2056066"/>
+            <a:ext cx="11086728" cy="878890"/>
+          </a:xfrm>
+          <a:prstGeom prst="rect">
+            <a:avLst/>
+          </a:prstGeom>
+          <a:solidFill>
+            <a:schemeClr val="accent3">
+              <a:lumMod val="20000"/>
+              <a:lumOff val="80000"/>
+            </a:schemeClr>
+          </a:solidFill>
+        </p:spPr>
+        <p:style>
+          <a:lnRef idx="2">
+            <a:schemeClr val="accent1">
+              <a:shade val="50000"/>
+            </a:schemeClr>
+          </a:lnRef>
+          <a:fillRef idx="1">
+            <a:schemeClr val="accent1"/>
+          </a:fillRef>
+          <a:effectRef idx="0">
+            <a:schemeClr val="accent1"/>
+          </a:effectRef>
+          <a:fontRef idx="minor">
+            <a:schemeClr val="lt1"/>
+          </a:fontRef>
+        </p:style>
+        <p:txBody>
+          <a:bodyPr rtlCol="0" anchor="ctr"/>
+          <a:lstStyle/>
+          <a:p>
+            <a:pPr algn="ctr"/>
+            <a:endParaRPr lang="it-IT"/>
+          </a:p>
+        </p:txBody>
+      </p:sp>
+      <p:sp>
+        <p:nvSpPr>
+          <p:cNvPr id="3" name="Segnaposto contenuto 2">
+            <a:extLst>
+              <a:ext uri="{FF2B5EF4-FFF2-40B4-BE49-F238E27FC236}">
+                <a16:creationId xmlns:a16="http://schemas.microsoft.com/office/drawing/2014/main" id="{A428EB02-0654-45D9-B182-4B8F9AA03484}"/>
+              </a:ext>
+            </a:extLst>
+          </p:cNvPr>
+          <p:cNvSpPr>
+            <a:spLocks noGrp="1"/>
+          </p:cNvSpPr>
+          <p:nvPr>
+            <p:ph idx="1"/>
+          </p:nvPr>
+        </p:nvSpPr>
+        <p:spPr/>
+        <p:txBody>
+          <a:bodyPr/>
+          <a:lstStyle/>
+          <a:p>
+            <a:pPr marL="0" indent="0">
+              <a:buNone/>
+            </a:pPr>
+            <a:endParaRPr lang="it-IT" dirty="0"/>
+          </a:p>
+          <a:p>
+            <a:pPr>
+              <a:buFont typeface="Wingdings" panose="05000000000000000000" pitchFamily="2" charset="2"/>
+              <a:buChar char="ü"/>
+            </a:pPr>
+            <a:r>
+              <a:rPr lang="it-IT" dirty="0"/>
+              <a:t>Macro Architettura</a:t>
+            </a:r>
+          </a:p>
+          <a:p>
+            <a:pPr marL="0" indent="0">
+              <a:buNone/>
+            </a:pPr>
+            <a:endParaRPr lang="it-IT" dirty="0"/>
+          </a:p>
+          <a:p>
+            <a:pPr marL="0" indent="0">
+              <a:buNone/>
+            </a:pPr>
+            <a:endParaRPr lang="it-IT" dirty="0"/>
+          </a:p>
+          <a:p>
+            <a:pPr>
+              <a:buFont typeface="Wingdings" panose="05000000000000000000" pitchFamily="2" charset="2"/>
+              <a:buChar char="ü"/>
+            </a:pPr>
+            <a:r>
+              <a:rPr lang="it-IT" dirty="0"/>
+              <a:t> Punti di attenzione</a:t>
+            </a:r>
+          </a:p>
+        </p:txBody>
+      </p:sp>
+      <p:sp>
+        <p:nvSpPr>
+          <p:cNvPr id="4" name="Rettangolo 3">
+            <a:extLst>
+              <a:ext uri="{FF2B5EF4-FFF2-40B4-BE49-F238E27FC236}">
+                <a16:creationId xmlns:a16="http://schemas.microsoft.com/office/drawing/2014/main" id="{E85C1B31-72EE-44F7-B8FC-B707F27EDF87}"/>
+              </a:ext>
+            </a:extLst>
+          </p:cNvPr>
+          <p:cNvSpPr/>
+          <p:nvPr/>
+        </p:nvSpPr>
+        <p:spPr>
+          <a:xfrm>
+            <a:off x="368422" y="588461"/>
+            <a:ext cx="11455153" cy="878890"/>
+          </a:xfrm>
+          <a:prstGeom prst="rect">
+            <a:avLst/>
+          </a:prstGeom>
+          <a:solidFill>
+            <a:schemeClr val="accent3">
+              <a:lumMod val="20000"/>
+              <a:lumOff val="80000"/>
+            </a:schemeClr>
+          </a:solidFill>
+        </p:spPr>
+        <p:style>
+          <a:lnRef idx="2">
+            <a:schemeClr val="accent1">
+              <a:shade val="50000"/>
+            </a:schemeClr>
+          </a:lnRef>
+          <a:fillRef idx="1">
+            <a:schemeClr val="accent1"/>
+          </a:fillRef>
+          <a:effectRef idx="0">
+            <a:schemeClr val="accent1"/>
+          </a:effectRef>
+          <a:fontRef idx="minor">
+            <a:schemeClr val="lt1"/>
+          </a:fontRef>
+        </p:style>
+        <p:txBody>
+          <a:bodyPr rtlCol="0" anchor="ctr"/>
+          <a:lstStyle/>
+          <a:p>
+            <a:pPr algn="ctr"/>
+            <a:endParaRPr lang="it-IT"/>
+          </a:p>
+        </p:txBody>
+      </p:sp>
+      <p:sp>
+        <p:nvSpPr>
+          <p:cNvPr id="5" name="Titolo 1">
+            <a:extLst>
+              <a:ext uri="{FF2B5EF4-FFF2-40B4-BE49-F238E27FC236}">
+                <a16:creationId xmlns:a16="http://schemas.microsoft.com/office/drawing/2014/main" id="{F670B9E0-CEA8-4E27-B7FE-8E097197B8B2}"/>
+              </a:ext>
+            </a:extLst>
+          </p:cNvPr>
+          <p:cNvSpPr>
+            <a:spLocks noGrp="1"/>
+          </p:cNvSpPr>
+          <p:nvPr>
+            <p:ph type="title"/>
+          </p:nvPr>
+        </p:nvSpPr>
+        <p:spPr>
+          <a:xfrm>
+            <a:off x="838200" y="365125"/>
+            <a:ext cx="10515600" cy="1325563"/>
+          </a:xfrm>
+        </p:spPr>
+        <p:txBody>
+          <a:bodyPr>
+            <a:normAutofit/>
           </a:bodyPr>
           <a:lstStyle/>
           <a:p>
             <a:r>
-              <a:rPr lang="it-IT" sz="2400" b="1" dirty="0">
+              <a:rPr lang="it-IT" sz="4000" b="1" dirty="0">
                 <a:solidFill>
                   <a:schemeClr val="accent5">
                     <a:lumMod val="50000"/>
                   </a:schemeClr>
                 </a:solidFill>
+                <a:latin typeface="+mn-lt"/>
+                <a:ea typeface="+mn-ea"/>
+                <a:cs typeface="+mn-cs"/>
               </a:rPr>
-              <a:t>Punti di attenzione</a:t>
-            </a:r>
-          </a:p>
-        </p:txBody>
-      </p:sp>
-      <p:sp>
-        <p:nvSpPr>
-          <p:cNvPr id="5" name="CasellaDiTesto 4">
-            <a:extLst>
-              <a:ext uri="{FF2B5EF4-FFF2-40B4-BE49-F238E27FC236}">
-                <a16:creationId xmlns:a16="http://schemas.microsoft.com/office/drawing/2014/main" id="{87BA3CDF-1420-4355-93E5-11B364927A0A}"/>
-              </a:ext>
-            </a:extLst>
-          </p:cNvPr>
-          <p:cNvSpPr txBox="1"/>
+              <a:t>Indice</a:t>
+            </a:r>
+          </a:p>
+        </p:txBody>
+      </p:sp>
+      <p:sp>
+        <p:nvSpPr>
+          <p:cNvPr id="8" name="Triangolo isoscele 7">
+            <a:extLst>
+              <a:ext uri="{FF2B5EF4-FFF2-40B4-BE49-F238E27FC236}">
+                <a16:creationId xmlns:a16="http://schemas.microsoft.com/office/drawing/2014/main" id="{27F4A1EB-3A3B-4717-9DE4-333EC97F3399}"/>
+              </a:ext>
+            </a:extLst>
+          </p:cNvPr>
+          <p:cNvSpPr/>
           <p:nvPr/>
         </p:nvSpPr>
         <p:spPr>
           <a:xfrm>
-            <a:off x="435006" y="1171852"/>
-            <a:ext cx="11487705" cy="3693319"/>
+            <a:off x="4456451" y="5943600"/>
+            <a:ext cx="7735549" cy="914400"/>
+          </a:xfrm>
+          <a:prstGeom prst="triangle">
+            <a:avLst>
+              <a:gd name="adj" fmla="val 93611"/>
+            </a:avLst>
+          </a:prstGeom>
+          <a:solidFill>
+            <a:schemeClr val="tx2">
+              <a:lumMod val="20000"/>
+              <a:lumOff val="80000"/>
+            </a:schemeClr>
+          </a:solidFill>
+        </p:spPr>
+        <p:style>
+          <a:lnRef idx="2">
+            <a:schemeClr val="accent1">
+              <a:shade val="50000"/>
+            </a:schemeClr>
+          </a:lnRef>
+          <a:fillRef idx="1">
+            <a:schemeClr val="accent1"/>
+          </a:fillRef>
+          <a:effectRef idx="0">
+            <a:schemeClr val="accent1"/>
+          </a:effectRef>
+          <a:fontRef idx="minor">
+            <a:schemeClr val="lt1"/>
+          </a:fontRef>
+        </p:style>
+        <p:txBody>
+          <a:bodyPr rtlCol="0" anchor="ctr"/>
+          <a:lstStyle/>
+          <a:p>
+            <a:pPr algn="ctr"/>
+            <a:endParaRPr lang="it-IT"/>
+          </a:p>
+        </p:txBody>
+      </p:sp>
+    </p:spTree>
+    <p:extLst>
+      <p:ext uri="{BB962C8B-B14F-4D97-AF65-F5344CB8AC3E}">
+        <p14:creationId xmlns:p14="http://schemas.microsoft.com/office/powerpoint/2010/main" val="919177543"/>
+      </p:ext>
+    </p:extLst>
+  </p:cSld>
+  <p:clrMapOvr>
+    <a:masterClrMapping/>
+  </p:clrMapOvr>
+</p:sld>
+</file>
+
+<file path=ppt/slides/slide3.xml><?xml version="1.0" encoding="utf-8"?>
+<p:sld xmlns:a="http://schemas.openxmlformats.org/drawingml/2006/main" xmlns:r="http://schemas.openxmlformats.org/officeDocument/2006/relationships" xmlns:p="http://schemas.openxmlformats.org/presentationml/2006/main">
+  <p:cSld>
+    <p:spTree>
+      <p:nvGrpSpPr>
+        <p:cNvPr id="1" name=""/>
+        <p:cNvGrpSpPr/>
+        <p:nvPr/>
+      </p:nvGrpSpPr>
+      <p:grpSpPr>
+        <a:xfrm>
+          <a:off x="0" y="0"/>
+          <a:ext cx="0" cy="0"/>
+          <a:chOff x="0" y="0"/>
+          <a:chExt cx="0" cy="0"/>
+        </a:xfrm>
+      </p:grpSpPr>
+      <p:sp>
+        <p:nvSpPr>
+          <p:cNvPr id="66" name="Rettangolo 65">
+            <a:extLst>
+              <a:ext uri="{FF2B5EF4-FFF2-40B4-BE49-F238E27FC236}">
+                <a16:creationId xmlns:a16="http://schemas.microsoft.com/office/drawing/2014/main" id="{87FA5865-4E62-4084-9307-80DA4F67F149}"/>
+              </a:ext>
+            </a:extLst>
+          </p:cNvPr>
+          <p:cNvSpPr/>
+          <p:nvPr/>
+        </p:nvSpPr>
+        <p:spPr>
+          <a:xfrm>
+            <a:off x="88777" y="26648"/>
+            <a:ext cx="11647010" cy="878890"/>
           </a:xfrm>
           <a:prstGeom prst="rect">
             <a:avLst/>
           </a:prstGeom>
-          <a:noFill/>
-        </p:spPr>
-        <p:txBody>
-          <a:bodyPr wrap="square" rtlCol="0">
-            <a:spAutoFit/>
-          </a:bodyPr>
-          <a:lstStyle/>
-          <a:p>
-            <a:pPr marL="285750" indent="-285750">
-              <a:buFont typeface="Wingdings" panose="05000000000000000000" pitchFamily="2" charset="2"/>
-              <a:buChar char="Ø"/>
-            </a:pPr>
-            <a:r>
-              <a:rPr lang="it-IT" dirty="0"/>
-              <a:t>Il Windows Service girerà con una utenza ad hoc per accedere in autenticazione integrata al Database</a:t>
-            </a:r>
-          </a:p>
-          <a:p>
-            <a:pPr marL="285750" indent="-285750">
-              <a:buFont typeface="Wingdings" panose="05000000000000000000" pitchFamily="2" charset="2"/>
-              <a:buChar char="Ø"/>
-            </a:pPr>
+          <a:solidFill>
+            <a:schemeClr val="accent3">
+              <a:lumMod val="20000"/>
+              <a:lumOff val="80000"/>
+            </a:schemeClr>
+          </a:solidFill>
+        </p:spPr>
+        <p:style>
+          <a:lnRef idx="2">
+            <a:schemeClr val="accent1">
+              <a:shade val="50000"/>
+            </a:schemeClr>
+          </a:lnRef>
+          <a:fillRef idx="1">
+            <a:schemeClr val="accent1"/>
+          </a:fillRef>
+          <a:effectRef idx="0">
+            <a:schemeClr val="accent1"/>
+          </a:effectRef>
+          <a:fontRef idx="minor">
+            <a:schemeClr val="lt1"/>
+          </a:fontRef>
+        </p:style>
+        <p:txBody>
+          <a:bodyPr rtlCol="0" anchor="ctr"/>
+          <a:lstStyle/>
+          <a:p>
+            <a:pPr algn="ctr"/>
+            <a:endParaRPr lang="it-IT"/>
+          </a:p>
+        </p:txBody>
+      </p:sp>
+      <p:sp>
+        <p:nvSpPr>
+          <p:cNvPr id="35" name="Rettangolo 34">
+            <a:extLst>
+              <a:ext uri="{FF2B5EF4-FFF2-40B4-BE49-F238E27FC236}">
+                <a16:creationId xmlns:a16="http://schemas.microsoft.com/office/drawing/2014/main" id="{9075B697-B1C1-4854-9173-5BA1FB2F1359}"/>
+              </a:ext>
+            </a:extLst>
+          </p:cNvPr>
+          <p:cNvSpPr/>
+          <p:nvPr/>
+        </p:nvSpPr>
+        <p:spPr>
+          <a:xfrm>
+            <a:off x="88777" y="1133435"/>
+            <a:ext cx="11647010" cy="4018701"/>
+          </a:xfrm>
+          <a:prstGeom prst="rect">
+            <a:avLst/>
+          </a:prstGeom>
+          <a:solidFill>
+            <a:schemeClr val="bg1"/>
+          </a:solidFill>
+        </p:spPr>
+        <p:style>
+          <a:lnRef idx="2">
+            <a:schemeClr val="accent1">
+              <a:shade val="50000"/>
+            </a:schemeClr>
+          </a:lnRef>
+          <a:fillRef idx="1">
+            <a:schemeClr val="accent1"/>
+          </a:fillRef>
+          <a:effectRef idx="0">
+            <a:schemeClr val="accent1"/>
+          </a:effectRef>
+          <a:fontRef idx="minor">
+            <a:schemeClr val="lt1"/>
+          </a:fontRef>
+        </p:style>
+        <p:txBody>
+          <a:bodyPr rtlCol="0" anchor="ctr"/>
+          <a:lstStyle/>
+          <a:p>
+            <a:pPr algn="ctr"/>
             <a:endParaRPr lang="it-IT" dirty="0"/>
           </a:p>
-          <a:p>
-            <a:pPr marL="285750" indent="-285750">
-              <a:buFont typeface="Wingdings" panose="05000000000000000000" pitchFamily="2" charset="2"/>
-              <a:buChar char="Ø"/>
-            </a:pPr>
-            <a:r>
-              <a:rPr lang="it-IT" dirty="0"/>
-              <a:t>L’utenza del Windows Service sarà propagata ai processi root e </a:t>
-            </a:r>
-            <a:r>
-              <a:rPr lang="it-IT" dirty="0" err="1"/>
-              <a:t>child</a:t>
-            </a:r>
-            <a:endParaRPr lang="it-IT" dirty="0"/>
-          </a:p>
-          <a:p>
-            <a:endParaRPr lang="it-IT" dirty="0"/>
-          </a:p>
-          <a:p>
-            <a:pPr marL="285750" indent="-285750">
-              <a:buFont typeface="Wingdings" panose="05000000000000000000" pitchFamily="2" charset="2"/>
-              <a:buChar char="Ø"/>
-            </a:pPr>
-            <a:r>
-              <a:rPr lang="it-IT" dirty="0"/>
-              <a:t>Le regole di schedulazione sono definite a database. Si tratta di espressioni Cron per istanziare i </a:t>
-            </a:r>
-            <a:r>
-              <a:rPr lang="it-IT" dirty="0" err="1"/>
-              <a:t>CronTrigger</a:t>
-            </a:r>
-            <a:r>
-              <a:rPr lang="it-IT" dirty="0"/>
-              <a:t> Quartz .NET. Si possono avere più regole per uno stesso batch</a:t>
-            </a:r>
-          </a:p>
-          <a:p>
-            <a:pPr marL="285750" indent="-285750">
-              <a:buFont typeface="Wingdings" panose="05000000000000000000" pitchFamily="2" charset="2"/>
-              <a:buChar char="Ø"/>
-            </a:pPr>
-            <a:endParaRPr lang="it-IT" dirty="0"/>
-          </a:p>
-          <a:p>
-            <a:pPr marL="285750" indent="-285750">
-              <a:buFont typeface="Wingdings" panose="05000000000000000000" pitchFamily="2" charset="2"/>
-              <a:buChar char="Ø"/>
-            </a:pPr>
-            <a:r>
-              <a:rPr lang="it-IT" dirty="0"/>
-              <a:t>Windows Service e Processi gireranno in un ambiente </a:t>
-            </a:r>
-            <a:r>
-              <a:rPr lang="it-IT" dirty="0" err="1"/>
-              <a:t>headless</a:t>
-            </a:r>
-            <a:r>
-              <a:rPr lang="it-IT" dirty="0"/>
-              <a:t>. I processi devono essere lanciati senza uso di shell</a:t>
-            </a:r>
-          </a:p>
-          <a:p>
-            <a:pPr marL="285750" indent="-285750">
-              <a:buFont typeface="Wingdings" panose="05000000000000000000" pitchFamily="2" charset="2"/>
-              <a:buChar char="Ø"/>
-            </a:pPr>
-            <a:endParaRPr lang="it-IT" dirty="0"/>
-          </a:p>
-          <a:p>
-            <a:pPr marL="285750" indent="-285750">
-              <a:buFont typeface="Wingdings" panose="05000000000000000000" pitchFamily="2" charset="2"/>
-              <a:buChar char="Ø"/>
-            </a:pPr>
-            <a:r>
-              <a:rPr lang="it-IT" dirty="0"/>
-              <a:t>Le regole di schedulazione vengono ricaricate in automatico con una certa frequenza in base ad una policy di scadenza in cache</a:t>
-            </a:r>
-          </a:p>
-          <a:p>
-            <a:pPr marL="285750" indent="-285750">
-              <a:buFont typeface="Wingdings" panose="05000000000000000000" pitchFamily="2" charset="2"/>
-              <a:buChar char="Ø"/>
-            </a:pPr>
-            <a:endParaRPr lang="it-IT" dirty="0"/>
-          </a:p>
-          <a:p>
-            <a:pPr marL="285750" indent="-285750">
-              <a:buFont typeface="Wingdings" panose="05000000000000000000" pitchFamily="2" charset="2"/>
-              <a:buChar char="Ø"/>
-            </a:pPr>
-            <a:r>
-              <a:rPr lang="it-IT" dirty="0"/>
-              <a:t>Il primo accesso al database (per il recupero delle regole </a:t>
-            </a:r>
-            <a:r>
-              <a:rPr lang="it-IT" dirty="0" err="1"/>
-              <a:t>cron</a:t>
-            </a:r>
-            <a:r>
-              <a:rPr lang="it-IT" dirty="0"/>
-              <a:t>) sarà di tipo </a:t>
-            </a:r>
-            <a:r>
-              <a:rPr lang="it-IT" dirty="0" err="1"/>
-              <a:t>WaitAndRetryForever</a:t>
-            </a:r>
-            <a:endParaRPr lang="it-IT" dirty="0"/>
+        </p:txBody>
+      </p:sp>
+      <p:sp>
+        <p:nvSpPr>
+          <p:cNvPr id="27" name="Rettangolo 26">
+            <a:extLst>
+              <a:ext uri="{FF2B5EF4-FFF2-40B4-BE49-F238E27FC236}">
+                <a16:creationId xmlns:a16="http://schemas.microsoft.com/office/drawing/2014/main" id="{D050FB8A-4ED6-4108-A7D6-30BC8E9D9272}"/>
+              </a:ext>
+            </a:extLst>
+          </p:cNvPr>
+          <p:cNvSpPr/>
+          <p:nvPr/>
+        </p:nvSpPr>
+        <p:spPr>
+          <a:xfrm>
+            <a:off x="168676" y="1402614"/>
+            <a:ext cx="4722239" cy="3515557"/>
+          </a:xfrm>
+          <a:prstGeom prst="rect">
+            <a:avLst/>
+          </a:prstGeom>
+          <a:solidFill>
+            <a:schemeClr val="accent5">
+              <a:lumMod val="20000"/>
+              <a:lumOff val="80000"/>
+            </a:schemeClr>
+          </a:solidFill>
+        </p:spPr>
+        <p:style>
+          <a:lnRef idx="2">
+            <a:schemeClr val="accent1">
+              <a:shade val="50000"/>
+            </a:schemeClr>
+          </a:lnRef>
+          <a:fillRef idx="1">
+            <a:schemeClr val="accent1"/>
+          </a:fillRef>
+          <a:effectRef idx="0">
+            <a:schemeClr val="accent1"/>
+          </a:effectRef>
+          <a:fontRef idx="minor">
+            <a:schemeClr val="lt1"/>
+          </a:fontRef>
+        </p:style>
+        <p:txBody>
+          <a:bodyPr rtlCol="0" anchor="ctr"/>
+          <a:lstStyle/>
+          <a:p>
+            <a:pPr algn="ctr"/>
+            <a:endParaRPr lang="it-IT"/>
           </a:p>
         </p:txBody>
       </p:sp>
       <p:pic>
         <p:nvPicPr>
-          <p:cNvPr id="2054" name="Picture 6" descr="Search icon. search vector icon. search magnifying glass icon • adesivi a  muro lente di ingrandimento, sfondo, interfaccia | myloview.it">
-            <a:extLst>
-              <a:ext uri="{FF2B5EF4-FFF2-40B4-BE49-F238E27FC236}">
-                <a16:creationId xmlns:a16="http://schemas.microsoft.com/office/drawing/2014/main" id="{A79F544C-1539-45A6-984C-F2C047A14A2B}"/>
+          <p:cNvPr id="1028" name="Picture 4" descr="Windows Service Icon #312344 - Free Icons Library">
+            <a:extLst>
+              <a:ext uri="{FF2B5EF4-FFF2-40B4-BE49-F238E27FC236}">
+                <a16:creationId xmlns:a16="http://schemas.microsoft.com/office/drawing/2014/main" id="{F119BF95-2ED8-4F22-A593-8351A4918B76}"/>
               </a:ext>
             </a:extLst>
           </p:cNvPr>
@@ -5469,8 +4160,8 @@
         </p:blipFill>
         <p:spPr bwMode="auto">
           <a:xfrm>
-            <a:off x="3031871" y="46166"/>
-            <a:ext cx="1076602" cy="1076602"/>
+            <a:off x="3292421" y="1863750"/>
+            <a:ext cx="1117846" cy="1117846"/>
           </a:xfrm>
           <a:prstGeom prst="rect">
             <a:avLst/>
@@ -5487,10 +4178,2349 @@
           </a:extLst>
         </p:spPr>
       </p:pic>
+      <p:pic>
+        <p:nvPicPr>
+          <p:cNvPr id="1034" name="Picture 10" descr="Moving to the Action Scheduler Library - Tyche Softwares">
+            <a:extLst>
+              <a:ext uri="{FF2B5EF4-FFF2-40B4-BE49-F238E27FC236}">
+                <a16:creationId xmlns:a16="http://schemas.microsoft.com/office/drawing/2014/main" id="{E8BE0B60-0598-4284-8107-7634A8C11924}"/>
+              </a:ext>
+            </a:extLst>
+          </p:cNvPr>
+          <p:cNvPicPr>
+            <a:picLocks noChangeAspect="1" noChangeArrowheads="1"/>
+          </p:cNvPicPr>
+          <p:nvPr/>
+        </p:nvPicPr>
+        <p:blipFill>
+          <a:blip r:embed="rId3">
+            <a:extLst>
+              <a:ext uri="{28A0092B-C50C-407E-A947-70E740481C1C}">
+                <a14:useLocalDpi xmlns:a14="http://schemas.microsoft.com/office/drawing/2010/main" val="0"/>
+              </a:ext>
+            </a:extLst>
+          </a:blip>
+          <a:srcRect/>
+          <a:stretch>
+            <a:fillRect/>
+          </a:stretch>
+        </p:blipFill>
+        <p:spPr bwMode="auto">
+          <a:xfrm>
+            <a:off x="223743" y="2487675"/>
+            <a:ext cx="2378577" cy="1668262"/>
+          </a:xfrm>
+          <a:prstGeom prst="rect">
+            <a:avLst/>
+          </a:prstGeom>
+          <a:noFill/>
+          <a:extLst>
+            <a:ext uri="{909E8E84-426E-40DD-AFC4-6F175D3DCCD1}">
+              <a14:hiddenFill xmlns:a14="http://schemas.microsoft.com/office/drawing/2010/main">
+                <a:solidFill>
+                  <a:srgbClr val="FFFFFF"/>
+                </a:solidFill>
+              </a14:hiddenFill>
+            </a:ext>
+          </a:extLst>
+        </p:spPr>
+      </p:pic>
+      <p:sp>
+        <p:nvSpPr>
+          <p:cNvPr id="4" name="CasellaDiTesto 3">
+            <a:extLst>
+              <a:ext uri="{FF2B5EF4-FFF2-40B4-BE49-F238E27FC236}">
+                <a16:creationId xmlns:a16="http://schemas.microsoft.com/office/drawing/2014/main" id="{27F1A200-4218-40E0-95D0-E461D4B6888E}"/>
+              </a:ext>
+            </a:extLst>
+          </p:cNvPr>
+          <p:cNvSpPr txBox="1"/>
+          <p:nvPr/>
+        </p:nvSpPr>
+        <p:spPr>
+          <a:xfrm>
+            <a:off x="168676" y="1395360"/>
+            <a:ext cx="1786836" cy="369332"/>
+          </a:xfrm>
+          <a:prstGeom prst="rect">
+            <a:avLst/>
+          </a:prstGeom>
+          <a:noFill/>
+        </p:spPr>
+        <p:txBody>
+          <a:bodyPr wrap="none" rtlCol="0">
+            <a:spAutoFit/>
+          </a:bodyPr>
+          <a:lstStyle/>
+          <a:p>
+            <a:r>
+              <a:rPr lang="it-IT" dirty="0"/>
+              <a:t>Windows Service</a:t>
+            </a:r>
+          </a:p>
+        </p:txBody>
+      </p:sp>
+      <p:sp>
+        <p:nvSpPr>
+          <p:cNvPr id="5" name="CasellaDiTesto 4">
+            <a:extLst>
+              <a:ext uri="{FF2B5EF4-FFF2-40B4-BE49-F238E27FC236}">
+                <a16:creationId xmlns:a16="http://schemas.microsoft.com/office/drawing/2014/main" id="{883ED2CF-93A5-4E69-B544-A018F3551E66}"/>
+              </a:ext>
+            </a:extLst>
+          </p:cNvPr>
+          <p:cNvSpPr txBox="1"/>
+          <p:nvPr/>
+        </p:nvSpPr>
+        <p:spPr>
+          <a:xfrm>
+            <a:off x="545988" y="1992100"/>
+            <a:ext cx="1492716" cy="523220"/>
+          </a:xfrm>
+          <a:prstGeom prst="rect">
+            <a:avLst/>
+          </a:prstGeom>
+          <a:noFill/>
+        </p:spPr>
+        <p:txBody>
+          <a:bodyPr wrap="none" rtlCol="0">
+            <a:spAutoFit/>
+          </a:bodyPr>
+          <a:lstStyle/>
+          <a:p>
+            <a:r>
+              <a:rPr lang="it-IT" sz="1400" dirty="0"/>
+              <a:t>Quartz Scheduler:</a:t>
+            </a:r>
+          </a:p>
+          <a:p>
+            <a:r>
+              <a:rPr lang="it-IT" sz="1400" dirty="0"/>
+              <a:t>Cron Trigger + Job</a:t>
+            </a:r>
+          </a:p>
+        </p:txBody>
+      </p:sp>
+      <p:pic>
+        <p:nvPicPr>
+          <p:cNvPr id="1036" name="Picture 12" descr="Database Icon Pack | Free icon packs to download">
+            <a:extLst>
+              <a:ext uri="{FF2B5EF4-FFF2-40B4-BE49-F238E27FC236}">
+                <a16:creationId xmlns:a16="http://schemas.microsoft.com/office/drawing/2014/main" id="{A080EB4C-67CD-4512-B746-2A05FDA08AB8}"/>
+              </a:ext>
+            </a:extLst>
+          </p:cNvPr>
+          <p:cNvPicPr>
+            <a:picLocks noChangeAspect="1" noChangeArrowheads="1"/>
+          </p:cNvPicPr>
+          <p:nvPr/>
+        </p:nvPicPr>
+        <p:blipFill>
+          <a:blip r:embed="rId4">
+            <a:extLst>
+              <a:ext uri="{28A0092B-C50C-407E-A947-70E740481C1C}">
+                <a14:useLocalDpi xmlns:a14="http://schemas.microsoft.com/office/drawing/2010/main" val="0"/>
+              </a:ext>
+            </a:extLst>
+          </a:blip>
+          <a:srcRect/>
+          <a:stretch>
+            <a:fillRect/>
+          </a:stretch>
+        </p:blipFill>
+        <p:spPr bwMode="auto">
+          <a:xfrm>
+            <a:off x="5462726" y="5222697"/>
+            <a:ext cx="1419176" cy="1419176"/>
+          </a:xfrm>
+          <a:prstGeom prst="rect">
+            <a:avLst/>
+          </a:prstGeom>
+          <a:noFill/>
+          <a:extLst>
+            <a:ext uri="{909E8E84-426E-40DD-AFC4-6F175D3DCCD1}">
+              <a14:hiddenFill xmlns:a14="http://schemas.microsoft.com/office/drawing/2010/main">
+                <a:solidFill>
+                  <a:srgbClr val="FFFFFF"/>
+                </a:solidFill>
+              </a14:hiddenFill>
+            </a:ext>
+          </a:extLst>
+        </p:spPr>
+      </p:pic>
+      <p:sp>
+        <p:nvSpPr>
+          <p:cNvPr id="6" name="CasellaDiTesto 5">
+            <a:extLst>
+              <a:ext uri="{FF2B5EF4-FFF2-40B4-BE49-F238E27FC236}">
+                <a16:creationId xmlns:a16="http://schemas.microsoft.com/office/drawing/2014/main" id="{3BFFCBC3-71F7-4591-91A9-E7F1E6C11382}"/>
+              </a:ext>
+            </a:extLst>
+          </p:cNvPr>
+          <p:cNvSpPr txBox="1"/>
+          <p:nvPr/>
+        </p:nvSpPr>
+        <p:spPr>
+          <a:xfrm>
+            <a:off x="4540545" y="6505699"/>
+            <a:ext cx="3628750" cy="369332"/>
+          </a:xfrm>
+          <a:prstGeom prst="rect">
+            <a:avLst/>
+          </a:prstGeom>
+          <a:noFill/>
+        </p:spPr>
+        <p:txBody>
+          <a:bodyPr wrap="none" rtlCol="0">
+            <a:spAutoFit/>
+          </a:bodyPr>
+          <a:lstStyle/>
+          <a:p>
+            <a:r>
+              <a:rPr lang="it-IT" dirty="0"/>
+              <a:t>Database Cron Rules + Business Data</a:t>
+            </a:r>
+          </a:p>
+        </p:txBody>
+      </p:sp>
+      <p:cxnSp>
+        <p:nvCxnSpPr>
+          <p:cNvPr id="8" name="Connettore a gomito 7">
+            <a:extLst>
+              <a:ext uri="{FF2B5EF4-FFF2-40B4-BE49-F238E27FC236}">
+                <a16:creationId xmlns:a16="http://schemas.microsoft.com/office/drawing/2014/main" id="{53AB2D8C-3E1C-4E86-A77A-C0B93D83BFD2}"/>
+              </a:ext>
+            </a:extLst>
+          </p:cNvPr>
+          <p:cNvCxnSpPr>
+            <a:cxnSpLocks/>
+            <a:stCxn id="1036" idx="1"/>
+            <a:endCxn id="27" idx="2"/>
+          </p:cNvCxnSpPr>
+          <p:nvPr/>
+        </p:nvCxnSpPr>
+        <p:spPr>
+          <a:xfrm rot="10800000">
+            <a:off x="2529796" y="4918171"/>
+            <a:ext cx="2932930" cy="1014114"/>
+          </a:xfrm>
+          <a:prstGeom prst="bentConnector2">
+            <a:avLst/>
+          </a:prstGeom>
+          <a:ln>
+            <a:tailEnd type="triangle"/>
+          </a:ln>
+        </p:spPr>
+        <p:style>
+          <a:lnRef idx="1">
+            <a:schemeClr val="accent1"/>
+          </a:lnRef>
+          <a:fillRef idx="0">
+            <a:schemeClr val="accent1"/>
+          </a:fillRef>
+          <a:effectRef idx="0">
+            <a:schemeClr val="accent1"/>
+          </a:effectRef>
+          <a:fontRef idx="minor">
+            <a:schemeClr val="tx1"/>
+          </a:fontRef>
+        </p:style>
+      </p:cxnSp>
+      <p:sp>
+        <p:nvSpPr>
+          <p:cNvPr id="9" name="CasellaDiTesto 8">
+            <a:extLst>
+              <a:ext uri="{FF2B5EF4-FFF2-40B4-BE49-F238E27FC236}">
+                <a16:creationId xmlns:a16="http://schemas.microsoft.com/office/drawing/2014/main" id="{72DA627F-50DD-4BD9-8B03-89B367576BE0}"/>
+              </a:ext>
+            </a:extLst>
+          </p:cNvPr>
+          <p:cNvSpPr txBox="1"/>
+          <p:nvPr/>
+        </p:nvSpPr>
+        <p:spPr>
+          <a:xfrm>
+            <a:off x="2639546" y="5715204"/>
+            <a:ext cx="2366353" cy="246221"/>
+          </a:xfrm>
+          <a:prstGeom prst="rect">
+            <a:avLst/>
+          </a:prstGeom>
+          <a:noFill/>
+        </p:spPr>
+        <p:txBody>
+          <a:bodyPr wrap="none" rtlCol="0">
+            <a:spAutoFit/>
+          </a:bodyPr>
+          <a:lstStyle/>
+          <a:p>
+            <a:r>
+              <a:rPr lang="it-IT" sz="1000" dirty="0"/>
+              <a:t>Ottieni regole Cron per definizione trigger</a:t>
+            </a:r>
+          </a:p>
+        </p:txBody>
+      </p:sp>
+      <p:pic>
+        <p:nvPicPr>
+          <p:cNvPr id="1038" name="Picture 14" descr="Free Exe icon | Exe icons PNG, ICO or ICNS">
+            <a:extLst>
+              <a:ext uri="{FF2B5EF4-FFF2-40B4-BE49-F238E27FC236}">
+                <a16:creationId xmlns:a16="http://schemas.microsoft.com/office/drawing/2014/main" id="{C23C8C7A-018C-4632-AF2C-8D05B66AC805}"/>
+              </a:ext>
+            </a:extLst>
+          </p:cNvPr>
+          <p:cNvPicPr>
+            <a:picLocks noChangeAspect="1" noChangeArrowheads="1"/>
+          </p:cNvPicPr>
+          <p:nvPr/>
+        </p:nvPicPr>
+        <p:blipFill>
+          <a:blip r:embed="rId5">
+            <a:extLst>
+              <a:ext uri="{28A0092B-C50C-407E-A947-70E740481C1C}">
+                <a14:useLocalDpi xmlns:a14="http://schemas.microsoft.com/office/drawing/2010/main" val="0"/>
+              </a:ext>
+            </a:extLst>
+          </a:blip>
+          <a:srcRect/>
+          <a:stretch>
+            <a:fillRect/>
+          </a:stretch>
+        </p:blipFill>
+        <p:spPr bwMode="auto">
+          <a:xfrm>
+            <a:off x="6870875" y="2244950"/>
+            <a:ext cx="1745655" cy="1745655"/>
+          </a:xfrm>
+          <a:prstGeom prst="rect">
+            <a:avLst/>
+          </a:prstGeom>
+          <a:noFill/>
+          <a:extLst>
+            <a:ext uri="{909E8E84-426E-40DD-AFC4-6F175D3DCCD1}">
+              <a14:hiddenFill xmlns:a14="http://schemas.microsoft.com/office/drawing/2010/main">
+                <a:solidFill>
+                  <a:srgbClr val="FFFFFF"/>
+                </a:solidFill>
+              </a14:hiddenFill>
+            </a:ext>
+          </a:extLst>
+        </p:spPr>
+      </p:pic>
+      <p:pic>
+        <p:nvPicPr>
+          <p:cNvPr id="17" name="Picture 14" descr="Free Exe icon | Exe icons PNG, ICO or ICNS">
+            <a:extLst>
+              <a:ext uri="{FF2B5EF4-FFF2-40B4-BE49-F238E27FC236}">
+                <a16:creationId xmlns:a16="http://schemas.microsoft.com/office/drawing/2014/main" id="{0607DB60-761D-4203-BF85-DE3675D93F1A}"/>
+              </a:ext>
+            </a:extLst>
+          </p:cNvPr>
+          <p:cNvPicPr>
+            <a:picLocks noChangeAspect="1" noChangeArrowheads="1"/>
+          </p:cNvPicPr>
+          <p:nvPr/>
+        </p:nvPicPr>
+        <p:blipFill>
+          <a:blip r:embed="rId5">
+            <a:extLst>
+              <a:ext uri="{28A0092B-C50C-407E-A947-70E740481C1C}">
+                <a14:useLocalDpi xmlns:a14="http://schemas.microsoft.com/office/drawing/2010/main" val="0"/>
+              </a:ext>
+            </a:extLst>
+          </a:blip>
+          <a:srcRect/>
+          <a:stretch>
+            <a:fillRect/>
+          </a:stretch>
+        </p:blipFill>
+        <p:spPr bwMode="auto">
+          <a:xfrm>
+            <a:off x="9509022" y="2274544"/>
+            <a:ext cx="1745655" cy="1745655"/>
+          </a:xfrm>
+          <a:prstGeom prst="rect">
+            <a:avLst/>
+          </a:prstGeom>
+          <a:noFill/>
+          <a:extLst>
+            <a:ext uri="{909E8E84-426E-40DD-AFC4-6F175D3DCCD1}">
+              <a14:hiddenFill xmlns:a14="http://schemas.microsoft.com/office/drawing/2010/main">
+                <a:solidFill>
+                  <a:srgbClr val="FFFFFF"/>
+                </a:solidFill>
+              </a14:hiddenFill>
+            </a:ext>
+          </a:extLst>
+        </p:spPr>
+      </p:pic>
+      <p:sp>
+        <p:nvSpPr>
+          <p:cNvPr id="18" name="CasellaDiTesto 17">
+            <a:extLst>
+              <a:ext uri="{FF2B5EF4-FFF2-40B4-BE49-F238E27FC236}">
+                <a16:creationId xmlns:a16="http://schemas.microsoft.com/office/drawing/2014/main" id="{A8CF5512-F637-433A-B1C8-B663386A3941}"/>
+              </a:ext>
+            </a:extLst>
+          </p:cNvPr>
+          <p:cNvSpPr txBox="1"/>
+          <p:nvPr/>
+        </p:nvSpPr>
+        <p:spPr>
+          <a:xfrm>
+            <a:off x="7055402" y="3877783"/>
+            <a:ext cx="1388072" cy="369332"/>
+          </a:xfrm>
+          <a:prstGeom prst="rect">
+            <a:avLst/>
+          </a:prstGeom>
+          <a:noFill/>
+        </p:spPr>
+        <p:txBody>
+          <a:bodyPr wrap="none" rtlCol="0">
+            <a:spAutoFit/>
+          </a:bodyPr>
+          <a:lstStyle/>
+          <a:p>
+            <a:r>
+              <a:rPr lang="it-IT" dirty="0"/>
+              <a:t>Root Process</a:t>
+            </a:r>
+          </a:p>
+        </p:txBody>
+      </p:sp>
+      <p:sp>
+        <p:nvSpPr>
+          <p:cNvPr id="19" name="CasellaDiTesto 18">
+            <a:extLst>
+              <a:ext uri="{FF2B5EF4-FFF2-40B4-BE49-F238E27FC236}">
+                <a16:creationId xmlns:a16="http://schemas.microsoft.com/office/drawing/2014/main" id="{6ABDFD43-D83E-4C8C-AEAF-88FA8E3D1EF0}"/>
+              </a:ext>
+            </a:extLst>
+          </p:cNvPr>
+          <p:cNvSpPr txBox="1"/>
+          <p:nvPr/>
+        </p:nvSpPr>
+        <p:spPr>
+          <a:xfrm>
+            <a:off x="9687813" y="3877783"/>
+            <a:ext cx="1420069" cy="369332"/>
+          </a:xfrm>
+          <a:prstGeom prst="rect">
+            <a:avLst/>
+          </a:prstGeom>
+          <a:noFill/>
+        </p:spPr>
+        <p:txBody>
+          <a:bodyPr wrap="none" rtlCol="0">
+            <a:spAutoFit/>
+          </a:bodyPr>
+          <a:lstStyle/>
+          <a:p>
+            <a:r>
+              <a:rPr lang="it-IT" dirty="0"/>
+              <a:t>Child Process</a:t>
+            </a:r>
+          </a:p>
+        </p:txBody>
+      </p:sp>
+      <p:cxnSp>
+        <p:nvCxnSpPr>
+          <p:cNvPr id="11" name="Connettore 2 10">
+            <a:extLst>
+              <a:ext uri="{FF2B5EF4-FFF2-40B4-BE49-F238E27FC236}">
+                <a16:creationId xmlns:a16="http://schemas.microsoft.com/office/drawing/2014/main" id="{27D16939-F43D-434B-802A-4B2B6A790C25}"/>
+              </a:ext>
+            </a:extLst>
+          </p:cNvPr>
+          <p:cNvCxnSpPr>
+            <a:cxnSpLocks/>
+          </p:cNvCxnSpPr>
+          <p:nvPr/>
+        </p:nvCxnSpPr>
+        <p:spPr>
+          <a:xfrm flipV="1">
+            <a:off x="8591103" y="2626418"/>
+            <a:ext cx="790256" cy="1"/>
+          </a:xfrm>
+          <a:prstGeom prst="straightConnector1">
+            <a:avLst/>
+          </a:prstGeom>
+          <a:ln>
+            <a:tailEnd type="triangle"/>
+          </a:ln>
+        </p:spPr>
+        <p:style>
+          <a:lnRef idx="1">
+            <a:schemeClr val="accent1"/>
+          </a:lnRef>
+          <a:fillRef idx="0">
+            <a:schemeClr val="accent1"/>
+          </a:fillRef>
+          <a:effectRef idx="0">
+            <a:schemeClr val="accent1"/>
+          </a:effectRef>
+          <a:fontRef idx="minor">
+            <a:schemeClr val="tx1"/>
+          </a:fontRef>
+        </p:style>
+      </p:cxnSp>
+      <p:sp>
+        <p:nvSpPr>
+          <p:cNvPr id="22" name="CasellaDiTesto 21">
+            <a:extLst>
+              <a:ext uri="{FF2B5EF4-FFF2-40B4-BE49-F238E27FC236}">
+                <a16:creationId xmlns:a16="http://schemas.microsoft.com/office/drawing/2014/main" id="{3A40EAD4-8DD3-48DF-A37E-7F05245D9ACA}"/>
+              </a:ext>
+            </a:extLst>
+          </p:cNvPr>
+          <p:cNvSpPr txBox="1"/>
+          <p:nvPr/>
+        </p:nvSpPr>
+        <p:spPr>
+          <a:xfrm>
+            <a:off x="8546627" y="2667690"/>
+            <a:ext cx="930063" cy="246221"/>
+          </a:xfrm>
+          <a:prstGeom prst="rect">
+            <a:avLst/>
+          </a:prstGeom>
+          <a:noFill/>
+        </p:spPr>
+        <p:txBody>
+          <a:bodyPr wrap="none" rtlCol="0">
+            <a:spAutoFit/>
+          </a:bodyPr>
+          <a:lstStyle/>
+          <a:p>
+            <a:r>
+              <a:rPr lang="it-IT" sz="1000" dirty="0"/>
+              <a:t>Exec (no shell)</a:t>
+            </a:r>
+          </a:p>
+        </p:txBody>
+      </p:sp>
+      <p:cxnSp>
+        <p:nvCxnSpPr>
+          <p:cNvPr id="13" name="Connettore 2 12">
+            <a:extLst>
+              <a:ext uri="{FF2B5EF4-FFF2-40B4-BE49-F238E27FC236}">
+                <a16:creationId xmlns:a16="http://schemas.microsoft.com/office/drawing/2014/main" id="{B125D964-6168-4E56-A126-A2B8BB39D8E4}"/>
+              </a:ext>
+            </a:extLst>
+          </p:cNvPr>
+          <p:cNvCxnSpPr>
+            <a:cxnSpLocks/>
+          </p:cNvCxnSpPr>
+          <p:nvPr/>
+        </p:nvCxnSpPr>
+        <p:spPr>
+          <a:xfrm>
+            <a:off x="4512184" y="2561699"/>
+            <a:ext cx="2325508" cy="18553"/>
+          </a:xfrm>
+          <a:prstGeom prst="straightConnector1">
+            <a:avLst/>
+          </a:prstGeom>
+          <a:ln>
+            <a:tailEnd type="triangle"/>
+          </a:ln>
+        </p:spPr>
+        <p:style>
+          <a:lnRef idx="1">
+            <a:schemeClr val="accent1"/>
+          </a:lnRef>
+          <a:fillRef idx="0">
+            <a:schemeClr val="accent1"/>
+          </a:fillRef>
+          <a:effectRef idx="0">
+            <a:schemeClr val="accent1"/>
+          </a:effectRef>
+          <a:fontRef idx="minor">
+            <a:schemeClr val="tx1"/>
+          </a:fontRef>
+        </p:style>
+      </p:cxnSp>
+      <p:sp>
+        <p:nvSpPr>
+          <p:cNvPr id="25" name="CasellaDiTesto 24">
+            <a:extLst>
+              <a:ext uri="{FF2B5EF4-FFF2-40B4-BE49-F238E27FC236}">
+                <a16:creationId xmlns:a16="http://schemas.microsoft.com/office/drawing/2014/main" id="{D9BD99B3-05D8-434B-B4C3-513C96719686}"/>
+              </a:ext>
+            </a:extLst>
+          </p:cNvPr>
+          <p:cNvSpPr txBox="1"/>
+          <p:nvPr/>
+        </p:nvSpPr>
+        <p:spPr>
+          <a:xfrm>
+            <a:off x="5424663" y="2636627"/>
+            <a:ext cx="930063" cy="246221"/>
+          </a:xfrm>
+          <a:prstGeom prst="rect">
+            <a:avLst/>
+          </a:prstGeom>
+          <a:noFill/>
+        </p:spPr>
+        <p:txBody>
+          <a:bodyPr wrap="none" rtlCol="0">
+            <a:spAutoFit/>
+          </a:bodyPr>
+          <a:lstStyle/>
+          <a:p>
+            <a:r>
+              <a:rPr lang="it-IT" sz="1000" dirty="0"/>
+              <a:t>Exec (no shell)</a:t>
+            </a:r>
+          </a:p>
+        </p:txBody>
+      </p:sp>
+      <p:cxnSp>
+        <p:nvCxnSpPr>
+          <p:cNvPr id="24" name="Connettore 2 23">
+            <a:extLst>
+              <a:ext uri="{FF2B5EF4-FFF2-40B4-BE49-F238E27FC236}">
+                <a16:creationId xmlns:a16="http://schemas.microsoft.com/office/drawing/2014/main" id="{D404D4CE-4A29-4FC6-8907-B11329033D74}"/>
+              </a:ext>
+            </a:extLst>
+          </p:cNvPr>
+          <p:cNvCxnSpPr>
+            <a:cxnSpLocks/>
+          </p:cNvCxnSpPr>
+          <p:nvPr/>
+        </p:nvCxnSpPr>
+        <p:spPr>
+          <a:xfrm flipV="1">
+            <a:off x="2191728" y="2618856"/>
+            <a:ext cx="1100693" cy="424796"/>
+          </a:xfrm>
+          <a:prstGeom prst="straightConnector1">
+            <a:avLst/>
+          </a:prstGeom>
+          <a:ln>
+            <a:tailEnd type="triangle"/>
+          </a:ln>
+        </p:spPr>
+        <p:style>
+          <a:lnRef idx="1">
+            <a:schemeClr val="accent1"/>
+          </a:lnRef>
+          <a:fillRef idx="0">
+            <a:schemeClr val="accent1"/>
+          </a:fillRef>
+          <a:effectRef idx="0">
+            <a:schemeClr val="accent1"/>
+          </a:effectRef>
+          <a:fontRef idx="minor">
+            <a:schemeClr val="tx1"/>
+          </a:fontRef>
+        </p:style>
+      </p:cxnSp>
+      <p:sp>
+        <p:nvSpPr>
+          <p:cNvPr id="34" name="CasellaDiTesto 33">
+            <a:extLst>
+              <a:ext uri="{FF2B5EF4-FFF2-40B4-BE49-F238E27FC236}">
+                <a16:creationId xmlns:a16="http://schemas.microsoft.com/office/drawing/2014/main" id="{57E1AC26-E5C3-43BA-9AED-51153C4849F8}"/>
+              </a:ext>
+            </a:extLst>
+          </p:cNvPr>
+          <p:cNvSpPr txBox="1"/>
+          <p:nvPr/>
+        </p:nvSpPr>
+        <p:spPr>
+          <a:xfrm>
+            <a:off x="2271627" y="2589717"/>
+            <a:ext cx="593432" cy="246221"/>
+          </a:xfrm>
+          <a:prstGeom prst="rect">
+            <a:avLst/>
+          </a:prstGeom>
+          <a:noFill/>
+        </p:spPr>
+        <p:txBody>
+          <a:bodyPr wrap="none" rtlCol="0">
+            <a:spAutoFit/>
+          </a:bodyPr>
+          <a:lstStyle/>
+          <a:p>
+            <a:r>
+              <a:rPr lang="it-IT" sz="1000" dirty="0"/>
+              <a:t>Run Job</a:t>
+            </a:r>
+          </a:p>
+        </p:txBody>
+      </p:sp>
+      <p:sp>
+        <p:nvSpPr>
+          <p:cNvPr id="38" name="CasellaDiTesto 37">
+            <a:extLst>
+              <a:ext uri="{FF2B5EF4-FFF2-40B4-BE49-F238E27FC236}">
+                <a16:creationId xmlns:a16="http://schemas.microsoft.com/office/drawing/2014/main" id="{24D843BB-24F7-49AA-92F9-B6F6DF57833E}"/>
+              </a:ext>
+            </a:extLst>
+          </p:cNvPr>
+          <p:cNvSpPr txBox="1"/>
+          <p:nvPr/>
+        </p:nvSpPr>
+        <p:spPr>
+          <a:xfrm>
+            <a:off x="3635580" y="1666547"/>
+            <a:ext cx="431528" cy="307777"/>
+          </a:xfrm>
+          <a:prstGeom prst="rect">
+            <a:avLst/>
+          </a:prstGeom>
+          <a:noFill/>
+        </p:spPr>
+        <p:txBody>
+          <a:bodyPr wrap="none" rtlCol="0">
+            <a:spAutoFit/>
+          </a:bodyPr>
+          <a:lstStyle/>
+          <a:p>
+            <a:r>
+              <a:rPr lang="it-IT" sz="1400" dirty="0"/>
+              <a:t>Job</a:t>
+            </a:r>
+          </a:p>
+        </p:txBody>
+      </p:sp>
+      <p:sp>
+        <p:nvSpPr>
+          <p:cNvPr id="39" name="CasellaDiTesto 38">
+            <a:extLst>
+              <a:ext uri="{FF2B5EF4-FFF2-40B4-BE49-F238E27FC236}">
+                <a16:creationId xmlns:a16="http://schemas.microsoft.com/office/drawing/2014/main" id="{182340EA-1BCF-47FE-8926-C0ABD6A6EF65}"/>
+              </a:ext>
+            </a:extLst>
+          </p:cNvPr>
+          <p:cNvSpPr txBox="1"/>
+          <p:nvPr/>
+        </p:nvSpPr>
+        <p:spPr>
+          <a:xfrm>
+            <a:off x="1118421" y="4107638"/>
+            <a:ext cx="1073307" cy="307777"/>
+          </a:xfrm>
+          <a:prstGeom prst="rect">
+            <a:avLst/>
+          </a:prstGeom>
+          <a:noFill/>
+        </p:spPr>
+        <p:txBody>
+          <a:bodyPr wrap="none" rtlCol="0">
+            <a:spAutoFit/>
+          </a:bodyPr>
+          <a:lstStyle/>
+          <a:p>
+            <a:r>
+              <a:rPr lang="it-IT" sz="1400" dirty="0"/>
+              <a:t>Cron Trigger</a:t>
+            </a:r>
+          </a:p>
+        </p:txBody>
+      </p:sp>
+      <p:sp>
+        <p:nvSpPr>
+          <p:cNvPr id="37" name="CasellaDiTesto 36">
+            <a:extLst>
+              <a:ext uri="{FF2B5EF4-FFF2-40B4-BE49-F238E27FC236}">
+                <a16:creationId xmlns:a16="http://schemas.microsoft.com/office/drawing/2014/main" id="{FF1243F4-DB0C-491E-821B-7F2A449B3529}"/>
+              </a:ext>
+            </a:extLst>
+          </p:cNvPr>
+          <p:cNvSpPr txBox="1"/>
+          <p:nvPr/>
+        </p:nvSpPr>
+        <p:spPr>
+          <a:xfrm>
+            <a:off x="9411466" y="1159110"/>
+            <a:ext cx="2334229" cy="369332"/>
+          </a:xfrm>
+          <a:prstGeom prst="rect">
+            <a:avLst/>
+          </a:prstGeom>
+          <a:noFill/>
+        </p:spPr>
+        <p:txBody>
+          <a:bodyPr wrap="none" rtlCol="0">
+            <a:spAutoFit/>
+          </a:bodyPr>
+          <a:lstStyle/>
+          <a:p>
+            <a:r>
+              <a:rPr lang="it-IT" dirty="0"/>
+              <a:t>Headless Environment </a:t>
+            </a:r>
+          </a:p>
+        </p:txBody>
+      </p:sp>
+      <p:sp>
+        <p:nvSpPr>
+          <p:cNvPr id="42" name="CasellaDiTesto 41">
+            <a:extLst>
+              <a:ext uri="{FF2B5EF4-FFF2-40B4-BE49-F238E27FC236}">
+                <a16:creationId xmlns:a16="http://schemas.microsoft.com/office/drawing/2014/main" id="{00402DE5-1B83-47D7-97B9-1BD99A19DCFC}"/>
+              </a:ext>
+            </a:extLst>
+          </p:cNvPr>
+          <p:cNvSpPr txBox="1"/>
+          <p:nvPr/>
+        </p:nvSpPr>
+        <p:spPr>
+          <a:xfrm>
+            <a:off x="4114208" y="228609"/>
+            <a:ext cx="2620910" cy="461665"/>
+          </a:xfrm>
+          <a:prstGeom prst="rect">
+            <a:avLst/>
+          </a:prstGeom>
+          <a:noFill/>
+        </p:spPr>
+        <p:txBody>
+          <a:bodyPr wrap="none" rtlCol="0">
+            <a:spAutoFit/>
+          </a:bodyPr>
+          <a:lstStyle/>
+          <a:p>
+            <a:r>
+              <a:rPr lang="it-IT" sz="2400" b="1" dirty="0">
+                <a:solidFill>
+                  <a:schemeClr val="accent5">
+                    <a:lumMod val="50000"/>
+                  </a:schemeClr>
+                </a:solidFill>
+              </a:rPr>
+              <a:t>Macro Architettura</a:t>
+            </a:r>
+          </a:p>
+        </p:txBody>
+      </p:sp>
+      <p:pic>
+        <p:nvPicPr>
+          <p:cNvPr id="1040" name="Picture 16" descr="Vector Folder Icon 439792 Vector Art at Vecteezy">
+            <a:extLst>
+              <a:ext uri="{FF2B5EF4-FFF2-40B4-BE49-F238E27FC236}">
+                <a16:creationId xmlns:a16="http://schemas.microsoft.com/office/drawing/2014/main" id="{54CF8FAF-4F97-4514-A924-C21E11FA73C3}"/>
+              </a:ext>
+            </a:extLst>
+          </p:cNvPr>
+          <p:cNvPicPr>
+            <a:picLocks noChangeAspect="1" noChangeArrowheads="1"/>
+          </p:cNvPicPr>
+          <p:nvPr/>
+        </p:nvPicPr>
+        <p:blipFill>
+          <a:blip r:embed="rId6">
+            <a:extLst>
+              <a:ext uri="{28A0092B-C50C-407E-A947-70E740481C1C}">
+                <a14:useLocalDpi xmlns:a14="http://schemas.microsoft.com/office/drawing/2010/main" val="0"/>
+              </a:ext>
+            </a:extLst>
+          </a:blip>
+          <a:srcRect/>
+          <a:stretch>
+            <a:fillRect/>
+          </a:stretch>
+        </p:blipFill>
+        <p:spPr bwMode="auto">
+          <a:xfrm>
+            <a:off x="7078284" y="1326642"/>
+            <a:ext cx="933658" cy="933658"/>
+          </a:xfrm>
+          <a:prstGeom prst="rect">
+            <a:avLst/>
+          </a:prstGeom>
+          <a:noFill/>
+          <a:extLst>
+            <a:ext uri="{909E8E84-426E-40DD-AFC4-6F175D3DCCD1}">
+              <a14:hiddenFill xmlns:a14="http://schemas.microsoft.com/office/drawing/2010/main">
+                <a:solidFill>
+                  <a:srgbClr val="FFFFFF"/>
+                </a:solidFill>
+              </a14:hiddenFill>
+            </a:ext>
+          </a:extLst>
+        </p:spPr>
+      </p:pic>
+      <p:cxnSp>
+        <p:nvCxnSpPr>
+          <p:cNvPr id="44" name="Connettore a gomito 43">
+            <a:extLst>
+              <a:ext uri="{FF2B5EF4-FFF2-40B4-BE49-F238E27FC236}">
+                <a16:creationId xmlns:a16="http://schemas.microsoft.com/office/drawing/2014/main" id="{4BFC8EC1-CB8E-424A-9861-1E74EBF2178E}"/>
+              </a:ext>
+            </a:extLst>
+          </p:cNvPr>
+          <p:cNvCxnSpPr/>
+          <p:nvPr/>
+        </p:nvCxnSpPr>
+        <p:spPr>
+          <a:xfrm rot="16200000" flipV="1">
+            <a:off x="8810985" y="1101211"/>
+            <a:ext cx="755960" cy="2354045"/>
+          </a:xfrm>
+          <a:prstGeom prst="bentConnector2">
+            <a:avLst/>
+          </a:prstGeom>
+          <a:ln>
+            <a:tailEnd type="triangle"/>
+          </a:ln>
+        </p:spPr>
+        <p:style>
+          <a:lnRef idx="1">
+            <a:schemeClr val="accent1"/>
+          </a:lnRef>
+          <a:fillRef idx="0">
+            <a:schemeClr val="accent1"/>
+          </a:fillRef>
+          <a:effectRef idx="0">
+            <a:schemeClr val="accent1"/>
+          </a:effectRef>
+          <a:fontRef idx="minor">
+            <a:schemeClr val="tx1"/>
+          </a:fontRef>
+        </p:style>
+      </p:cxnSp>
+      <p:sp>
+        <p:nvSpPr>
+          <p:cNvPr id="53" name="CasellaDiTesto 52">
+            <a:extLst>
+              <a:ext uri="{FF2B5EF4-FFF2-40B4-BE49-F238E27FC236}">
+                <a16:creationId xmlns:a16="http://schemas.microsoft.com/office/drawing/2014/main" id="{EC247E6A-8464-48C6-BEB1-EF4E4BC9F861}"/>
+              </a:ext>
+            </a:extLst>
+          </p:cNvPr>
+          <p:cNvSpPr txBox="1"/>
+          <p:nvPr/>
+        </p:nvSpPr>
+        <p:spPr>
+          <a:xfrm>
+            <a:off x="7091046" y="1107499"/>
+            <a:ext cx="908134" cy="369332"/>
+          </a:xfrm>
+          <a:prstGeom prst="rect">
+            <a:avLst/>
+          </a:prstGeom>
+          <a:noFill/>
+        </p:spPr>
+        <p:txBody>
+          <a:bodyPr wrap="none" rtlCol="0">
+            <a:spAutoFit/>
+          </a:bodyPr>
+          <a:lstStyle/>
+          <a:p>
+            <a:r>
+              <a:rPr lang="it-IT" dirty="0"/>
+              <a:t>Logging</a:t>
+            </a:r>
+          </a:p>
+        </p:txBody>
+      </p:sp>
+      <p:cxnSp>
+        <p:nvCxnSpPr>
+          <p:cNvPr id="46" name="Connettore 2 45">
+            <a:extLst>
+              <a:ext uri="{FF2B5EF4-FFF2-40B4-BE49-F238E27FC236}">
+                <a16:creationId xmlns:a16="http://schemas.microsoft.com/office/drawing/2014/main" id="{62D2854E-5269-45DB-AE91-DD72E4889B91}"/>
+              </a:ext>
+            </a:extLst>
+          </p:cNvPr>
+          <p:cNvCxnSpPr>
+            <a:cxnSpLocks/>
+          </p:cNvCxnSpPr>
+          <p:nvPr/>
+        </p:nvCxnSpPr>
+        <p:spPr>
+          <a:xfrm flipV="1">
+            <a:off x="7536235" y="2095073"/>
+            <a:ext cx="0" cy="202856"/>
+          </a:xfrm>
+          <a:prstGeom prst="straightConnector1">
+            <a:avLst/>
+          </a:prstGeom>
+          <a:ln>
+            <a:tailEnd type="triangle"/>
+          </a:ln>
+        </p:spPr>
+        <p:style>
+          <a:lnRef idx="1">
+            <a:schemeClr val="accent1"/>
+          </a:lnRef>
+          <a:fillRef idx="0">
+            <a:schemeClr val="accent1"/>
+          </a:fillRef>
+          <a:effectRef idx="0">
+            <a:schemeClr val="accent1"/>
+          </a:effectRef>
+          <a:fontRef idx="minor">
+            <a:schemeClr val="tx1"/>
+          </a:fontRef>
+        </p:style>
+      </p:cxnSp>
+      <p:cxnSp>
+        <p:nvCxnSpPr>
+          <p:cNvPr id="48" name="Connettore 2 47">
+            <a:extLst>
+              <a:ext uri="{FF2B5EF4-FFF2-40B4-BE49-F238E27FC236}">
+                <a16:creationId xmlns:a16="http://schemas.microsoft.com/office/drawing/2014/main" id="{AD950154-DD63-44BE-92EE-92D1C4888FF6}"/>
+              </a:ext>
+            </a:extLst>
+          </p:cNvPr>
+          <p:cNvCxnSpPr/>
+          <p:nvPr/>
+        </p:nvCxnSpPr>
+        <p:spPr>
+          <a:xfrm>
+            <a:off x="4965846" y="1900253"/>
+            <a:ext cx="2073693" cy="0"/>
+          </a:xfrm>
+          <a:prstGeom prst="straightConnector1">
+            <a:avLst/>
+          </a:prstGeom>
+          <a:ln>
+            <a:tailEnd type="triangle"/>
+          </a:ln>
+        </p:spPr>
+        <p:style>
+          <a:lnRef idx="1">
+            <a:schemeClr val="accent1"/>
+          </a:lnRef>
+          <a:fillRef idx="0">
+            <a:schemeClr val="accent1"/>
+          </a:fillRef>
+          <a:effectRef idx="0">
+            <a:schemeClr val="accent1"/>
+          </a:effectRef>
+          <a:fontRef idx="minor">
+            <a:schemeClr val="tx1"/>
+          </a:fontRef>
+        </p:style>
+      </p:cxnSp>
+      <p:cxnSp>
+        <p:nvCxnSpPr>
+          <p:cNvPr id="50" name="Connettore a gomito 49">
+            <a:extLst>
+              <a:ext uri="{FF2B5EF4-FFF2-40B4-BE49-F238E27FC236}">
+                <a16:creationId xmlns:a16="http://schemas.microsoft.com/office/drawing/2014/main" id="{605AB626-1E71-4922-B669-D109EAA2E062}"/>
+              </a:ext>
+            </a:extLst>
+          </p:cNvPr>
+          <p:cNvCxnSpPr>
+            <a:cxnSpLocks/>
+            <a:stCxn id="19" idx="2"/>
+          </p:cNvCxnSpPr>
+          <p:nvPr/>
+        </p:nvCxnSpPr>
+        <p:spPr>
+          <a:xfrm rot="5400000">
+            <a:off x="7818115" y="3299876"/>
+            <a:ext cx="1632495" cy="3526972"/>
+          </a:xfrm>
+          <a:prstGeom prst="bentConnector2">
+            <a:avLst/>
+          </a:prstGeom>
+          <a:ln>
+            <a:tailEnd type="triangle"/>
+          </a:ln>
+        </p:spPr>
+        <p:style>
+          <a:lnRef idx="1">
+            <a:schemeClr val="accent1"/>
+          </a:lnRef>
+          <a:fillRef idx="0">
+            <a:schemeClr val="accent1"/>
+          </a:fillRef>
+          <a:effectRef idx="0">
+            <a:schemeClr val="accent1"/>
+          </a:effectRef>
+          <a:fontRef idx="minor">
+            <a:schemeClr val="tx1"/>
+          </a:fontRef>
+        </p:style>
+      </p:cxnSp>
+      <p:cxnSp>
+        <p:nvCxnSpPr>
+          <p:cNvPr id="56" name="Connettore a gomito 55">
+            <a:extLst>
+              <a:ext uri="{FF2B5EF4-FFF2-40B4-BE49-F238E27FC236}">
+                <a16:creationId xmlns:a16="http://schemas.microsoft.com/office/drawing/2014/main" id="{78DB5CBD-C9BF-41E0-A96E-0BCFEF86309B}"/>
+              </a:ext>
+            </a:extLst>
+          </p:cNvPr>
+          <p:cNvCxnSpPr>
+            <a:cxnSpLocks/>
+            <a:stCxn id="18" idx="2"/>
+          </p:cNvCxnSpPr>
+          <p:nvPr/>
+        </p:nvCxnSpPr>
+        <p:spPr>
+          <a:xfrm rot="5400000">
+            <a:off x="6664132" y="4312259"/>
+            <a:ext cx="1150450" cy="1020163"/>
+          </a:xfrm>
+          <a:prstGeom prst="bentConnector3">
+            <a:avLst>
+              <a:gd name="adj1" fmla="val 99386"/>
+            </a:avLst>
+          </a:prstGeom>
+          <a:ln>
+            <a:tailEnd type="triangle"/>
+          </a:ln>
+        </p:spPr>
+        <p:style>
+          <a:lnRef idx="1">
+            <a:schemeClr val="accent1"/>
+          </a:lnRef>
+          <a:fillRef idx="0">
+            <a:schemeClr val="accent1"/>
+          </a:fillRef>
+          <a:effectRef idx="0">
+            <a:schemeClr val="accent1"/>
+          </a:effectRef>
+          <a:fontRef idx="minor">
+            <a:schemeClr val="tx1"/>
+          </a:fontRef>
+        </p:style>
+      </p:cxnSp>
+      <p:pic>
+        <p:nvPicPr>
+          <p:cNvPr id="1026" name="Picture 2" descr="Retry Icon - Download in Flat Style">
+            <a:extLst>
+              <a:ext uri="{FF2B5EF4-FFF2-40B4-BE49-F238E27FC236}">
+                <a16:creationId xmlns:a16="http://schemas.microsoft.com/office/drawing/2014/main" id="{52F6F829-84BC-4B39-95DF-6051E7EA09AC}"/>
+              </a:ext>
+            </a:extLst>
+          </p:cNvPr>
+          <p:cNvPicPr>
+            <a:picLocks noChangeAspect="1" noChangeArrowheads="1"/>
+          </p:cNvPicPr>
+          <p:nvPr/>
+        </p:nvPicPr>
+        <p:blipFill>
+          <a:blip r:embed="rId7">
+            <a:extLst>
+              <a:ext uri="{28A0092B-C50C-407E-A947-70E740481C1C}">
+                <a14:useLocalDpi xmlns:a14="http://schemas.microsoft.com/office/drawing/2010/main" val="0"/>
+              </a:ext>
+            </a:extLst>
+          </a:blip>
+          <a:srcRect/>
+          <a:stretch>
+            <a:fillRect/>
+          </a:stretch>
+        </p:blipFill>
+        <p:spPr bwMode="auto">
+          <a:xfrm>
+            <a:off x="2271627" y="4301314"/>
+            <a:ext cx="534194" cy="534194"/>
+          </a:xfrm>
+          <a:prstGeom prst="rect">
+            <a:avLst/>
+          </a:prstGeom>
+          <a:noFill/>
+          <a:extLst>
+            <a:ext uri="{909E8E84-426E-40DD-AFC4-6F175D3DCCD1}">
+              <a14:hiddenFill xmlns:a14="http://schemas.microsoft.com/office/drawing/2010/main">
+                <a:solidFill>
+                  <a:srgbClr val="FFFFFF"/>
+                </a:solidFill>
+              </a14:hiddenFill>
+            </a:ext>
+          </a:extLst>
+        </p:spPr>
+      </p:pic>
+      <p:sp>
+        <p:nvSpPr>
+          <p:cNvPr id="36" name="CasellaDiTesto 35">
+            <a:extLst>
+              <a:ext uri="{FF2B5EF4-FFF2-40B4-BE49-F238E27FC236}">
+                <a16:creationId xmlns:a16="http://schemas.microsoft.com/office/drawing/2014/main" id="{C059CCEF-9849-44C4-96C2-22493DCFC2F5}"/>
+              </a:ext>
+            </a:extLst>
+          </p:cNvPr>
+          <p:cNvSpPr txBox="1"/>
+          <p:nvPr/>
+        </p:nvSpPr>
+        <p:spPr>
+          <a:xfrm>
+            <a:off x="2785128" y="4308718"/>
+            <a:ext cx="1755417" cy="523220"/>
+          </a:xfrm>
+          <a:prstGeom prst="rect">
+            <a:avLst/>
+          </a:prstGeom>
+          <a:noFill/>
+        </p:spPr>
+        <p:txBody>
+          <a:bodyPr wrap="none" rtlCol="0">
+            <a:spAutoFit/>
+          </a:bodyPr>
+          <a:lstStyle/>
+          <a:p>
+            <a:r>
+              <a:rPr lang="it-IT" sz="1400" dirty="0"/>
+              <a:t>WaitAndRetry  Policy </a:t>
+            </a:r>
+          </a:p>
+          <a:p>
+            <a:r>
+              <a:rPr lang="it-IT" sz="1400" dirty="0"/>
+              <a:t>(Polly)</a:t>
+            </a:r>
+          </a:p>
+        </p:txBody>
+      </p:sp>
+      <p:pic>
+        <p:nvPicPr>
+          <p:cNvPr id="1032" name="Picture 8" descr="clear cache Icon - Download clear cache Icon 2495429 | Noun Project">
+            <a:extLst>
+              <a:ext uri="{FF2B5EF4-FFF2-40B4-BE49-F238E27FC236}">
+                <a16:creationId xmlns:a16="http://schemas.microsoft.com/office/drawing/2014/main" id="{67BA90FB-3F21-4EC3-932F-CE11D208FC22}"/>
+              </a:ext>
+            </a:extLst>
+          </p:cNvPr>
+          <p:cNvPicPr>
+            <a:picLocks noChangeAspect="1" noChangeArrowheads="1"/>
+          </p:cNvPicPr>
+          <p:nvPr/>
+        </p:nvPicPr>
+        <p:blipFill>
+          <a:blip r:embed="rId8">
+            <a:extLst>
+              <a:ext uri="{28A0092B-C50C-407E-A947-70E740481C1C}">
+                <a14:useLocalDpi xmlns:a14="http://schemas.microsoft.com/office/drawing/2010/main" val="0"/>
+              </a:ext>
+            </a:extLst>
+          </a:blip>
+          <a:srcRect/>
+          <a:stretch>
+            <a:fillRect/>
+          </a:stretch>
+        </p:blipFill>
+        <p:spPr bwMode="auto">
+          <a:xfrm>
+            <a:off x="3331654" y="3174833"/>
+            <a:ext cx="972406" cy="972406"/>
+          </a:xfrm>
+          <a:prstGeom prst="rect">
+            <a:avLst/>
+          </a:prstGeom>
+          <a:noFill/>
+          <a:extLst>
+            <a:ext uri="{909E8E84-426E-40DD-AFC4-6F175D3DCCD1}">
+              <a14:hiddenFill xmlns:a14="http://schemas.microsoft.com/office/drawing/2010/main">
+                <a:solidFill>
+                  <a:srgbClr val="FFFFFF"/>
+                </a:solidFill>
+              </a14:hiddenFill>
+            </a:ext>
+          </a:extLst>
+        </p:spPr>
+      </p:pic>
+      <p:cxnSp>
+        <p:nvCxnSpPr>
+          <p:cNvPr id="47" name="Connettore 2 46">
+            <a:extLst>
+              <a:ext uri="{FF2B5EF4-FFF2-40B4-BE49-F238E27FC236}">
+                <a16:creationId xmlns:a16="http://schemas.microsoft.com/office/drawing/2014/main" id="{872A32FE-CD93-4691-AFD1-785970020FCB}"/>
+              </a:ext>
+            </a:extLst>
+          </p:cNvPr>
+          <p:cNvCxnSpPr>
+            <a:cxnSpLocks/>
+          </p:cNvCxnSpPr>
+          <p:nvPr/>
+        </p:nvCxnSpPr>
+        <p:spPr>
+          <a:xfrm flipV="1">
+            <a:off x="2703749" y="3877783"/>
+            <a:ext cx="686819" cy="419830"/>
+          </a:xfrm>
+          <a:prstGeom prst="straightConnector1">
+            <a:avLst/>
+          </a:prstGeom>
+          <a:ln>
+            <a:tailEnd type="triangle"/>
+          </a:ln>
+        </p:spPr>
+        <p:style>
+          <a:lnRef idx="1">
+            <a:schemeClr val="accent1"/>
+          </a:lnRef>
+          <a:fillRef idx="0">
+            <a:schemeClr val="accent1"/>
+          </a:fillRef>
+          <a:effectRef idx="0">
+            <a:schemeClr val="accent1"/>
+          </a:effectRef>
+          <a:fontRef idx="minor">
+            <a:schemeClr val="tx1"/>
+          </a:fontRef>
+        </p:style>
+      </p:cxnSp>
+      <p:cxnSp>
+        <p:nvCxnSpPr>
+          <p:cNvPr id="49" name="Connettore 2 48">
+            <a:extLst>
+              <a:ext uri="{FF2B5EF4-FFF2-40B4-BE49-F238E27FC236}">
+                <a16:creationId xmlns:a16="http://schemas.microsoft.com/office/drawing/2014/main" id="{22F00350-B289-4EA3-A4AD-865666EAFCB3}"/>
+              </a:ext>
+            </a:extLst>
+          </p:cNvPr>
+          <p:cNvCxnSpPr>
+            <a:cxnSpLocks/>
+          </p:cNvCxnSpPr>
+          <p:nvPr/>
+        </p:nvCxnSpPr>
+        <p:spPr>
+          <a:xfrm flipH="1">
+            <a:off x="2314872" y="3618305"/>
+            <a:ext cx="1044916" cy="2707"/>
+          </a:xfrm>
+          <a:prstGeom prst="straightConnector1">
+            <a:avLst/>
+          </a:prstGeom>
+          <a:ln>
+            <a:tailEnd type="triangle"/>
+          </a:ln>
+        </p:spPr>
+        <p:style>
+          <a:lnRef idx="1">
+            <a:schemeClr val="accent1"/>
+          </a:lnRef>
+          <a:fillRef idx="0">
+            <a:schemeClr val="accent1"/>
+          </a:fillRef>
+          <a:effectRef idx="0">
+            <a:schemeClr val="accent1"/>
+          </a:effectRef>
+          <a:fontRef idx="minor">
+            <a:schemeClr val="tx1"/>
+          </a:fontRef>
+        </p:style>
+      </p:cxnSp>
+      <p:sp>
+        <p:nvSpPr>
+          <p:cNvPr id="51" name="CasellaDiTesto 50">
+            <a:extLst>
+              <a:ext uri="{FF2B5EF4-FFF2-40B4-BE49-F238E27FC236}">
+                <a16:creationId xmlns:a16="http://schemas.microsoft.com/office/drawing/2014/main" id="{E5FABC76-3387-4003-B614-7741C42713D8}"/>
+              </a:ext>
+            </a:extLst>
+          </p:cNvPr>
+          <p:cNvSpPr txBox="1"/>
+          <p:nvPr/>
+        </p:nvSpPr>
+        <p:spPr>
+          <a:xfrm>
+            <a:off x="2480090" y="3374791"/>
+            <a:ext cx="740908" cy="246221"/>
+          </a:xfrm>
+          <a:prstGeom prst="rect">
+            <a:avLst/>
+          </a:prstGeom>
+          <a:noFill/>
+        </p:spPr>
+        <p:txBody>
+          <a:bodyPr wrap="none" rtlCol="0">
+            <a:spAutoFit/>
+          </a:bodyPr>
+          <a:lstStyle/>
+          <a:p>
+            <a:r>
+              <a:rPr lang="it-IT" sz="1000" dirty="0"/>
+              <a:t>Cron Rules</a:t>
+            </a:r>
+          </a:p>
+        </p:txBody>
+      </p:sp>
+      <p:sp>
+        <p:nvSpPr>
+          <p:cNvPr id="52" name="CasellaDiTesto 51">
+            <a:extLst>
+              <a:ext uri="{FF2B5EF4-FFF2-40B4-BE49-F238E27FC236}">
+                <a16:creationId xmlns:a16="http://schemas.microsoft.com/office/drawing/2014/main" id="{073C4326-15ED-4B80-867E-8D8522673EDC}"/>
+              </a:ext>
+            </a:extLst>
+          </p:cNvPr>
+          <p:cNvSpPr txBox="1"/>
+          <p:nvPr/>
+        </p:nvSpPr>
+        <p:spPr>
+          <a:xfrm>
+            <a:off x="3138575" y="2992646"/>
+            <a:ext cx="1417376" cy="307777"/>
+          </a:xfrm>
+          <a:prstGeom prst="rect">
+            <a:avLst/>
+          </a:prstGeom>
+          <a:noFill/>
+        </p:spPr>
+        <p:txBody>
+          <a:bodyPr wrap="none" rtlCol="0">
+            <a:spAutoFit/>
+          </a:bodyPr>
+          <a:lstStyle/>
+          <a:p>
+            <a:r>
+              <a:rPr lang="it-IT" sz="1400" dirty="0"/>
+              <a:t>Plan Rules Cache</a:t>
+            </a:r>
+          </a:p>
+        </p:txBody>
+      </p:sp>
+      <p:sp>
+        <p:nvSpPr>
+          <p:cNvPr id="28" name="Ovale 27">
+            <a:extLst>
+              <a:ext uri="{FF2B5EF4-FFF2-40B4-BE49-F238E27FC236}">
+                <a16:creationId xmlns:a16="http://schemas.microsoft.com/office/drawing/2014/main" id="{E9001488-C240-41E3-9E6F-75B56B312FD2}"/>
+              </a:ext>
+            </a:extLst>
+          </p:cNvPr>
+          <p:cNvSpPr/>
+          <p:nvPr/>
+        </p:nvSpPr>
+        <p:spPr>
+          <a:xfrm>
+            <a:off x="2190584" y="5598473"/>
+            <a:ext cx="248575" cy="256509"/>
+          </a:xfrm>
+          <a:prstGeom prst="ellipse">
+            <a:avLst/>
+          </a:prstGeom>
+        </p:spPr>
+        <p:style>
+          <a:lnRef idx="2">
+            <a:schemeClr val="accent1">
+              <a:shade val="50000"/>
+            </a:schemeClr>
+          </a:lnRef>
+          <a:fillRef idx="1">
+            <a:schemeClr val="accent1"/>
+          </a:fillRef>
+          <a:effectRef idx="0">
+            <a:schemeClr val="accent1"/>
+          </a:effectRef>
+          <a:fontRef idx="minor">
+            <a:schemeClr val="lt1"/>
+          </a:fontRef>
+        </p:style>
+        <p:txBody>
+          <a:bodyPr rtlCol="0" anchor="ctr"/>
+          <a:lstStyle/>
+          <a:p>
+            <a:pPr algn="ctr"/>
+            <a:r>
+              <a:rPr lang="it-IT" dirty="0"/>
+              <a:t>1</a:t>
+            </a:r>
+          </a:p>
+        </p:txBody>
+      </p:sp>
+      <p:sp>
+        <p:nvSpPr>
+          <p:cNvPr id="54" name="Ovale 53">
+            <a:extLst>
+              <a:ext uri="{FF2B5EF4-FFF2-40B4-BE49-F238E27FC236}">
+                <a16:creationId xmlns:a16="http://schemas.microsoft.com/office/drawing/2014/main" id="{52940690-6336-4C3D-A87B-C5D16486A1B4}"/>
+              </a:ext>
+            </a:extLst>
+          </p:cNvPr>
+          <p:cNvSpPr/>
+          <p:nvPr/>
+        </p:nvSpPr>
+        <p:spPr>
+          <a:xfrm>
+            <a:off x="2769126" y="3726722"/>
+            <a:ext cx="248575" cy="256509"/>
+          </a:xfrm>
+          <a:prstGeom prst="ellipse">
+            <a:avLst/>
+          </a:prstGeom>
+        </p:spPr>
+        <p:style>
+          <a:lnRef idx="2">
+            <a:schemeClr val="accent1">
+              <a:shade val="50000"/>
+            </a:schemeClr>
+          </a:lnRef>
+          <a:fillRef idx="1">
+            <a:schemeClr val="accent1"/>
+          </a:fillRef>
+          <a:effectRef idx="0">
+            <a:schemeClr val="accent1"/>
+          </a:effectRef>
+          <a:fontRef idx="minor">
+            <a:schemeClr val="lt1"/>
+          </a:fontRef>
+        </p:style>
+        <p:txBody>
+          <a:bodyPr rtlCol="0" anchor="ctr"/>
+          <a:lstStyle/>
+          <a:p>
+            <a:pPr algn="ctr"/>
+            <a:r>
+              <a:rPr lang="it-IT" dirty="0"/>
+              <a:t>2</a:t>
+            </a:r>
+          </a:p>
+        </p:txBody>
+      </p:sp>
+      <p:sp>
+        <p:nvSpPr>
+          <p:cNvPr id="55" name="Ovale 54">
+            <a:extLst>
+              <a:ext uri="{FF2B5EF4-FFF2-40B4-BE49-F238E27FC236}">
+                <a16:creationId xmlns:a16="http://schemas.microsoft.com/office/drawing/2014/main" id="{EFA6CCFA-3C1B-4F9D-A5FC-4F086EFFECEB}"/>
+              </a:ext>
+            </a:extLst>
+          </p:cNvPr>
+          <p:cNvSpPr/>
+          <p:nvPr/>
+        </p:nvSpPr>
+        <p:spPr>
+          <a:xfrm>
+            <a:off x="2684530" y="2297929"/>
+            <a:ext cx="248575" cy="256509"/>
+          </a:xfrm>
+          <a:prstGeom prst="ellipse">
+            <a:avLst/>
+          </a:prstGeom>
+        </p:spPr>
+        <p:style>
+          <a:lnRef idx="2">
+            <a:schemeClr val="accent1">
+              <a:shade val="50000"/>
+            </a:schemeClr>
+          </a:lnRef>
+          <a:fillRef idx="1">
+            <a:schemeClr val="accent1"/>
+          </a:fillRef>
+          <a:effectRef idx="0">
+            <a:schemeClr val="accent1"/>
+          </a:effectRef>
+          <a:fontRef idx="minor">
+            <a:schemeClr val="lt1"/>
+          </a:fontRef>
+        </p:style>
+        <p:txBody>
+          <a:bodyPr rtlCol="0" anchor="ctr"/>
+          <a:lstStyle/>
+          <a:p>
+            <a:pPr algn="ctr"/>
+            <a:r>
+              <a:rPr lang="it-IT" dirty="0"/>
+              <a:t>3</a:t>
+            </a:r>
+          </a:p>
+        </p:txBody>
+      </p:sp>
+      <p:sp>
+        <p:nvSpPr>
+          <p:cNvPr id="57" name="Ovale 56">
+            <a:extLst>
+              <a:ext uri="{FF2B5EF4-FFF2-40B4-BE49-F238E27FC236}">
+                <a16:creationId xmlns:a16="http://schemas.microsoft.com/office/drawing/2014/main" id="{D6EC6FDB-7F2C-4A3A-BF62-A5D44FF2E2A3}"/>
+              </a:ext>
+            </a:extLst>
+          </p:cNvPr>
+          <p:cNvSpPr/>
+          <p:nvPr/>
+        </p:nvSpPr>
+        <p:spPr>
+          <a:xfrm>
+            <a:off x="5783407" y="2253710"/>
+            <a:ext cx="248575" cy="256509"/>
+          </a:xfrm>
+          <a:prstGeom prst="ellipse">
+            <a:avLst/>
+          </a:prstGeom>
+        </p:spPr>
+        <p:style>
+          <a:lnRef idx="2">
+            <a:schemeClr val="accent1">
+              <a:shade val="50000"/>
+            </a:schemeClr>
+          </a:lnRef>
+          <a:fillRef idx="1">
+            <a:schemeClr val="accent1"/>
+          </a:fillRef>
+          <a:effectRef idx="0">
+            <a:schemeClr val="accent1"/>
+          </a:effectRef>
+          <a:fontRef idx="minor">
+            <a:schemeClr val="lt1"/>
+          </a:fontRef>
+        </p:style>
+        <p:txBody>
+          <a:bodyPr rtlCol="0" anchor="ctr"/>
+          <a:lstStyle/>
+          <a:p>
+            <a:pPr algn="ctr"/>
+            <a:r>
+              <a:rPr lang="it-IT" dirty="0"/>
+              <a:t>4</a:t>
+            </a:r>
+          </a:p>
+        </p:txBody>
+      </p:sp>
+      <p:sp>
+        <p:nvSpPr>
+          <p:cNvPr id="58" name="Ovale 57">
+            <a:extLst>
+              <a:ext uri="{FF2B5EF4-FFF2-40B4-BE49-F238E27FC236}">
+                <a16:creationId xmlns:a16="http://schemas.microsoft.com/office/drawing/2014/main" id="{1BA078E9-F76B-4C7D-94E5-54E144B4ADA4}"/>
+              </a:ext>
+            </a:extLst>
+          </p:cNvPr>
+          <p:cNvSpPr/>
+          <p:nvPr/>
+        </p:nvSpPr>
+        <p:spPr>
+          <a:xfrm>
+            <a:off x="8834783" y="2262291"/>
+            <a:ext cx="248575" cy="256509"/>
+          </a:xfrm>
+          <a:prstGeom prst="ellipse">
+            <a:avLst/>
+          </a:prstGeom>
+        </p:spPr>
+        <p:style>
+          <a:lnRef idx="2">
+            <a:schemeClr val="accent1">
+              <a:shade val="50000"/>
+            </a:schemeClr>
+          </a:lnRef>
+          <a:fillRef idx="1">
+            <a:schemeClr val="accent1"/>
+          </a:fillRef>
+          <a:effectRef idx="0">
+            <a:schemeClr val="accent1"/>
+          </a:effectRef>
+          <a:fontRef idx="minor">
+            <a:schemeClr val="lt1"/>
+          </a:fontRef>
+        </p:style>
+        <p:txBody>
+          <a:bodyPr rtlCol="0" anchor="ctr"/>
+          <a:lstStyle/>
+          <a:p>
+            <a:pPr algn="ctr"/>
+            <a:r>
+              <a:rPr lang="it-IT" dirty="0"/>
+              <a:t>6</a:t>
+            </a:r>
+          </a:p>
+        </p:txBody>
+      </p:sp>
+      <p:sp>
+        <p:nvSpPr>
+          <p:cNvPr id="59" name="Ovale 58">
+            <a:extLst>
+              <a:ext uri="{FF2B5EF4-FFF2-40B4-BE49-F238E27FC236}">
+                <a16:creationId xmlns:a16="http://schemas.microsoft.com/office/drawing/2014/main" id="{675C2859-CA72-4173-B0F6-8D2D8FB4A319}"/>
+              </a:ext>
+            </a:extLst>
+          </p:cNvPr>
+          <p:cNvSpPr/>
+          <p:nvPr/>
+        </p:nvSpPr>
+        <p:spPr>
+          <a:xfrm>
+            <a:off x="7782873" y="4571371"/>
+            <a:ext cx="248575" cy="256509"/>
+          </a:xfrm>
+          <a:prstGeom prst="ellipse">
+            <a:avLst/>
+          </a:prstGeom>
+        </p:spPr>
+        <p:style>
+          <a:lnRef idx="2">
+            <a:schemeClr val="accent1">
+              <a:shade val="50000"/>
+            </a:schemeClr>
+          </a:lnRef>
+          <a:fillRef idx="1">
+            <a:schemeClr val="accent1"/>
+          </a:fillRef>
+          <a:effectRef idx="0">
+            <a:schemeClr val="accent1"/>
+          </a:effectRef>
+          <a:fontRef idx="minor">
+            <a:schemeClr val="lt1"/>
+          </a:fontRef>
+        </p:style>
+        <p:txBody>
+          <a:bodyPr rtlCol="0" anchor="ctr"/>
+          <a:lstStyle/>
+          <a:p>
+            <a:pPr algn="ctr"/>
+            <a:r>
+              <a:rPr lang="it-IT" dirty="0"/>
+              <a:t>5</a:t>
+            </a:r>
+          </a:p>
+        </p:txBody>
+      </p:sp>
+      <p:sp>
+        <p:nvSpPr>
+          <p:cNvPr id="60" name="Ovale 59">
+            <a:extLst>
+              <a:ext uri="{FF2B5EF4-FFF2-40B4-BE49-F238E27FC236}">
+                <a16:creationId xmlns:a16="http://schemas.microsoft.com/office/drawing/2014/main" id="{C37DF305-4228-4220-9934-46F62FC227CF}"/>
+              </a:ext>
+            </a:extLst>
+          </p:cNvPr>
+          <p:cNvSpPr/>
+          <p:nvPr/>
+        </p:nvSpPr>
+        <p:spPr>
+          <a:xfrm>
+            <a:off x="10504290" y="5495183"/>
+            <a:ext cx="248575" cy="256509"/>
+          </a:xfrm>
+          <a:prstGeom prst="ellipse">
+            <a:avLst/>
+          </a:prstGeom>
+        </p:spPr>
+        <p:style>
+          <a:lnRef idx="2">
+            <a:schemeClr val="accent1">
+              <a:shade val="50000"/>
+            </a:schemeClr>
+          </a:lnRef>
+          <a:fillRef idx="1">
+            <a:schemeClr val="accent1"/>
+          </a:fillRef>
+          <a:effectRef idx="0">
+            <a:schemeClr val="accent1"/>
+          </a:effectRef>
+          <a:fontRef idx="minor">
+            <a:schemeClr val="lt1"/>
+          </a:fontRef>
+        </p:style>
+        <p:txBody>
+          <a:bodyPr rtlCol="0" anchor="ctr"/>
+          <a:lstStyle/>
+          <a:p>
+            <a:pPr algn="ctr"/>
+            <a:r>
+              <a:rPr lang="it-IT" dirty="0"/>
+              <a:t>7</a:t>
+            </a:r>
+          </a:p>
+        </p:txBody>
+      </p:sp>
+      <p:cxnSp>
+        <p:nvCxnSpPr>
+          <p:cNvPr id="3" name="Connettore a gomito 2">
+            <a:extLst>
+              <a:ext uri="{FF2B5EF4-FFF2-40B4-BE49-F238E27FC236}">
+                <a16:creationId xmlns:a16="http://schemas.microsoft.com/office/drawing/2014/main" id="{B9F92731-F856-4226-9001-3705CECCD276}"/>
+              </a:ext>
+            </a:extLst>
+          </p:cNvPr>
+          <p:cNvCxnSpPr>
+            <a:stCxn id="1036" idx="0"/>
+          </p:cNvCxnSpPr>
+          <p:nvPr/>
+        </p:nvCxnSpPr>
+        <p:spPr>
+          <a:xfrm rot="16200000" flipV="1">
+            <a:off x="4489095" y="3539477"/>
+            <a:ext cx="1604392" cy="1762047"/>
+          </a:xfrm>
+          <a:prstGeom prst="bentConnector2">
+            <a:avLst/>
+          </a:prstGeom>
+          <a:ln>
+            <a:tailEnd type="triangle"/>
+          </a:ln>
+        </p:spPr>
+        <p:style>
+          <a:lnRef idx="1">
+            <a:schemeClr val="accent1"/>
+          </a:lnRef>
+          <a:fillRef idx="0">
+            <a:schemeClr val="accent1"/>
+          </a:fillRef>
+          <a:effectRef idx="0">
+            <a:schemeClr val="accent1"/>
+          </a:effectRef>
+          <a:fontRef idx="minor">
+            <a:schemeClr val="tx1"/>
+          </a:fontRef>
+        </p:style>
+      </p:cxnSp>
+      <p:sp>
+        <p:nvSpPr>
+          <p:cNvPr id="62" name="CasellaDiTesto 61">
+            <a:extLst>
+              <a:ext uri="{FF2B5EF4-FFF2-40B4-BE49-F238E27FC236}">
+                <a16:creationId xmlns:a16="http://schemas.microsoft.com/office/drawing/2014/main" id="{08F459B3-D83F-4AD5-A2D4-4F66F501A214}"/>
+              </a:ext>
+            </a:extLst>
+          </p:cNvPr>
+          <p:cNvSpPr txBox="1"/>
+          <p:nvPr/>
+        </p:nvSpPr>
+        <p:spPr>
+          <a:xfrm>
+            <a:off x="4453435" y="3351970"/>
+            <a:ext cx="2156360" cy="246221"/>
+          </a:xfrm>
+          <a:prstGeom prst="rect">
+            <a:avLst/>
+          </a:prstGeom>
+          <a:noFill/>
+        </p:spPr>
+        <p:txBody>
+          <a:bodyPr wrap="none" rtlCol="0">
+            <a:spAutoFit/>
+          </a:bodyPr>
+          <a:lstStyle/>
+          <a:p>
+            <a:r>
+              <a:rPr lang="it-IT" sz="1000" dirty="0"/>
+              <a:t>Ri-schedulazione Jobs (Cache Expired)</a:t>
+            </a:r>
+          </a:p>
+        </p:txBody>
+      </p:sp>
+      <p:sp>
+        <p:nvSpPr>
+          <p:cNvPr id="63" name="CasellaDiTesto 62">
+            <a:extLst>
+              <a:ext uri="{FF2B5EF4-FFF2-40B4-BE49-F238E27FC236}">
+                <a16:creationId xmlns:a16="http://schemas.microsoft.com/office/drawing/2014/main" id="{33B0DF28-DFA7-46EA-8700-11716DC56006}"/>
+              </a:ext>
+            </a:extLst>
+          </p:cNvPr>
+          <p:cNvSpPr txBox="1"/>
+          <p:nvPr/>
+        </p:nvSpPr>
+        <p:spPr>
+          <a:xfrm>
+            <a:off x="7358562" y="5893300"/>
+            <a:ext cx="1090363" cy="246221"/>
+          </a:xfrm>
+          <a:prstGeom prst="rect">
+            <a:avLst/>
+          </a:prstGeom>
+          <a:noFill/>
+        </p:spPr>
+        <p:txBody>
+          <a:bodyPr wrap="none" rtlCol="0">
+            <a:spAutoFit/>
+          </a:bodyPr>
+          <a:lstStyle/>
+          <a:p>
+            <a:r>
+              <a:rPr lang="it-IT" sz="1000" dirty="0"/>
+              <a:t>CRUD Operations</a:t>
+            </a:r>
+          </a:p>
+        </p:txBody>
+      </p:sp>
+      <p:sp>
+        <p:nvSpPr>
+          <p:cNvPr id="64" name="CasellaDiTesto 63">
+            <a:extLst>
+              <a:ext uri="{FF2B5EF4-FFF2-40B4-BE49-F238E27FC236}">
+                <a16:creationId xmlns:a16="http://schemas.microsoft.com/office/drawing/2014/main" id="{F7A94F59-D122-46E0-BB22-67D09AC8EE5F}"/>
+              </a:ext>
+            </a:extLst>
+          </p:cNvPr>
+          <p:cNvSpPr txBox="1"/>
+          <p:nvPr/>
+        </p:nvSpPr>
+        <p:spPr>
+          <a:xfrm>
+            <a:off x="6870875" y="5437656"/>
+            <a:ext cx="1090363" cy="246221"/>
+          </a:xfrm>
+          <a:prstGeom prst="rect">
+            <a:avLst/>
+          </a:prstGeom>
+          <a:noFill/>
+        </p:spPr>
+        <p:txBody>
+          <a:bodyPr wrap="none" rtlCol="0">
+            <a:spAutoFit/>
+          </a:bodyPr>
+          <a:lstStyle/>
+          <a:p>
+            <a:r>
+              <a:rPr lang="it-IT" sz="1000" dirty="0"/>
+              <a:t>CRUD Operations</a:t>
+            </a:r>
+          </a:p>
+        </p:txBody>
+      </p:sp>
+      <p:pic>
+        <p:nvPicPr>
+          <p:cNvPr id="7" name="Picture 2" descr="Architecture, development, preference, software, structure icon - Download  on Iconfinder">
+            <a:extLst>
+              <a:ext uri="{FF2B5EF4-FFF2-40B4-BE49-F238E27FC236}">
+                <a16:creationId xmlns:a16="http://schemas.microsoft.com/office/drawing/2014/main" id="{85689A8A-DA84-4128-8566-64241BAA3D0B}"/>
+              </a:ext>
+            </a:extLst>
+          </p:cNvPr>
+          <p:cNvPicPr>
+            <a:picLocks noChangeAspect="1" noChangeArrowheads="1"/>
+          </p:cNvPicPr>
+          <p:nvPr/>
+        </p:nvPicPr>
+        <p:blipFill>
+          <a:blip r:embed="rId9">
+            <a:extLst>
+              <a:ext uri="{28A0092B-C50C-407E-A947-70E740481C1C}">
+                <a14:useLocalDpi xmlns:a14="http://schemas.microsoft.com/office/drawing/2010/main" val="0"/>
+              </a:ext>
+            </a:extLst>
+          </a:blip>
+          <a:srcRect/>
+          <a:stretch>
+            <a:fillRect/>
+          </a:stretch>
+        </p:blipFill>
+        <p:spPr bwMode="auto">
+          <a:xfrm flipH="1">
+            <a:off x="6737065" y="76586"/>
+            <a:ext cx="765709" cy="765709"/>
+          </a:xfrm>
+          <a:prstGeom prst="rect">
+            <a:avLst/>
+          </a:prstGeom>
+          <a:noFill/>
+          <a:extLst>
+            <a:ext uri="{909E8E84-426E-40DD-AFC4-6F175D3DCCD1}">
+              <a14:hiddenFill xmlns:a14="http://schemas.microsoft.com/office/drawing/2010/main">
+                <a:solidFill>
+                  <a:srgbClr val="FFFFFF"/>
+                </a:solidFill>
+              </a14:hiddenFill>
+            </a:ext>
+          </a:extLst>
+        </p:spPr>
+      </p:pic>
+    </p:spTree>
+    <p:extLst>
+      <p:ext uri="{BB962C8B-B14F-4D97-AF65-F5344CB8AC3E}">
+        <p14:creationId xmlns:p14="http://schemas.microsoft.com/office/powerpoint/2010/main" val="3187266073"/>
+      </p:ext>
+    </p:extLst>
+  </p:cSld>
+  <p:clrMapOvr>
+    <a:masterClrMapping/>
+  </p:clrMapOvr>
+</p:sld>
+</file>
+
+<file path=ppt/slides/slide4.xml><?xml version="1.0" encoding="utf-8"?>
+<p:sld xmlns:a="http://schemas.openxmlformats.org/drawingml/2006/main" xmlns:r="http://schemas.openxmlformats.org/officeDocument/2006/relationships" xmlns:p="http://schemas.openxmlformats.org/presentationml/2006/main">
+  <p:cSld>
+    <p:spTree>
+      <p:nvGrpSpPr>
+        <p:cNvPr id="1" name=""/>
+        <p:cNvGrpSpPr/>
+        <p:nvPr/>
+      </p:nvGrpSpPr>
+      <p:grpSpPr>
+        <a:xfrm>
+          <a:off x="0" y="0"/>
+          <a:ext cx="0" cy="0"/>
+          <a:chOff x="0" y="0"/>
+          <a:chExt cx="0" cy="0"/>
+        </a:xfrm>
+      </p:grpSpPr>
+      <p:sp>
+        <p:nvSpPr>
+          <p:cNvPr id="2" name="Rettangolo 1">
+            <a:extLst>
+              <a:ext uri="{FF2B5EF4-FFF2-40B4-BE49-F238E27FC236}">
+                <a16:creationId xmlns:a16="http://schemas.microsoft.com/office/drawing/2014/main" id="{654F6994-9DC1-4B1F-BB0E-C45701DEF217}"/>
+              </a:ext>
+            </a:extLst>
+          </p:cNvPr>
+          <p:cNvSpPr/>
+          <p:nvPr/>
+        </p:nvSpPr>
+        <p:spPr>
+          <a:xfrm>
+            <a:off x="301841" y="177553"/>
+            <a:ext cx="11455153" cy="878890"/>
+          </a:xfrm>
+          <a:prstGeom prst="rect">
+            <a:avLst/>
+          </a:prstGeom>
+          <a:solidFill>
+            <a:schemeClr val="accent3">
+              <a:lumMod val="20000"/>
+              <a:lumOff val="80000"/>
+            </a:schemeClr>
+          </a:solidFill>
+        </p:spPr>
+        <p:style>
+          <a:lnRef idx="2">
+            <a:schemeClr val="accent1">
+              <a:shade val="50000"/>
+            </a:schemeClr>
+          </a:lnRef>
+          <a:fillRef idx="1">
+            <a:schemeClr val="accent1"/>
+          </a:fillRef>
+          <a:effectRef idx="0">
+            <a:schemeClr val="accent1"/>
+          </a:effectRef>
+          <a:fontRef idx="minor">
+            <a:schemeClr val="lt1"/>
+          </a:fontRef>
+        </p:style>
+        <p:txBody>
+          <a:bodyPr rtlCol="0" anchor="ctr"/>
+          <a:lstStyle/>
+          <a:p>
+            <a:pPr algn="ctr"/>
+            <a:endParaRPr lang="it-IT"/>
+          </a:p>
+        </p:txBody>
+      </p:sp>
+      <p:sp>
+        <p:nvSpPr>
+          <p:cNvPr id="4" name="CasellaDiTesto 3">
+            <a:extLst>
+              <a:ext uri="{FF2B5EF4-FFF2-40B4-BE49-F238E27FC236}">
+                <a16:creationId xmlns:a16="http://schemas.microsoft.com/office/drawing/2014/main" id="{5919C734-D242-4C6E-8284-11E28CBF8407}"/>
+              </a:ext>
+            </a:extLst>
+          </p:cNvPr>
+          <p:cNvSpPr txBox="1"/>
+          <p:nvPr/>
+        </p:nvSpPr>
+        <p:spPr>
+          <a:xfrm>
+            <a:off x="3826276" y="386165"/>
+            <a:ext cx="2596865" cy="461665"/>
+          </a:xfrm>
+          <a:prstGeom prst="rect">
+            <a:avLst/>
+          </a:prstGeom>
+          <a:noFill/>
+        </p:spPr>
+        <p:txBody>
+          <a:bodyPr wrap="none" rtlCol="0">
+            <a:spAutoFit/>
+          </a:bodyPr>
+          <a:lstStyle/>
+          <a:p>
+            <a:r>
+              <a:rPr lang="it-IT" sz="2400" b="1" dirty="0">
+                <a:solidFill>
+                  <a:schemeClr val="accent5">
+                    <a:lumMod val="50000"/>
+                  </a:schemeClr>
+                </a:solidFill>
+              </a:rPr>
+              <a:t>Punti di attenzione</a:t>
+            </a:r>
+          </a:p>
+        </p:txBody>
+      </p:sp>
+      <p:sp>
+        <p:nvSpPr>
+          <p:cNvPr id="5" name="CasellaDiTesto 4">
+            <a:extLst>
+              <a:ext uri="{FF2B5EF4-FFF2-40B4-BE49-F238E27FC236}">
+                <a16:creationId xmlns:a16="http://schemas.microsoft.com/office/drawing/2014/main" id="{87BA3CDF-1420-4355-93E5-11B364927A0A}"/>
+              </a:ext>
+            </a:extLst>
+          </p:cNvPr>
+          <p:cNvSpPr txBox="1"/>
+          <p:nvPr/>
+        </p:nvSpPr>
+        <p:spPr>
+          <a:xfrm>
+            <a:off x="435006" y="1171852"/>
+            <a:ext cx="11487705" cy="3970318"/>
+          </a:xfrm>
+          <a:prstGeom prst="rect">
+            <a:avLst/>
+          </a:prstGeom>
+          <a:noFill/>
+        </p:spPr>
+        <p:txBody>
+          <a:bodyPr wrap="square" rtlCol="0">
+            <a:spAutoFit/>
+          </a:bodyPr>
+          <a:lstStyle/>
+          <a:p>
+            <a:pPr marL="285750" indent="-285750">
+              <a:buFont typeface="Wingdings" panose="05000000000000000000" pitchFamily="2" charset="2"/>
+              <a:buChar char="Ø"/>
+            </a:pPr>
+            <a:endParaRPr lang="it-IT" dirty="0"/>
+          </a:p>
+          <a:p>
+            <a:pPr marL="285750" indent="-285750">
+              <a:buFont typeface="Wingdings" panose="05000000000000000000" pitchFamily="2" charset="2"/>
+              <a:buChar char="Ø"/>
+            </a:pPr>
+            <a:r>
+              <a:rPr lang="it-IT" dirty="0"/>
+              <a:t>Il Windows Service girerà con una utenza ad hoc per accedere in autenticazione integrata al Database</a:t>
+            </a:r>
+          </a:p>
+          <a:p>
+            <a:pPr marL="285750" indent="-285750">
+              <a:buFont typeface="Wingdings" panose="05000000000000000000" pitchFamily="2" charset="2"/>
+              <a:buChar char="Ø"/>
+            </a:pPr>
+            <a:endParaRPr lang="it-IT" dirty="0"/>
+          </a:p>
+          <a:p>
+            <a:pPr marL="285750" indent="-285750">
+              <a:buFont typeface="Wingdings" panose="05000000000000000000" pitchFamily="2" charset="2"/>
+              <a:buChar char="Ø"/>
+            </a:pPr>
+            <a:r>
+              <a:rPr lang="it-IT" dirty="0"/>
+              <a:t>L’utenza del Windows Service sarà propagata ai processi root e </a:t>
+            </a:r>
+            <a:r>
+              <a:rPr lang="it-IT" dirty="0" err="1"/>
+              <a:t>child</a:t>
+            </a:r>
+            <a:endParaRPr lang="it-IT" dirty="0"/>
+          </a:p>
+          <a:p>
+            <a:endParaRPr lang="it-IT" dirty="0"/>
+          </a:p>
+          <a:p>
+            <a:pPr marL="285750" indent="-285750">
+              <a:buFont typeface="Wingdings" panose="05000000000000000000" pitchFamily="2" charset="2"/>
+              <a:buChar char="Ø"/>
+            </a:pPr>
+            <a:r>
+              <a:rPr lang="it-IT" dirty="0"/>
+              <a:t>Le regole di schedulazione sono definite a database. Si tratta di espressioni Cron per istanziare i </a:t>
+            </a:r>
+            <a:r>
+              <a:rPr lang="it-IT" dirty="0" err="1"/>
+              <a:t>CronTrigger</a:t>
+            </a:r>
+            <a:r>
+              <a:rPr lang="it-IT" dirty="0"/>
+              <a:t> Quartz .NET. Si possono avere più regole per uno stesso batch</a:t>
+            </a:r>
+          </a:p>
+          <a:p>
+            <a:pPr marL="285750" indent="-285750">
+              <a:buFont typeface="Wingdings" panose="05000000000000000000" pitchFamily="2" charset="2"/>
+              <a:buChar char="Ø"/>
+            </a:pPr>
+            <a:endParaRPr lang="it-IT" dirty="0"/>
+          </a:p>
+          <a:p>
+            <a:pPr marL="285750" indent="-285750">
+              <a:buFont typeface="Wingdings" panose="05000000000000000000" pitchFamily="2" charset="2"/>
+              <a:buChar char="Ø"/>
+            </a:pPr>
+            <a:r>
+              <a:rPr lang="it-IT" dirty="0"/>
+              <a:t>Windows Service e Processi gireranno in un ambiente </a:t>
+            </a:r>
+            <a:r>
+              <a:rPr lang="it-IT" dirty="0" err="1"/>
+              <a:t>headless</a:t>
+            </a:r>
+            <a:r>
+              <a:rPr lang="it-IT" dirty="0"/>
+              <a:t>. I processi devono essere lanciati senza uso di shell</a:t>
+            </a:r>
+          </a:p>
+          <a:p>
+            <a:pPr marL="285750" indent="-285750">
+              <a:buFont typeface="Wingdings" panose="05000000000000000000" pitchFamily="2" charset="2"/>
+              <a:buChar char="Ø"/>
+            </a:pPr>
+            <a:endParaRPr lang="it-IT" dirty="0"/>
+          </a:p>
+          <a:p>
+            <a:pPr marL="285750" indent="-285750">
+              <a:buFont typeface="Wingdings" panose="05000000000000000000" pitchFamily="2" charset="2"/>
+              <a:buChar char="Ø"/>
+            </a:pPr>
+            <a:r>
+              <a:rPr lang="it-IT" dirty="0"/>
+              <a:t>Le regole di schedulazione vengono ricaricate in automatico con una certa frequenza in base ad una policy di scadenza in cache</a:t>
+            </a:r>
+          </a:p>
+          <a:p>
+            <a:pPr marL="285750" indent="-285750">
+              <a:buFont typeface="Wingdings" panose="05000000000000000000" pitchFamily="2" charset="2"/>
+              <a:buChar char="Ø"/>
+            </a:pPr>
+            <a:endParaRPr lang="it-IT" dirty="0"/>
+          </a:p>
+          <a:p>
+            <a:pPr marL="285750" indent="-285750">
+              <a:buFont typeface="Wingdings" panose="05000000000000000000" pitchFamily="2" charset="2"/>
+              <a:buChar char="Ø"/>
+            </a:pPr>
+            <a:r>
+              <a:rPr lang="it-IT" dirty="0"/>
+              <a:t>Il primo accesso al database (per il recupero delle regole </a:t>
+            </a:r>
+            <a:r>
+              <a:rPr lang="it-IT" dirty="0" err="1"/>
+              <a:t>cron</a:t>
+            </a:r>
+            <a:r>
+              <a:rPr lang="it-IT" dirty="0"/>
+              <a:t>) sarà di tipo </a:t>
+            </a:r>
+            <a:r>
+              <a:rPr lang="it-IT" dirty="0" err="1"/>
+              <a:t>WaitAndRetryForever</a:t>
+            </a:r>
+            <a:endParaRPr lang="it-IT" dirty="0"/>
+          </a:p>
+        </p:txBody>
+      </p:sp>
+      <p:pic>
+        <p:nvPicPr>
+          <p:cNvPr id="2050" name="Picture 2">
+            <a:extLst>
+              <a:ext uri="{FF2B5EF4-FFF2-40B4-BE49-F238E27FC236}">
+                <a16:creationId xmlns:a16="http://schemas.microsoft.com/office/drawing/2014/main" id="{569E1246-05BF-4B23-B95A-56EA1F084A3E}"/>
+              </a:ext>
+            </a:extLst>
+          </p:cNvPr>
+          <p:cNvPicPr>
+            <a:picLocks noChangeAspect="1" noChangeArrowheads="1"/>
+          </p:cNvPicPr>
+          <p:nvPr/>
+        </p:nvPicPr>
+        <p:blipFill>
+          <a:blip r:embed="rId2">
+            <a:extLst>
+              <a:ext uri="{28A0092B-C50C-407E-A947-70E740481C1C}">
+                <a14:useLocalDpi xmlns:a14="http://schemas.microsoft.com/office/drawing/2010/main" val="0"/>
+              </a:ext>
+            </a:extLst>
+          </a:blip>
+          <a:srcRect/>
+          <a:stretch>
+            <a:fillRect/>
+          </a:stretch>
+        </p:blipFill>
+        <p:spPr bwMode="auto">
+          <a:xfrm>
+            <a:off x="6423141" y="282974"/>
+            <a:ext cx="668045" cy="668045"/>
+          </a:xfrm>
+          <a:prstGeom prst="rect">
+            <a:avLst/>
+          </a:prstGeom>
+          <a:noFill/>
+          <a:extLst>
+            <a:ext uri="{909E8E84-426E-40DD-AFC4-6F175D3DCCD1}">
+              <a14:hiddenFill xmlns:a14="http://schemas.microsoft.com/office/drawing/2010/main">
+                <a:solidFill>
+                  <a:srgbClr val="FFFFFF"/>
+                </a:solidFill>
+              </a14:hiddenFill>
+            </a:ext>
+          </a:extLst>
+        </p:spPr>
+      </p:pic>
     </p:spTree>
     <p:extLst>
       <p:ext uri="{BB962C8B-B14F-4D97-AF65-F5344CB8AC3E}">
         <p14:creationId xmlns:p14="http://schemas.microsoft.com/office/powerpoint/2010/main" val="1275252692"/>
+      </p:ext>
+    </p:extLst>
+  </p:cSld>
+  <p:clrMapOvr>
+    <a:masterClrMapping/>
+  </p:clrMapOvr>
+</p:sld>
+</file>
+
+<file path=ppt/slides/slide5.xml><?xml version="1.0" encoding="utf-8"?>
+<p:sld xmlns:a="http://schemas.openxmlformats.org/drawingml/2006/main" xmlns:r="http://schemas.openxmlformats.org/officeDocument/2006/relationships" xmlns:p="http://schemas.openxmlformats.org/presentationml/2006/main">
+  <p:cSld>
+    <p:spTree>
+      <p:nvGrpSpPr>
+        <p:cNvPr id="1" name=""/>
+        <p:cNvGrpSpPr/>
+        <p:nvPr/>
+      </p:nvGrpSpPr>
+      <p:grpSpPr>
+        <a:xfrm>
+          <a:off x="0" y="0"/>
+          <a:ext cx="0" cy="0"/>
+          <a:chOff x="0" y="0"/>
+          <a:chExt cx="0" cy="0"/>
+        </a:xfrm>
+      </p:grpSpPr>
+      <p:pic>
+        <p:nvPicPr>
+          <p:cNvPr id="1032" name="Picture 8" descr="That&amp;#39;s All Folks - Bugs Bunny - YouTube">
+            <a:extLst>
+              <a:ext uri="{FF2B5EF4-FFF2-40B4-BE49-F238E27FC236}">
+                <a16:creationId xmlns:a16="http://schemas.microsoft.com/office/drawing/2014/main" id="{DB95A48C-FB2C-4165-9FC7-3FFE01D208FE}"/>
+              </a:ext>
+            </a:extLst>
+          </p:cNvPr>
+          <p:cNvPicPr>
+            <a:picLocks noChangeAspect="1" noChangeArrowheads="1"/>
+          </p:cNvPicPr>
+          <p:nvPr/>
+        </p:nvPicPr>
+        <p:blipFill>
+          <a:blip r:embed="rId2">
+            <a:extLst>
+              <a:ext uri="{28A0092B-C50C-407E-A947-70E740481C1C}">
+                <a14:useLocalDpi xmlns:a14="http://schemas.microsoft.com/office/drawing/2010/main" val="0"/>
+              </a:ext>
+            </a:extLst>
+          </a:blip>
+          <a:srcRect/>
+          <a:stretch>
+            <a:fillRect/>
+          </a:stretch>
+        </p:blipFill>
+        <p:spPr bwMode="auto">
+          <a:xfrm>
+            <a:off x="0" y="0"/>
+            <a:ext cx="12192000" cy="6858000"/>
+          </a:xfrm>
+          <a:prstGeom prst="rect">
+            <a:avLst/>
+          </a:prstGeom>
+          <a:noFill/>
+          <a:extLst>
+            <a:ext uri="{909E8E84-426E-40DD-AFC4-6F175D3DCCD1}">
+              <a14:hiddenFill xmlns:a14="http://schemas.microsoft.com/office/drawing/2010/main">
+                <a:solidFill>
+                  <a:srgbClr val="FFFFFF"/>
+                </a:solidFill>
+              </a14:hiddenFill>
+            </a:ext>
+          </a:extLst>
+        </p:spPr>
+      </p:pic>
+    </p:spTree>
+    <p:extLst>
+      <p:ext uri="{BB962C8B-B14F-4D97-AF65-F5344CB8AC3E}">
+        <p14:creationId xmlns:p14="http://schemas.microsoft.com/office/powerpoint/2010/main" val="3666380960"/>
       </p:ext>
     </p:extLst>
   </p:cSld>
